--- a/folyamatmodellezes/figures/szintaxis.pptx
+++ b/folyamatmodellezes/figures/szintaxis.pptx
@@ -6,7 +6,7 @@
     <p:sldMasterId id="2147483655" r:id="rId2"/>
   </p:sldMasterIdLst>
   <p:notesMasterIdLst>
-    <p:notesMasterId r:id="rId21"/>
+    <p:notesMasterId r:id="rId22"/>
   </p:notesMasterIdLst>
   <p:sldIdLst>
     <p:sldId id="319" r:id="rId3"/>
@@ -20,13 +20,14 @@
     <p:sldId id="346" r:id="rId11"/>
     <p:sldId id="322" r:id="rId12"/>
     <p:sldId id="323" r:id="rId13"/>
-    <p:sldId id="343" r:id="rId14"/>
-    <p:sldId id="324" r:id="rId15"/>
-    <p:sldId id="486" r:id="rId16"/>
-    <p:sldId id="483" r:id="rId17"/>
-    <p:sldId id="487" r:id="rId18"/>
-    <p:sldId id="420" r:id="rId19"/>
-    <p:sldId id="488" r:id="rId20"/>
+    <p:sldId id="494" r:id="rId14"/>
+    <p:sldId id="343" r:id="rId15"/>
+    <p:sldId id="324" r:id="rId16"/>
+    <p:sldId id="486" r:id="rId17"/>
+    <p:sldId id="483" r:id="rId18"/>
+    <p:sldId id="487" r:id="rId19"/>
+    <p:sldId id="420" r:id="rId20"/>
+    <p:sldId id="488" r:id="rId21"/>
   </p:sldIdLst>
   <p:sldSz cx="9144000" cy="6858000" type="screen4x3"/>
   <p:notesSz cx="6858000" cy="9144000"/>
@@ -150,6 +151,7 @@
             <p14:sldId id="346"/>
             <p14:sldId id="322"/>
             <p14:sldId id="323"/>
+            <p14:sldId id="494"/>
             <p14:sldId id="343"/>
             <p14:sldId id="324"/>
             <p14:sldId id="486"/>
@@ -171,7 +173,7 @@
       </p14:sectionLst>
     </p:ext>
     <p:ext uri="{EFAFB233-063F-42B5-8137-9DF3F51BA10A}">
-      <p15:sldGuideLst xmlns:p15="http://schemas.microsoft.com/office/powerpoint/2012/main" xmlns="">
+      <p15:sldGuideLst xmlns="" xmlns:p15="http://schemas.microsoft.com/office/powerpoint/2012/main">
         <p15:guide id="1" orient="horz" pos="2136" userDrawn="1">
           <p15:clr>
             <a:srgbClr val="A4A3A4"/>
@@ -271,7 +273,7 @@
             <a:fld id="{B9130191-0BE1-0142-AFC1-0297AE024A0E}" type="datetimeFigureOut">
               <a:rPr lang="en-US" smtClean="0"/>
               <a:pPr/>
-              <a:t>3/22/2016</a:t>
+              <a:t>3/23/2016</a:t>
             </a:fld>
             <a:endParaRPr lang="en-US"/>
           </a:p>
@@ -693,7 +695,7 @@
             <a:fld id="{A70A3C59-3253-3B42-8BE0-F6D0BA6B0441}" type="slidenum">
               <a:rPr lang="en-US" smtClean="0"/>
               <a:pPr/>
-              <a:t>13</a:t>
+              <a:t>14</a:t>
             </a:fld>
             <a:endParaRPr lang="en-US"/>
           </a:p>
@@ -778,7 +780,7 @@
             <a:fld id="{A70A3C59-3253-3B42-8BE0-F6D0BA6B0441}" type="slidenum">
               <a:rPr lang="en-US" smtClean="0"/>
               <a:pPr/>
-              <a:t>15</a:t>
+              <a:t>16</a:t>
             </a:fld>
             <a:endParaRPr lang="en-US"/>
           </a:p>
@@ -863,7 +865,7 @@
             <a:fld id="{A70A3C59-3253-3B42-8BE0-F6D0BA6B0441}" type="slidenum">
               <a:rPr lang="en-US" smtClean="0"/>
               <a:pPr/>
-              <a:t>17</a:t>
+              <a:t>18</a:t>
             </a:fld>
             <a:endParaRPr lang="en-US"/>
           </a:p>
@@ -5939,6 +5941,1353 @@
       </p:grpSpPr>
       <p:cxnSp>
         <p:nvCxnSpPr>
+          <p:cNvPr id="3" name="Egyenes összekötő nyíllal 4"/>
+          <p:cNvCxnSpPr/>
+          <p:nvPr/>
+        </p:nvCxnSpPr>
+        <p:spPr>
+          <a:xfrm>
+            <a:off x="-202659" y="5797338"/>
+            <a:ext cx="8928992" cy="0"/>
+          </a:xfrm>
+          <a:prstGeom prst="straightConnector1">
+            <a:avLst/>
+          </a:prstGeom>
+          <a:ln>
+            <a:tailEnd type="arrow"/>
+          </a:ln>
+        </p:spPr>
+        <p:style>
+          <a:lnRef idx="2">
+            <a:schemeClr val="dk1"/>
+          </a:lnRef>
+          <a:fillRef idx="0">
+            <a:schemeClr val="dk1"/>
+          </a:fillRef>
+          <a:effectRef idx="1">
+            <a:schemeClr val="dk1"/>
+          </a:effectRef>
+          <a:fontRef idx="minor">
+            <a:schemeClr val="tx1"/>
+          </a:fontRef>
+        </p:style>
+      </p:cxnSp>
+      <p:sp>
+        <p:nvSpPr>
+          <p:cNvPr id="4" name="Szövegdoboz 5"/>
+          <p:cNvSpPr txBox="1"/>
+          <p:nvPr/>
+        </p:nvSpPr>
+        <p:spPr>
+          <a:xfrm>
+            <a:off x="8728169" y="5581314"/>
+            <a:ext cx="261610" cy="369332"/>
+          </a:xfrm>
+          <a:prstGeom prst="rect">
+            <a:avLst/>
+          </a:prstGeom>
+          <a:noFill/>
+        </p:spPr>
+        <p:txBody>
+          <a:bodyPr wrap="none" rtlCol="0">
+            <a:spAutoFit/>
+          </a:bodyPr>
+          <a:lstStyle/>
+          <a:p>
+            <a:r>
+              <a:rPr lang="hu-HU" dirty="0" smtClean="0"/>
+              <a:t>t</a:t>
+            </a:r>
+            <a:endParaRPr lang="hu-HU" dirty="0"/>
+          </a:p>
+        </p:txBody>
+      </p:sp>
+      <p:cxnSp>
+        <p:nvCxnSpPr>
+          <p:cNvPr id="13" name="Egyenes összekötő 15"/>
+          <p:cNvCxnSpPr/>
+          <p:nvPr/>
+        </p:nvCxnSpPr>
+        <p:spPr>
+          <a:xfrm>
+            <a:off x="1096968" y="5592739"/>
+            <a:ext cx="0" cy="472698"/>
+          </a:xfrm>
+          <a:prstGeom prst="line">
+            <a:avLst/>
+          </a:prstGeom>
+        </p:spPr>
+        <p:style>
+          <a:lnRef idx="3">
+            <a:schemeClr val="dk1"/>
+          </a:lnRef>
+          <a:fillRef idx="0">
+            <a:schemeClr val="dk1"/>
+          </a:fillRef>
+          <a:effectRef idx="2">
+            <a:schemeClr val="dk1"/>
+          </a:effectRef>
+          <a:fontRef idx="minor">
+            <a:schemeClr val="tx1"/>
+          </a:fontRef>
+        </p:style>
+      </p:cxnSp>
+      <p:cxnSp>
+        <p:nvCxnSpPr>
+          <p:cNvPr id="14" name="Egyenes összekötő 15"/>
+          <p:cNvCxnSpPr/>
+          <p:nvPr/>
+        </p:nvCxnSpPr>
+        <p:spPr>
+          <a:xfrm>
+            <a:off x="5585334" y="5560989"/>
+            <a:ext cx="0" cy="472698"/>
+          </a:xfrm>
+          <a:prstGeom prst="line">
+            <a:avLst/>
+          </a:prstGeom>
+        </p:spPr>
+        <p:style>
+          <a:lnRef idx="3">
+            <a:schemeClr val="dk1"/>
+          </a:lnRef>
+          <a:fillRef idx="0">
+            <a:schemeClr val="dk1"/>
+          </a:fillRef>
+          <a:effectRef idx="2">
+            <a:schemeClr val="dk1"/>
+          </a:effectRef>
+          <a:fontRef idx="minor">
+            <a:schemeClr val="tx1"/>
+          </a:fontRef>
+        </p:style>
+      </p:cxnSp>
+      <p:cxnSp>
+        <p:nvCxnSpPr>
+          <p:cNvPr id="15" name="Egyenes összekötő 65"/>
+          <p:cNvCxnSpPr/>
+          <p:nvPr/>
+        </p:nvCxnSpPr>
+        <p:spPr>
+          <a:xfrm>
+            <a:off x="5585334" y="5077651"/>
+            <a:ext cx="0" cy="560884"/>
+          </a:xfrm>
+          <a:prstGeom prst="line">
+            <a:avLst/>
+          </a:prstGeom>
+          <a:ln>
+            <a:prstDash val="sysDash"/>
+          </a:ln>
+        </p:spPr>
+        <p:style>
+          <a:lnRef idx="3">
+            <a:schemeClr val="dk1"/>
+          </a:lnRef>
+          <a:fillRef idx="0">
+            <a:schemeClr val="dk1"/>
+          </a:fillRef>
+          <a:effectRef idx="2">
+            <a:schemeClr val="dk1"/>
+          </a:effectRef>
+          <a:fontRef idx="minor">
+            <a:schemeClr val="tx1"/>
+          </a:fontRef>
+        </p:style>
+      </p:cxnSp>
+      <p:cxnSp>
+        <p:nvCxnSpPr>
+          <p:cNvPr id="16" name="Egyenes összekötő 65"/>
+          <p:cNvCxnSpPr/>
+          <p:nvPr/>
+        </p:nvCxnSpPr>
+        <p:spPr>
+          <a:xfrm>
+            <a:off x="1096968" y="5109401"/>
+            <a:ext cx="0" cy="560884"/>
+          </a:xfrm>
+          <a:prstGeom prst="line">
+            <a:avLst/>
+          </a:prstGeom>
+          <a:ln>
+            <a:prstDash val="sysDash"/>
+          </a:ln>
+        </p:spPr>
+        <p:style>
+          <a:lnRef idx="3">
+            <a:schemeClr val="dk1"/>
+          </a:lnRef>
+          <a:fillRef idx="0">
+            <a:schemeClr val="dk1"/>
+          </a:fillRef>
+          <a:effectRef idx="2">
+            <a:schemeClr val="dk1"/>
+          </a:effectRef>
+          <a:fontRef idx="minor">
+            <a:schemeClr val="tx1"/>
+          </a:fontRef>
+        </p:style>
+      </p:cxnSp>
+      <p:cxnSp>
+        <p:nvCxnSpPr>
+          <p:cNvPr id="17" name="Egyenes összekötő nyíllal 4"/>
+          <p:cNvCxnSpPr/>
+          <p:nvPr/>
+        </p:nvCxnSpPr>
+        <p:spPr>
+          <a:xfrm>
+            <a:off x="-214851" y="4035594"/>
+            <a:ext cx="8928992" cy="0"/>
+          </a:xfrm>
+          <a:prstGeom prst="straightConnector1">
+            <a:avLst/>
+          </a:prstGeom>
+          <a:ln>
+            <a:tailEnd type="arrow"/>
+          </a:ln>
+        </p:spPr>
+        <p:style>
+          <a:lnRef idx="2">
+            <a:schemeClr val="dk1"/>
+          </a:lnRef>
+          <a:fillRef idx="0">
+            <a:schemeClr val="dk1"/>
+          </a:fillRef>
+          <a:effectRef idx="1">
+            <a:schemeClr val="dk1"/>
+          </a:effectRef>
+          <a:fontRef idx="minor">
+            <a:schemeClr val="tx1"/>
+          </a:fontRef>
+        </p:style>
+      </p:cxnSp>
+      <p:sp>
+        <p:nvSpPr>
+          <p:cNvPr id="18" name="Szövegdoboz 5"/>
+          <p:cNvSpPr txBox="1"/>
+          <p:nvPr/>
+        </p:nvSpPr>
+        <p:spPr>
+          <a:xfrm>
+            <a:off x="8728169" y="3819570"/>
+            <a:ext cx="261610" cy="369332"/>
+          </a:xfrm>
+          <a:prstGeom prst="rect">
+            <a:avLst/>
+          </a:prstGeom>
+          <a:noFill/>
+        </p:spPr>
+        <p:txBody>
+          <a:bodyPr wrap="none" rtlCol="0">
+            <a:spAutoFit/>
+          </a:bodyPr>
+          <a:lstStyle/>
+          <a:p>
+            <a:r>
+              <a:rPr lang="hu-HU" dirty="0" smtClean="0"/>
+              <a:t>t</a:t>
+            </a:r>
+            <a:endParaRPr lang="hu-HU" dirty="0"/>
+          </a:p>
+        </p:txBody>
+      </p:sp>
+      <p:cxnSp>
+        <p:nvCxnSpPr>
+          <p:cNvPr id="25" name="Egyenes összekötő 15"/>
+          <p:cNvCxnSpPr/>
+          <p:nvPr/>
+        </p:nvCxnSpPr>
+        <p:spPr>
+          <a:xfrm>
+            <a:off x="4422401" y="3819570"/>
+            <a:ext cx="0" cy="472698"/>
+          </a:xfrm>
+          <a:prstGeom prst="line">
+            <a:avLst/>
+          </a:prstGeom>
+        </p:spPr>
+        <p:style>
+          <a:lnRef idx="3">
+            <a:schemeClr val="dk1"/>
+          </a:lnRef>
+          <a:fillRef idx="0">
+            <a:schemeClr val="dk1"/>
+          </a:fillRef>
+          <a:effectRef idx="2">
+            <a:schemeClr val="dk1"/>
+          </a:effectRef>
+          <a:fontRef idx="minor">
+            <a:schemeClr val="tx1"/>
+          </a:fontRef>
+        </p:style>
+      </p:cxnSp>
+      <p:cxnSp>
+        <p:nvCxnSpPr>
+          <p:cNvPr id="26" name="Egyenes összekötő 15"/>
+          <p:cNvCxnSpPr/>
+          <p:nvPr/>
+        </p:nvCxnSpPr>
+        <p:spPr>
+          <a:xfrm>
+            <a:off x="8459663" y="3787820"/>
+            <a:ext cx="0" cy="472698"/>
+          </a:xfrm>
+          <a:prstGeom prst="line">
+            <a:avLst/>
+          </a:prstGeom>
+        </p:spPr>
+        <p:style>
+          <a:lnRef idx="3">
+            <a:schemeClr val="dk1"/>
+          </a:lnRef>
+          <a:fillRef idx="0">
+            <a:schemeClr val="dk1"/>
+          </a:fillRef>
+          <a:effectRef idx="2">
+            <a:schemeClr val="dk1"/>
+          </a:effectRef>
+          <a:fontRef idx="minor">
+            <a:schemeClr val="tx1"/>
+          </a:fontRef>
+        </p:style>
+      </p:cxnSp>
+      <p:cxnSp>
+        <p:nvCxnSpPr>
+          <p:cNvPr id="27" name="Egyenes összekötő 65"/>
+          <p:cNvCxnSpPr/>
+          <p:nvPr/>
+        </p:nvCxnSpPr>
+        <p:spPr>
+          <a:xfrm>
+            <a:off x="8459663" y="3304482"/>
+            <a:ext cx="0" cy="560884"/>
+          </a:xfrm>
+          <a:prstGeom prst="line">
+            <a:avLst/>
+          </a:prstGeom>
+          <a:ln>
+            <a:prstDash val="sysDash"/>
+          </a:ln>
+        </p:spPr>
+        <p:style>
+          <a:lnRef idx="3">
+            <a:schemeClr val="dk1"/>
+          </a:lnRef>
+          <a:fillRef idx="0">
+            <a:schemeClr val="dk1"/>
+          </a:fillRef>
+          <a:effectRef idx="2">
+            <a:schemeClr val="dk1"/>
+          </a:effectRef>
+          <a:fontRef idx="minor">
+            <a:schemeClr val="tx1"/>
+          </a:fontRef>
+        </p:style>
+      </p:cxnSp>
+      <p:cxnSp>
+        <p:nvCxnSpPr>
+          <p:cNvPr id="28" name="Egyenes összekötő 65"/>
+          <p:cNvCxnSpPr/>
+          <p:nvPr/>
+        </p:nvCxnSpPr>
+        <p:spPr>
+          <a:xfrm>
+            <a:off x="4422401" y="3336232"/>
+            <a:ext cx="0" cy="560884"/>
+          </a:xfrm>
+          <a:prstGeom prst="line">
+            <a:avLst/>
+          </a:prstGeom>
+          <a:ln>
+            <a:prstDash val="sysDash"/>
+          </a:ln>
+        </p:spPr>
+        <p:style>
+          <a:lnRef idx="3">
+            <a:schemeClr val="dk1"/>
+          </a:lnRef>
+          <a:fillRef idx="0">
+            <a:schemeClr val="dk1"/>
+          </a:fillRef>
+          <a:effectRef idx="2">
+            <a:schemeClr val="dk1"/>
+          </a:effectRef>
+          <a:fontRef idx="minor">
+            <a:schemeClr val="tx1"/>
+          </a:fontRef>
+        </p:style>
+      </p:cxnSp>
+      <p:cxnSp>
+        <p:nvCxnSpPr>
+          <p:cNvPr id="41" name="Egyenes összekötő nyíllal 4"/>
+          <p:cNvCxnSpPr/>
+          <p:nvPr/>
+        </p:nvCxnSpPr>
+        <p:spPr>
+          <a:xfrm>
+            <a:off x="-199758" y="2200698"/>
+            <a:ext cx="8928992" cy="0"/>
+          </a:xfrm>
+          <a:prstGeom prst="straightConnector1">
+            <a:avLst/>
+          </a:prstGeom>
+          <a:ln>
+            <a:tailEnd type="arrow"/>
+          </a:ln>
+        </p:spPr>
+        <p:style>
+          <a:lnRef idx="2">
+            <a:schemeClr val="dk1"/>
+          </a:lnRef>
+          <a:fillRef idx="0">
+            <a:schemeClr val="dk1"/>
+          </a:fillRef>
+          <a:effectRef idx="1">
+            <a:schemeClr val="dk1"/>
+          </a:effectRef>
+          <a:fontRef idx="minor">
+            <a:schemeClr val="tx1"/>
+          </a:fontRef>
+        </p:style>
+      </p:cxnSp>
+      <p:sp>
+        <p:nvSpPr>
+          <p:cNvPr id="42" name="Szövegdoboz 5"/>
+          <p:cNvSpPr txBox="1"/>
+          <p:nvPr/>
+        </p:nvSpPr>
+        <p:spPr>
+          <a:xfrm>
+            <a:off x="8731070" y="1984674"/>
+            <a:ext cx="261610" cy="369332"/>
+          </a:xfrm>
+          <a:prstGeom prst="rect">
+            <a:avLst/>
+          </a:prstGeom>
+          <a:noFill/>
+        </p:spPr>
+        <p:txBody>
+          <a:bodyPr wrap="none" rtlCol="0">
+            <a:spAutoFit/>
+          </a:bodyPr>
+          <a:lstStyle/>
+          <a:p>
+            <a:r>
+              <a:rPr lang="hu-HU" dirty="0" smtClean="0"/>
+              <a:t>t</a:t>
+            </a:r>
+            <a:endParaRPr lang="hu-HU" dirty="0"/>
+          </a:p>
+        </p:txBody>
+      </p:sp>
+      <p:cxnSp>
+        <p:nvCxnSpPr>
+          <p:cNvPr id="43" name="Egyenes összekötő 12"/>
+          <p:cNvCxnSpPr/>
+          <p:nvPr/>
+        </p:nvCxnSpPr>
+        <p:spPr>
+          <a:xfrm>
+            <a:off x="1481034" y="1964349"/>
+            <a:ext cx="0" cy="472698"/>
+          </a:xfrm>
+          <a:prstGeom prst="line">
+            <a:avLst/>
+          </a:prstGeom>
+        </p:spPr>
+        <p:style>
+          <a:lnRef idx="3">
+            <a:schemeClr val="dk1"/>
+          </a:lnRef>
+          <a:fillRef idx="0">
+            <a:schemeClr val="dk1"/>
+          </a:fillRef>
+          <a:effectRef idx="2">
+            <a:schemeClr val="dk1"/>
+          </a:effectRef>
+          <a:fontRef idx="minor">
+            <a:schemeClr val="tx1"/>
+          </a:fontRef>
+        </p:style>
+      </p:cxnSp>
+      <p:sp>
+        <p:nvSpPr>
+          <p:cNvPr id="44" name="Hatszög 37"/>
+          <p:cNvSpPr/>
+          <p:nvPr/>
+        </p:nvSpPr>
+        <p:spPr>
+          <a:xfrm>
+            <a:off x="5364086" y="1469586"/>
+            <a:ext cx="3072695" cy="592634"/>
+          </a:xfrm>
+          <a:prstGeom prst="hexagon">
+            <a:avLst/>
+          </a:prstGeom>
+          <a:ln/>
+        </p:spPr>
+        <p:style>
+          <a:lnRef idx="1">
+            <a:schemeClr val="accent4"/>
+          </a:lnRef>
+          <a:fillRef idx="2">
+            <a:schemeClr val="accent4"/>
+          </a:fillRef>
+          <a:effectRef idx="1">
+            <a:schemeClr val="accent4"/>
+          </a:effectRef>
+          <a:fontRef idx="minor">
+            <a:schemeClr val="dk1"/>
+          </a:fontRef>
+        </p:style>
+        <p:txBody>
+          <a:bodyPr rtlCol="0" anchor="ctr"/>
+          <a:lstStyle/>
+          <a:p>
+            <a:pPr algn="ctr"/>
+            <a:r>
+              <a:rPr lang="hu-HU" sz="2400" i="1" dirty="0" err="1" smtClean="0">
+                <a:solidFill>
+                  <a:schemeClr val="tx1"/>
+                </a:solidFill>
+                <a:latin typeface="Cambria" panose="02040503050406030204" pitchFamily="18" charset="0"/>
+              </a:rPr>
+              <a:t>Compile</a:t>
+            </a:r>
+            <a:r>
+              <a:rPr lang="hu-HU" sz="2400" i="1" dirty="0" smtClean="0">
+                <a:solidFill>
+                  <a:schemeClr val="tx1"/>
+                </a:solidFill>
+                <a:latin typeface="Cambria" panose="02040503050406030204" pitchFamily="18" charset="0"/>
+              </a:rPr>
+              <a:t> source2.c</a:t>
+            </a:r>
+            <a:endParaRPr lang="hu-HU" sz="2400" i="1" dirty="0">
+              <a:solidFill>
+                <a:schemeClr val="tx1"/>
+              </a:solidFill>
+              <a:latin typeface="Cambria" panose="02040503050406030204" pitchFamily="18" charset="0"/>
+            </a:endParaRPr>
+          </a:p>
+        </p:txBody>
+      </p:sp>
+      <p:cxnSp>
+        <p:nvCxnSpPr>
+          <p:cNvPr id="45" name="Egyenes összekötő 64"/>
+          <p:cNvCxnSpPr/>
+          <p:nvPr/>
+        </p:nvCxnSpPr>
+        <p:spPr>
+          <a:xfrm>
+            <a:off x="1481034" y="657172"/>
+            <a:ext cx="0" cy="1384723"/>
+          </a:xfrm>
+          <a:prstGeom prst="line">
+            <a:avLst/>
+          </a:prstGeom>
+          <a:ln>
+            <a:prstDash val="sysDash"/>
+          </a:ln>
+        </p:spPr>
+        <p:style>
+          <a:lnRef idx="3">
+            <a:schemeClr val="dk1"/>
+          </a:lnRef>
+          <a:fillRef idx="0">
+            <a:schemeClr val="dk1"/>
+          </a:fillRef>
+          <a:effectRef idx="2">
+            <a:schemeClr val="dk1"/>
+          </a:effectRef>
+          <a:fontRef idx="minor">
+            <a:schemeClr val="tx1"/>
+          </a:fontRef>
+        </p:style>
+      </p:cxnSp>
+      <p:cxnSp>
+        <p:nvCxnSpPr>
+          <p:cNvPr id="46" name="Egyenes összekötő 15"/>
+          <p:cNvCxnSpPr/>
+          <p:nvPr/>
+        </p:nvCxnSpPr>
+        <p:spPr>
+          <a:xfrm>
+            <a:off x="5118844" y="1984674"/>
+            <a:ext cx="0" cy="472698"/>
+          </a:xfrm>
+          <a:prstGeom prst="line">
+            <a:avLst/>
+          </a:prstGeom>
+        </p:spPr>
+        <p:style>
+          <a:lnRef idx="3">
+            <a:schemeClr val="dk1"/>
+          </a:lnRef>
+          <a:fillRef idx="0">
+            <a:schemeClr val="dk1"/>
+          </a:fillRef>
+          <a:effectRef idx="2">
+            <a:schemeClr val="dk1"/>
+          </a:effectRef>
+          <a:fontRef idx="minor">
+            <a:schemeClr val="tx1"/>
+          </a:fontRef>
+        </p:style>
+      </p:cxnSp>
+      <p:cxnSp>
+        <p:nvCxnSpPr>
+          <p:cNvPr id="47" name="Egyenes összekötő 65"/>
+          <p:cNvCxnSpPr/>
+          <p:nvPr/>
+        </p:nvCxnSpPr>
+        <p:spPr>
+          <a:xfrm>
+            <a:off x="5110782" y="657172"/>
+            <a:ext cx="8062" cy="1405048"/>
+          </a:xfrm>
+          <a:prstGeom prst="line">
+            <a:avLst/>
+          </a:prstGeom>
+          <a:ln>
+            <a:prstDash val="sysDash"/>
+          </a:ln>
+        </p:spPr>
+        <p:style>
+          <a:lnRef idx="3">
+            <a:schemeClr val="dk1"/>
+          </a:lnRef>
+          <a:fillRef idx="0">
+            <a:schemeClr val="dk1"/>
+          </a:fillRef>
+          <a:effectRef idx="2">
+            <a:schemeClr val="dk1"/>
+          </a:effectRef>
+          <a:fontRef idx="minor">
+            <a:schemeClr val="tx1"/>
+          </a:fontRef>
+        </p:style>
+      </p:cxnSp>
+      <p:sp>
+        <p:nvSpPr>
+          <p:cNvPr id="48" name="Hatszög 37"/>
+          <p:cNvSpPr/>
+          <p:nvPr/>
+        </p:nvSpPr>
+        <p:spPr>
+          <a:xfrm>
+            <a:off x="1490325" y="767529"/>
+            <a:ext cx="3640711" cy="592636"/>
+          </a:xfrm>
+          <a:prstGeom prst="hexagon">
+            <a:avLst/>
+          </a:prstGeom>
+          <a:ln/>
+        </p:spPr>
+        <p:style>
+          <a:lnRef idx="1">
+            <a:schemeClr val="accent4"/>
+          </a:lnRef>
+          <a:fillRef idx="2">
+            <a:schemeClr val="accent4"/>
+          </a:fillRef>
+          <a:effectRef idx="1">
+            <a:schemeClr val="accent4"/>
+          </a:effectRef>
+          <a:fontRef idx="minor">
+            <a:schemeClr val="dk1"/>
+          </a:fontRef>
+        </p:style>
+        <p:txBody>
+          <a:bodyPr rtlCol="0" anchor="ctr"/>
+          <a:lstStyle/>
+          <a:p>
+            <a:pPr algn="ctr"/>
+            <a:r>
+              <a:rPr lang="hu-HU" sz="2400" i="1" dirty="0" err="1" smtClean="0">
+                <a:solidFill>
+                  <a:schemeClr val="tx1"/>
+                </a:solidFill>
+                <a:latin typeface="Cambria" panose="02040503050406030204" pitchFamily="18" charset="0"/>
+              </a:rPr>
+              <a:t>Compile</a:t>
+            </a:r>
+            <a:r>
+              <a:rPr lang="hu-HU" sz="2400" i="1" dirty="0" smtClean="0">
+                <a:solidFill>
+                  <a:schemeClr val="tx1"/>
+                </a:solidFill>
+                <a:latin typeface="Cambria" panose="02040503050406030204" pitchFamily="18" charset="0"/>
+              </a:rPr>
+              <a:t> source1.c</a:t>
+            </a:r>
+            <a:endParaRPr lang="hu-HU" sz="2400" i="1" dirty="0">
+              <a:solidFill>
+                <a:schemeClr val="tx1"/>
+              </a:solidFill>
+              <a:latin typeface="Cambria" panose="02040503050406030204" pitchFamily="18" charset="0"/>
+            </a:endParaRPr>
+          </a:p>
+        </p:txBody>
+      </p:sp>
+      <p:cxnSp>
+        <p:nvCxnSpPr>
+          <p:cNvPr id="49" name="Egyenes összekötő 15"/>
+          <p:cNvCxnSpPr/>
+          <p:nvPr/>
+        </p:nvCxnSpPr>
+        <p:spPr>
+          <a:xfrm>
+            <a:off x="5364086" y="1984674"/>
+            <a:ext cx="0" cy="472698"/>
+          </a:xfrm>
+          <a:prstGeom prst="line">
+            <a:avLst/>
+          </a:prstGeom>
+        </p:spPr>
+        <p:style>
+          <a:lnRef idx="3">
+            <a:schemeClr val="dk1"/>
+          </a:lnRef>
+          <a:fillRef idx="0">
+            <a:schemeClr val="dk1"/>
+          </a:fillRef>
+          <a:effectRef idx="2">
+            <a:schemeClr val="dk1"/>
+          </a:effectRef>
+          <a:fontRef idx="minor">
+            <a:schemeClr val="tx1"/>
+          </a:fontRef>
+        </p:style>
+      </p:cxnSp>
+      <p:cxnSp>
+        <p:nvCxnSpPr>
+          <p:cNvPr id="50" name="Egyenes összekötő 15"/>
+          <p:cNvCxnSpPr/>
+          <p:nvPr/>
+        </p:nvCxnSpPr>
+        <p:spPr>
+          <a:xfrm>
+            <a:off x="8462564" y="1952924"/>
+            <a:ext cx="0" cy="472698"/>
+          </a:xfrm>
+          <a:prstGeom prst="line">
+            <a:avLst/>
+          </a:prstGeom>
+        </p:spPr>
+        <p:style>
+          <a:lnRef idx="3">
+            <a:schemeClr val="dk1"/>
+          </a:lnRef>
+          <a:fillRef idx="0">
+            <a:schemeClr val="dk1"/>
+          </a:fillRef>
+          <a:effectRef idx="2">
+            <a:schemeClr val="dk1"/>
+          </a:effectRef>
+          <a:fontRef idx="minor">
+            <a:schemeClr val="tx1"/>
+          </a:fontRef>
+        </p:style>
+      </p:cxnSp>
+      <p:cxnSp>
+        <p:nvCxnSpPr>
+          <p:cNvPr id="51" name="Egyenes összekötő 65"/>
+          <p:cNvCxnSpPr/>
+          <p:nvPr/>
+        </p:nvCxnSpPr>
+        <p:spPr>
+          <a:xfrm>
+            <a:off x="8462564" y="1469586"/>
+            <a:ext cx="0" cy="560884"/>
+          </a:xfrm>
+          <a:prstGeom prst="line">
+            <a:avLst/>
+          </a:prstGeom>
+          <a:ln>
+            <a:prstDash val="sysDash"/>
+          </a:ln>
+        </p:spPr>
+        <p:style>
+          <a:lnRef idx="3">
+            <a:schemeClr val="dk1"/>
+          </a:lnRef>
+          <a:fillRef idx="0">
+            <a:schemeClr val="dk1"/>
+          </a:fillRef>
+          <a:effectRef idx="2">
+            <a:schemeClr val="dk1"/>
+          </a:effectRef>
+          <a:fontRef idx="minor">
+            <a:schemeClr val="tx1"/>
+          </a:fontRef>
+        </p:style>
+      </p:cxnSp>
+      <p:cxnSp>
+        <p:nvCxnSpPr>
+          <p:cNvPr id="52" name="Egyenes összekötő 65"/>
+          <p:cNvCxnSpPr/>
+          <p:nvPr/>
+        </p:nvCxnSpPr>
+        <p:spPr>
+          <a:xfrm>
+            <a:off x="5364086" y="1501336"/>
+            <a:ext cx="0" cy="560884"/>
+          </a:xfrm>
+          <a:prstGeom prst="line">
+            <a:avLst/>
+          </a:prstGeom>
+          <a:ln>
+            <a:prstDash val="sysDash"/>
+          </a:ln>
+        </p:spPr>
+        <p:style>
+          <a:lnRef idx="3">
+            <a:schemeClr val="dk1"/>
+          </a:lnRef>
+          <a:fillRef idx="0">
+            <a:schemeClr val="dk1"/>
+          </a:fillRef>
+          <a:effectRef idx="2">
+            <a:schemeClr val="dk1"/>
+          </a:effectRef>
+          <a:fontRef idx="minor">
+            <a:schemeClr val="tx1"/>
+          </a:fontRef>
+        </p:style>
+      </p:cxnSp>
+      <p:cxnSp>
+        <p:nvCxnSpPr>
+          <p:cNvPr id="53" name="Egyenes összekötő 12"/>
+          <p:cNvCxnSpPr/>
+          <p:nvPr/>
+        </p:nvCxnSpPr>
+        <p:spPr>
+          <a:xfrm>
+            <a:off x="1481034" y="3783287"/>
+            <a:ext cx="0" cy="472698"/>
+          </a:xfrm>
+          <a:prstGeom prst="line">
+            <a:avLst/>
+          </a:prstGeom>
+        </p:spPr>
+        <p:style>
+          <a:lnRef idx="3">
+            <a:schemeClr val="dk1"/>
+          </a:lnRef>
+          <a:fillRef idx="0">
+            <a:schemeClr val="dk1"/>
+          </a:fillRef>
+          <a:effectRef idx="2">
+            <a:schemeClr val="dk1"/>
+          </a:effectRef>
+          <a:fontRef idx="minor">
+            <a:schemeClr val="tx1"/>
+          </a:fontRef>
+        </p:style>
+      </p:cxnSp>
+      <p:cxnSp>
+        <p:nvCxnSpPr>
+          <p:cNvPr id="54" name="Egyenes összekötő 64"/>
+          <p:cNvCxnSpPr/>
+          <p:nvPr/>
+        </p:nvCxnSpPr>
+        <p:spPr>
+          <a:xfrm>
+            <a:off x="1481034" y="2476110"/>
+            <a:ext cx="0" cy="1384723"/>
+          </a:xfrm>
+          <a:prstGeom prst="line">
+            <a:avLst/>
+          </a:prstGeom>
+          <a:ln>
+            <a:prstDash val="sysDash"/>
+          </a:ln>
+        </p:spPr>
+        <p:style>
+          <a:lnRef idx="3">
+            <a:schemeClr val="dk1"/>
+          </a:lnRef>
+          <a:fillRef idx="0">
+            <a:schemeClr val="dk1"/>
+          </a:fillRef>
+          <a:effectRef idx="2">
+            <a:schemeClr val="dk1"/>
+          </a:effectRef>
+          <a:fontRef idx="minor">
+            <a:schemeClr val="tx1"/>
+          </a:fontRef>
+        </p:style>
+      </p:cxnSp>
+      <p:cxnSp>
+        <p:nvCxnSpPr>
+          <p:cNvPr id="55" name="Egyenes összekötő 15"/>
+          <p:cNvCxnSpPr/>
+          <p:nvPr/>
+        </p:nvCxnSpPr>
+        <p:spPr>
+          <a:xfrm>
+            <a:off x="5118844" y="3803612"/>
+            <a:ext cx="0" cy="472698"/>
+          </a:xfrm>
+          <a:prstGeom prst="line">
+            <a:avLst/>
+          </a:prstGeom>
+        </p:spPr>
+        <p:style>
+          <a:lnRef idx="3">
+            <a:schemeClr val="dk1"/>
+          </a:lnRef>
+          <a:fillRef idx="0">
+            <a:schemeClr val="dk1"/>
+          </a:fillRef>
+          <a:effectRef idx="2">
+            <a:schemeClr val="dk1"/>
+          </a:effectRef>
+          <a:fontRef idx="minor">
+            <a:schemeClr val="tx1"/>
+          </a:fontRef>
+        </p:style>
+      </p:cxnSp>
+      <p:cxnSp>
+        <p:nvCxnSpPr>
+          <p:cNvPr id="56" name="Egyenes összekötő 65"/>
+          <p:cNvCxnSpPr/>
+          <p:nvPr/>
+        </p:nvCxnSpPr>
+        <p:spPr>
+          <a:xfrm>
+            <a:off x="5122974" y="2476110"/>
+            <a:ext cx="8062" cy="1405048"/>
+          </a:xfrm>
+          <a:prstGeom prst="line">
+            <a:avLst/>
+          </a:prstGeom>
+          <a:ln>
+            <a:prstDash val="sysDash"/>
+          </a:ln>
+        </p:spPr>
+        <p:style>
+          <a:lnRef idx="3">
+            <a:schemeClr val="dk1"/>
+          </a:lnRef>
+          <a:fillRef idx="0">
+            <a:schemeClr val="dk1"/>
+          </a:fillRef>
+          <a:effectRef idx="2">
+            <a:schemeClr val="dk1"/>
+          </a:effectRef>
+          <a:fontRef idx="minor">
+            <a:schemeClr val="tx1"/>
+          </a:fontRef>
+        </p:style>
+      </p:cxnSp>
+      <p:sp>
+        <p:nvSpPr>
+          <p:cNvPr id="57" name="Hatszög 37"/>
+          <p:cNvSpPr/>
+          <p:nvPr/>
+        </p:nvSpPr>
+        <p:spPr>
+          <a:xfrm>
+            <a:off x="1490325" y="2586467"/>
+            <a:ext cx="3640711" cy="592636"/>
+          </a:xfrm>
+          <a:prstGeom prst="hexagon">
+            <a:avLst/>
+          </a:prstGeom>
+          <a:ln/>
+        </p:spPr>
+        <p:style>
+          <a:lnRef idx="1">
+            <a:schemeClr val="accent4"/>
+          </a:lnRef>
+          <a:fillRef idx="2">
+            <a:schemeClr val="accent4"/>
+          </a:fillRef>
+          <a:effectRef idx="1">
+            <a:schemeClr val="accent4"/>
+          </a:effectRef>
+          <a:fontRef idx="minor">
+            <a:schemeClr val="dk1"/>
+          </a:fontRef>
+        </p:style>
+        <p:txBody>
+          <a:bodyPr rtlCol="0" anchor="ctr"/>
+          <a:lstStyle/>
+          <a:p>
+            <a:pPr algn="ctr"/>
+            <a:r>
+              <a:rPr lang="hu-HU" sz="2400" i="1" dirty="0" err="1" smtClean="0">
+                <a:solidFill>
+                  <a:schemeClr val="tx1"/>
+                </a:solidFill>
+                <a:latin typeface="Cambria" panose="02040503050406030204" pitchFamily="18" charset="0"/>
+              </a:rPr>
+              <a:t>Compile</a:t>
+            </a:r>
+            <a:r>
+              <a:rPr lang="hu-HU" sz="2400" i="1" dirty="0" smtClean="0">
+                <a:solidFill>
+                  <a:schemeClr val="tx1"/>
+                </a:solidFill>
+                <a:latin typeface="Cambria" panose="02040503050406030204" pitchFamily="18" charset="0"/>
+              </a:rPr>
+              <a:t> source1.c</a:t>
+            </a:r>
+            <a:endParaRPr lang="hu-HU" sz="2400" i="1" dirty="0">
+              <a:solidFill>
+                <a:schemeClr val="tx1"/>
+              </a:solidFill>
+              <a:latin typeface="Cambria" panose="02040503050406030204" pitchFamily="18" charset="0"/>
+            </a:endParaRPr>
+          </a:p>
+        </p:txBody>
+      </p:sp>
+      <p:cxnSp>
+        <p:nvCxnSpPr>
+          <p:cNvPr id="58" name="Egyenes összekötő 12"/>
+          <p:cNvCxnSpPr/>
+          <p:nvPr/>
+        </p:nvCxnSpPr>
+        <p:spPr>
+          <a:xfrm>
+            <a:off x="1472972" y="5583786"/>
+            <a:ext cx="0" cy="472698"/>
+          </a:xfrm>
+          <a:prstGeom prst="line">
+            <a:avLst/>
+          </a:prstGeom>
+        </p:spPr>
+        <p:style>
+          <a:lnRef idx="3">
+            <a:schemeClr val="dk1"/>
+          </a:lnRef>
+          <a:fillRef idx="0">
+            <a:schemeClr val="dk1"/>
+          </a:fillRef>
+          <a:effectRef idx="2">
+            <a:schemeClr val="dk1"/>
+          </a:effectRef>
+          <a:fontRef idx="minor">
+            <a:schemeClr val="tx1"/>
+          </a:fontRef>
+        </p:style>
+      </p:cxnSp>
+      <p:cxnSp>
+        <p:nvCxnSpPr>
+          <p:cNvPr id="59" name="Egyenes összekötő 64"/>
+          <p:cNvCxnSpPr/>
+          <p:nvPr/>
+        </p:nvCxnSpPr>
+        <p:spPr>
+          <a:xfrm>
+            <a:off x="1472972" y="4276609"/>
+            <a:ext cx="0" cy="1384723"/>
+          </a:xfrm>
+          <a:prstGeom prst="line">
+            <a:avLst/>
+          </a:prstGeom>
+          <a:ln>
+            <a:prstDash val="sysDash"/>
+          </a:ln>
+        </p:spPr>
+        <p:style>
+          <a:lnRef idx="3">
+            <a:schemeClr val="dk1"/>
+          </a:lnRef>
+          <a:fillRef idx="0">
+            <a:schemeClr val="dk1"/>
+          </a:fillRef>
+          <a:effectRef idx="2">
+            <a:schemeClr val="dk1"/>
+          </a:effectRef>
+          <a:fontRef idx="minor">
+            <a:schemeClr val="tx1"/>
+          </a:fontRef>
+        </p:style>
+      </p:cxnSp>
+      <p:cxnSp>
+        <p:nvCxnSpPr>
+          <p:cNvPr id="60" name="Egyenes összekötő 15"/>
+          <p:cNvCxnSpPr/>
+          <p:nvPr/>
+        </p:nvCxnSpPr>
+        <p:spPr>
+          <a:xfrm>
+            <a:off x="5122974" y="5604111"/>
+            <a:ext cx="0" cy="472698"/>
+          </a:xfrm>
+          <a:prstGeom prst="line">
+            <a:avLst/>
+          </a:prstGeom>
+        </p:spPr>
+        <p:style>
+          <a:lnRef idx="3">
+            <a:schemeClr val="dk1"/>
+          </a:lnRef>
+          <a:fillRef idx="0">
+            <a:schemeClr val="dk1"/>
+          </a:fillRef>
+          <a:effectRef idx="2">
+            <a:schemeClr val="dk1"/>
+          </a:effectRef>
+          <a:fontRef idx="minor">
+            <a:schemeClr val="tx1"/>
+          </a:fontRef>
+        </p:style>
+      </p:cxnSp>
+      <p:cxnSp>
+        <p:nvCxnSpPr>
+          <p:cNvPr id="61" name="Egyenes összekötő 65"/>
+          <p:cNvCxnSpPr/>
+          <p:nvPr/>
+        </p:nvCxnSpPr>
+        <p:spPr>
+          <a:xfrm>
+            <a:off x="5114912" y="4276609"/>
+            <a:ext cx="8062" cy="1405048"/>
+          </a:xfrm>
+          <a:prstGeom prst="line">
+            <a:avLst/>
+          </a:prstGeom>
+          <a:ln>
+            <a:prstDash val="sysDash"/>
+          </a:ln>
+        </p:spPr>
+        <p:style>
+          <a:lnRef idx="3">
+            <a:schemeClr val="dk1"/>
+          </a:lnRef>
+          <a:fillRef idx="0">
+            <a:schemeClr val="dk1"/>
+          </a:fillRef>
+          <a:effectRef idx="2">
+            <a:schemeClr val="dk1"/>
+          </a:effectRef>
+          <a:fontRef idx="minor">
+            <a:schemeClr val="tx1"/>
+          </a:fontRef>
+        </p:style>
+      </p:cxnSp>
+      <p:sp>
+        <p:nvSpPr>
+          <p:cNvPr id="62" name="Hatszög 37"/>
+          <p:cNvSpPr/>
+          <p:nvPr/>
+        </p:nvSpPr>
+        <p:spPr>
+          <a:xfrm>
+            <a:off x="1482263" y="4386966"/>
+            <a:ext cx="3640711" cy="592636"/>
+          </a:xfrm>
+          <a:prstGeom prst="hexagon">
+            <a:avLst/>
+          </a:prstGeom>
+          <a:ln/>
+        </p:spPr>
+        <p:style>
+          <a:lnRef idx="1">
+            <a:schemeClr val="accent4"/>
+          </a:lnRef>
+          <a:fillRef idx="2">
+            <a:schemeClr val="accent4"/>
+          </a:fillRef>
+          <a:effectRef idx="1">
+            <a:schemeClr val="accent4"/>
+          </a:effectRef>
+          <a:fontRef idx="minor">
+            <a:schemeClr val="dk1"/>
+          </a:fontRef>
+        </p:style>
+        <p:txBody>
+          <a:bodyPr rtlCol="0" anchor="ctr"/>
+          <a:lstStyle/>
+          <a:p>
+            <a:pPr algn="ctr"/>
+            <a:r>
+              <a:rPr lang="hu-HU" sz="2400" i="1" dirty="0" err="1" smtClean="0">
+                <a:solidFill>
+                  <a:schemeClr val="tx1"/>
+                </a:solidFill>
+                <a:latin typeface="Cambria" panose="02040503050406030204" pitchFamily="18" charset="0"/>
+              </a:rPr>
+              <a:t>Compile</a:t>
+            </a:r>
+            <a:r>
+              <a:rPr lang="hu-HU" sz="2400" i="1" dirty="0" smtClean="0">
+                <a:solidFill>
+                  <a:schemeClr val="tx1"/>
+                </a:solidFill>
+                <a:latin typeface="Cambria" panose="02040503050406030204" pitchFamily="18" charset="0"/>
+              </a:rPr>
+              <a:t> source1.c</a:t>
+            </a:r>
+            <a:endParaRPr lang="hu-HU" sz="2400" i="1" dirty="0">
+              <a:solidFill>
+                <a:schemeClr val="tx1"/>
+              </a:solidFill>
+              <a:latin typeface="Cambria" panose="02040503050406030204" pitchFamily="18" charset="0"/>
+            </a:endParaRPr>
+          </a:p>
+        </p:txBody>
+      </p:sp>
+      <p:sp>
+        <p:nvSpPr>
+          <p:cNvPr id="6" name="Hatszög 37"/>
+          <p:cNvSpPr/>
+          <p:nvPr/>
+        </p:nvSpPr>
+        <p:spPr>
+          <a:xfrm>
+            <a:off x="1096968" y="5077651"/>
+            <a:ext cx="4488366" cy="592634"/>
+          </a:xfrm>
+          <a:prstGeom prst="hexagon">
+            <a:avLst/>
+          </a:prstGeom>
+          <a:ln/>
+        </p:spPr>
+        <p:style>
+          <a:lnRef idx="1">
+            <a:schemeClr val="accent4"/>
+          </a:lnRef>
+          <a:fillRef idx="2">
+            <a:schemeClr val="accent4"/>
+          </a:fillRef>
+          <a:effectRef idx="1">
+            <a:schemeClr val="accent4"/>
+          </a:effectRef>
+          <a:fontRef idx="minor">
+            <a:schemeClr val="dk1"/>
+          </a:fontRef>
+        </p:style>
+        <p:txBody>
+          <a:bodyPr rtlCol="0" anchor="ctr"/>
+          <a:lstStyle/>
+          <a:p>
+            <a:pPr algn="ctr"/>
+            <a:r>
+              <a:rPr lang="hu-HU" sz="2400" i="1" dirty="0" err="1" smtClean="0">
+                <a:solidFill>
+                  <a:schemeClr val="tx1"/>
+                </a:solidFill>
+                <a:latin typeface="Cambria" panose="02040503050406030204" pitchFamily="18" charset="0"/>
+              </a:rPr>
+              <a:t>Compile</a:t>
+            </a:r>
+            <a:r>
+              <a:rPr lang="hu-HU" sz="2400" i="1" dirty="0" smtClean="0">
+                <a:solidFill>
+                  <a:schemeClr val="tx1"/>
+                </a:solidFill>
+                <a:latin typeface="Cambria" panose="02040503050406030204" pitchFamily="18" charset="0"/>
+              </a:rPr>
+              <a:t> source2.c</a:t>
+            </a:r>
+            <a:endParaRPr lang="hu-HU" sz="2400" i="1" dirty="0">
+              <a:solidFill>
+                <a:schemeClr val="tx1"/>
+              </a:solidFill>
+              <a:latin typeface="Cambria" panose="02040503050406030204" pitchFamily="18" charset="0"/>
+            </a:endParaRPr>
+          </a:p>
+        </p:txBody>
+      </p:sp>
+      <p:sp>
+        <p:nvSpPr>
+          <p:cNvPr id="20" name="Hatszög 37"/>
+          <p:cNvSpPr/>
+          <p:nvPr/>
+        </p:nvSpPr>
+        <p:spPr>
+          <a:xfrm>
+            <a:off x="4422401" y="3304482"/>
+            <a:ext cx="4011479" cy="592634"/>
+          </a:xfrm>
+          <a:prstGeom prst="hexagon">
+            <a:avLst/>
+          </a:prstGeom>
+          <a:ln/>
+        </p:spPr>
+        <p:style>
+          <a:lnRef idx="1">
+            <a:schemeClr val="accent4"/>
+          </a:lnRef>
+          <a:fillRef idx="2">
+            <a:schemeClr val="accent4"/>
+          </a:fillRef>
+          <a:effectRef idx="1">
+            <a:schemeClr val="accent4"/>
+          </a:effectRef>
+          <a:fontRef idx="minor">
+            <a:schemeClr val="dk1"/>
+          </a:fontRef>
+        </p:style>
+        <p:txBody>
+          <a:bodyPr rtlCol="0" anchor="ctr"/>
+          <a:lstStyle/>
+          <a:p>
+            <a:pPr algn="ctr"/>
+            <a:r>
+              <a:rPr lang="hu-HU" sz="2400" i="1" dirty="0" err="1" smtClean="0">
+                <a:solidFill>
+                  <a:schemeClr val="tx1"/>
+                </a:solidFill>
+                <a:latin typeface="Cambria" panose="02040503050406030204" pitchFamily="18" charset="0"/>
+              </a:rPr>
+              <a:t>Compile</a:t>
+            </a:r>
+            <a:r>
+              <a:rPr lang="hu-HU" sz="2400" i="1" dirty="0" smtClean="0">
+                <a:solidFill>
+                  <a:schemeClr val="tx1"/>
+                </a:solidFill>
+                <a:latin typeface="Cambria" panose="02040503050406030204" pitchFamily="18" charset="0"/>
+              </a:rPr>
+              <a:t> source2.c</a:t>
+            </a:r>
+            <a:endParaRPr lang="hu-HU" sz="2400" i="1" dirty="0">
+              <a:solidFill>
+                <a:schemeClr val="tx1"/>
+              </a:solidFill>
+              <a:latin typeface="Cambria" panose="02040503050406030204" pitchFamily="18" charset="0"/>
+            </a:endParaRPr>
+          </a:p>
+        </p:txBody>
+      </p:sp>
+    </p:spTree>
+    <p:extLst>
+      <p:ext uri="{BB962C8B-B14F-4D97-AF65-F5344CB8AC3E}">
+        <p14:creationId xmlns:p14="http://schemas.microsoft.com/office/powerpoint/2010/main" val="1404043060"/>
+      </p:ext>
+    </p:extLst>
+  </p:cSld>
+  <p:clrMapOvr>
+    <a:masterClrMapping/>
+  </p:clrMapOvr>
+</p:sld>
+</file>
+
+<file path=ppt/slides/slide13.xml><?xml version="1.0" encoding="utf-8"?>
+<p:sld xmlns:a="http://schemas.openxmlformats.org/drawingml/2006/main" xmlns:r="http://schemas.openxmlformats.org/officeDocument/2006/relationships" xmlns:p="http://schemas.openxmlformats.org/presentationml/2006/main">
+  <p:cSld>
+    <p:spTree>
+      <p:nvGrpSpPr>
+        <p:cNvPr id="1" name=""/>
+        <p:cNvGrpSpPr/>
+        <p:nvPr/>
+      </p:nvGrpSpPr>
+      <p:grpSpPr>
+        <a:xfrm>
+          <a:off x="0" y="0"/>
+          <a:ext cx="0" cy="0"/>
+          <a:chOff x="0" y="0"/>
+          <a:chExt cx="0" cy="0"/>
+        </a:xfrm>
+      </p:grpSpPr>
+      <p:cxnSp>
+        <p:nvCxnSpPr>
           <p:cNvPr id="13" name="Straight Arrow Connector 12"/>
           <p:cNvCxnSpPr>
             <a:stCxn id="18" idx="6"/>
@@ -6254,7 +7603,7 @@
 </p:sld>
 </file>
 
-<file path=ppt/slides/slide13.xml><?xml version="1.0" encoding="utf-8"?>
+<file path=ppt/slides/slide14.xml><?xml version="1.0" encoding="utf-8"?>
 <p:sld xmlns:a="http://schemas.openxmlformats.org/drawingml/2006/main" xmlns:r="http://schemas.openxmlformats.org/officeDocument/2006/relationships" xmlns:p="http://schemas.openxmlformats.org/presentationml/2006/main">
   <p:cSld>
     <p:spTree>
@@ -6279,7 +7628,7 @@
         </p:nvSpPr>
         <p:spPr>
           <a:xfrm>
-            <a:off x="1147091" y="1980977"/>
+            <a:off x="976403" y="1980977"/>
             <a:ext cx="6620015" cy="1755978"/>
           </a:xfrm>
           <a:prstGeom prst="roundRect">
@@ -6341,7 +7690,7 @@
         </p:nvCxnSpPr>
         <p:spPr>
           <a:xfrm>
-            <a:off x="4126214" y="3020891"/>
+            <a:off x="3955526" y="3020891"/>
             <a:ext cx="661770" cy="0"/>
           </a:xfrm>
           <a:prstGeom prst="straightConnector1">
@@ -6381,7 +7730,7 @@
         </p:nvCxnSpPr>
         <p:spPr>
           <a:xfrm>
-            <a:off x="6521508" y="3020891"/>
+            <a:off x="6350820" y="3020891"/>
             <a:ext cx="499845" cy="0"/>
           </a:xfrm>
           <a:prstGeom prst="straightConnector1">
@@ -6421,7 +7770,7 @@
         </p:nvCxnSpPr>
         <p:spPr>
           <a:xfrm>
-            <a:off x="1899880" y="3020891"/>
+            <a:off x="1729192" y="3020891"/>
             <a:ext cx="492810" cy="0"/>
           </a:xfrm>
           <a:prstGeom prst="straightConnector1">
@@ -6458,7 +7807,7 @@
         </p:nvSpPr>
         <p:spPr>
           <a:xfrm>
-            <a:off x="1576030" y="2858966"/>
+            <a:off x="1405342" y="2858966"/>
             <a:ext cx="323850" cy="323850"/>
           </a:xfrm>
           <a:prstGeom prst="ellipse">
@@ -6507,7 +7856,7 @@
         </p:nvGrpSpPr>
         <p:grpSpPr>
           <a:xfrm>
-            <a:off x="7021353" y="2858966"/>
+            <a:off x="6850665" y="2858966"/>
             <a:ext cx="323850" cy="323850"/>
             <a:chOff x="1601514" y="4414346"/>
             <a:chExt cx="323850" cy="323850"/>
@@ -6616,7 +7965,7 @@
         </p:nvSpPr>
         <p:spPr>
           <a:xfrm>
-            <a:off x="2392690" y="2721990"/>
+            <a:off x="2222002" y="2721990"/>
             <a:ext cx="1733524" cy="597801"/>
           </a:xfrm>
           <a:prstGeom prst="roundRect">
@@ -6675,7 +8024,7 @@
         </p:nvSpPr>
         <p:spPr>
           <a:xfrm>
-            <a:off x="4787984" y="2721990"/>
+            <a:off x="4617296" y="2721990"/>
             <a:ext cx="1733524" cy="597801"/>
           </a:xfrm>
           <a:prstGeom prst="roundRect">
@@ -6732,7 +8081,7 @@
         </p:nvCxnSpPr>
         <p:spPr>
           <a:xfrm flipV="1">
-            <a:off x="578606" y="2858966"/>
+            <a:off x="407918" y="2858966"/>
             <a:ext cx="568485" cy="4853"/>
           </a:xfrm>
           <a:prstGeom prst="straightConnector1">
@@ -6769,7 +8118,7 @@
         </p:nvSpPr>
         <p:spPr>
           <a:xfrm>
-            <a:off x="254756" y="2701894"/>
+            <a:off x="84068" y="2701894"/>
             <a:ext cx="323850" cy="323850"/>
           </a:xfrm>
           <a:prstGeom prst="ellipse">
@@ -6815,14 +8164,14 @@
           <p:cNvPr id="42" name="Straight Arrow Connector 13"/>
           <p:cNvCxnSpPr>
             <a:stCxn id="60" idx="3"/>
-            <a:endCxn id="45" idx="2"/>
+            <a:endCxn id="22" idx="1"/>
           </p:cNvCxnSpPr>
           <p:nvPr/>
         </p:nvCxnSpPr>
         <p:spPr>
           <a:xfrm flipV="1">
-            <a:off x="7767106" y="2858965"/>
-            <a:ext cx="602904" cy="1"/>
+            <a:off x="7596418" y="2856484"/>
+            <a:ext cx="438110" cy="2482"/>
           </a:xfrm>
           <a:prstGeom prst="straightConnector1">
             <a:avLst/>
@@ -6852,13 +8201,13 @@
       </p:cxnSp>
       <p:grpSp>
         <p:nvGrpSpPr>
-          <p:cNvPr id="43" name="Group 14"/>
+          <p:cNvPr id="19" name="Group 14"/>
           <p:cNvGrpSpPr/>
           <p:nvPr/>
         </p:nvGrpSpPr>
         <p:grpSpPr>
           <a:xfrm>
-            <a:off x="8370010" y="2697040"/>
+            <a:off x="10254165" y="2698889"/>
             <a:ext cx="323850" cy="323850"/>
             <a:chOff x="1601514" y="4414346"/>
             <a:chExt cx="323850" cy="323850"/>
@@ -6866,7 +8215,7 @@
         </p:grpSpPr>
         <p:sp>
           <p:nvSpPr>
-            <p:cNvPr id="44" name="Oval 15"/>
+            <p:cNvPr id="20" name="Oval 15"/>
             <p:cNvSpPr/>
             <p:nvPr/>
           </p:nvSpPr>
@@ -6913,7 +8262,7 @@
         </p:sp>
         <p:sp>
           <p:nvSpPr>
-            <p:cNvPr id="45" name="Oval 16"/>
+            <p:cNvPr id="21" name="Oval 16"/>
             <p:cNvSpPr/>
             <p:nvPr/>
           </p:nvSpPr>
@@ -6959,6 +8308,105 @@
           </p:txBody>
         </p:sp>
       </p:grpSp>
+      <p:sp>
+        <p:nvSpPr>
+          <p:cNvPr id="22" name="Rounded Rectangle 14"/>
+          <p:cNvSpPr/>
+          <p:nvPr/>
+        </p:nvSpPr>
+        <p:spPr>
+          <a:xfrm>
+            <a:off x="8034528" y="2557583"/>
+            <a:ext cx="1733524" cy="597801"/>
+          </a:xfrm>
+          <a:prstGeom prst="roundRect">
+            <a:avLst/>
+          </a:prstGeom>
+          <a:noFill/>
+          <a:ln w="38100">
+            <a:solidFill>
+              <a:schemeClr val="tx1"/>
+            </a:solidFill>
+          </a:ln>
+          <a:effectLst/>
+        </p:spPr>
+        <p:style>
+          <a:lnRef idx="2">
+            <a:schemeClr val="accent4">
+              <a:shade val="50000"/>
+            </a:schemeClr>
+          </a:lnRef>
+          <a:fillRef idx="1">
+            <a:schemeClr val="accent4"/>
+          </a:fillRef>
+          <a:effectRef idx="0">
+            <a:schemeClr val="accent4"/>
+          </a:effectRef>
+          <a:fontRef idx="minor">
+            <a:schemeClr val="lt1"/>
+          </a:fontRef>
+        </p:style>
+        <p:txBody>
+          <a:bodyPr rtlCol="0" anchor="ctr"/>
+          <a:lstStyle/>
+          <a:p>
+            <a:pPr algn="ctr"/>
+            <a:r>
+              <a:rPr lang="hu-HU" sz="2400" dirty="0" smtClean="0">
+                <a:solidFill>
+                  <a:schemeClr val="tx1"/>
+                </a:solidFill>
+              </a:rPr>
+              <a:t>Test</a:t>
+            </a:r>
+            <a:endParaRPr lang="hu-HU" sz="2400" dirty="0" smtClean="0">
+              <a:solidFill>
+                <a:schemeClr val="tx1"/>
+              </a:solidFill>
+            </a:endParaRPr>
+          </a:p>
+        </p:txBody>
+      </p:sp>
+      <p:cxnSp>
+        <p:nvCxnSpPr>
+          <p:cNvPr id="23" name="Straight Arrow Connector 13"/>
+          <p:cNvCxnSpPr>
+            <a:stCxn id="22" idx="3"/>
+            <a:endCxn id="21" idx="2"/>
+          </p:cNvCxnSpPr>
+          <p:nvPr/>
+        </p:nvCxnSpPr>
+        <p:spPr>
+          <a:xfrm>
+            <a:off x="9768052" y="2856484"/>
+            <a:ext cx="486113" cy="4330"/>
+          </a:xfrm>
+          <a:prstGeom prst="straightConnector1">
+            <a:avLst/>
+          </a:prstGeom>
+          <a:ln w="31750">
+            <a:solidFill>
+              <a:schemeClr val="tx1"/>
+            </a:solidFill>
+            <a:prstDash val="sysDash"/>
+            <a:tailEnd type="arrow" w="lg" len="med"/>
+          </a:ln>
+        </p:spPr>
+        <p:style>
+          <a:lnRef idx="1">
+            <a:schemeClr val="accent1"/>
+          </a:lnRef>
+          <a:fillRef idx="0">
+            <a:schemeClr val="accent1"/>
+          </a:fillRef>
+          <a:effectRef idx="0">
+            <a:schemeClr val="accent1"/>
+          </a:effectRef>
+          <a:fontRef idx="minor">
+            <a:schemeClr val="tx1"/>
+          </a:fontRef>
+        </p:style>
+      </p:cxnSp>
     </p:spTree>
     <p:extLst>
       <p:ext uri="{BB962C8B-B14F-4D97-AF65-F5344CB8AC3E}">
@@ -6979,7 +8427,7 @@
 </p:sld>
 </file>
 
-<file path=ppt/slides/slide14.xml><?xml version="1.0" encoding="utf-8"?>
+<file path=ppt/slides/slide15.xml><?xml version="1.0" encoding="utf-8"?>
 <p:sld xmlns:a="http://schemas.openxmlformats.org/drawingml/2006/main" xmlns:r="http://schemas.openxmlformats.org/officeDocument/2006/relationships" xmlns:p="http://schemas.openxmlformats.org/presentationml/2006/main">
   <p:cSld>
     <p:spTree>
@@ -7513,7 +8961,7 @@
 </p:sld>
 </file>
 
-<file path=ppt/slides/slide15.xml><?xml version="1.0" encoding="utf-8"?>
+<file path=ppt/slides/slide16.xml><?xml version="1.0" encoding="utf-8"?>
 <p:sld xmlns:a="http://schemas.openxmlformats.org/drawingml/2006/main" xmlns:r="http://schemas.openxmlformats.org/officeDocument/2006/relationships" xmlns:p="http://schemas.openxmlformats.org/presentationml/2006/main">
   <p:cSld>
     <p:spTree>
@@ -8348,7 +9796,7 @@
 </p:sld>
 </file>
 
-<file path=ppt/slides/slide16.xml><?xml version="1.0" encoding="utf-8"?>
+<file path=ppt/slides/slide17.xml><?xml version="1.0" encoding="utf-8"?>
 <p:sld xmlns:a="http://schemas.openxmlformats.org/drawingml/2006/main" xmlns:r="http://schemas.openxmlformats.org/officeDocument/2006/relationships" xmlns:p="http://schemas.openxmlformats.org/presentationml/2006/main">
   <p:cSld>
     <p:spTree>
@@ -8882,7 +10330,7 @@
 </p:sld>
 </file>
 
-<file path=ppt/slides/slide17.xml><?xml version="1.0" encoding="utf-8"?>
+<file path=ppt/slides/slide18.xml><?xml version="1.0" encoding="utf-8"?>
 <p:sld xmlns:a="http://schemas.openxmlformats.org/drawingml/2006/main" xmlns:r="http://schemas.openxmlformats.org/officeDocument/2006/relationships" xmlns:p="http://schemas.openxmlformats.org/presentationml/2006/main">
   <p:cSld>
     <p:spTree>
@@ -9443,14 +10891,14 @@
           <p:cNvPr id="42" name="Straight Arrow Connector 13"/>
           <p:cNvCxnSpPr>
             <a:stCxn id="35" idx="3"/>
-            <a:endCxn id="45" idx="2"/>
+            <a:endCxn id="21" idx="1"/>
           </p:cNvCxnSpPr>
           <p:nvPr/>
         </p:nvCxnSpPr>
         <p:spPr>
-          <a:xfrm>
-            <a:off x="5323860" y="1461739"/>
-            <a:ext cx="711873" cy="4329"/>
+          <a:xfrm flipV="1">
+            <a:off x="5323860" y="1461738"/>
+            <a:ext cx="772140" cy="1"/>
           </a:xfrm>
           <a:prstGeom prst="straightConnector1">
             <a:avLst/>
@@ -9486,7 +10934,7 @@
         </p:nvGrpSpPr>
         <p:grpSpPr>
           <a:xfrm>
-            <a:off x="6035733" y="1304143"/>
+            <a:off x="8315637" y="1304143"/>
             <a:ext cx="323850" cy="323850"/>
             <a:chOff x="1601514" y="4414346"/>
             <a:chExt cx="323850" cy="323850"/>
@@ -9697,6 +11145,105 @@
           </a:p>
         </p:txBody>
       </p:sp>
+      <p:sp>
+        <p:nvSpPr>
+          <p:cNvPr id="21" name="Rounded Rectangle 14"/>
+          <p:cNvSpPr/>
+          <p:nvPr/>
+        </p:nvSpPr>
+        <p:spPr>
+          <a:xfrm>
+            <a:off x="6096000" y="1162837"/>
+            <a:ext cx="1733524" cy="597801"/>
+          </a:xfrm>
+          <a:prstGeom prst="roundRect">
+            <a:avLst/>
+          </a:prstGeom>
+          <a:noFill/>
+          <a:ln w="38100">
+            <a:solidFill>
+              <a:schemeClr val="tx1"/>
+            </a:solidFill>
+          </a:ln>
+          <a:effectLst/>
+        </p:spPr>
+        <p:style>
+          <a:lnRef idx="2">
+            <a:schemeClr val="accent4">
+              <a:shade val="50000"/>
+            </a:schemeClr>
+          </a:lnRef>
+          <a:fillRef idx="1">
+            <a:schemeClr val="accent4"/>
+          </a:fillRef>
+          <a:effectRef idx="0">
+            <a:schemeClr val="accent4"/>
+          </a:effectRef>
+          <a:fontRef idx="minor">
+            <a:schemeClr val="lt1"/>
+          </a:fontRef>
+        </p:style>
+        <p:txBody>
+          <a:bodyPr rtlCol="0" anchor="ctr"/>
+          <a:lstStyle/>
+          <a:p>
+            <a:pPr algn="ctr"/>
+            <a:r>
+              <a:rPr lang="hu-HU" sz="2400" dirty="0" smtClean="0">
+                <a:solidFill>
+                  <a:schemeClr val="tx1"/>
+                </a:solidFill>
+              </a:rPr>
+              <a:t>Test</a:t>
+            </a:r>
+            <a:endParaRPr lang="hu-HU" sz="2400" dirty="0" smtClean="0">
+              <a:solidFill>
+                <a:schemeClr val="tx1"/>
+              </a:solidFill>
+            </a:endParaRPr>
+          </a:p>
+        </p:txBody>
+      </p:sp>
+      <p:cxnSp>
+        <p:nvCxnSpPr>
+          <p:cNvPr id="23" name="Straight Arrow Connector 13"/>
+          <p:cNvCxnSpPr>
+            <a:stCxn id="21" idx="3"/>
+            <a:endCxn id="45" idx="2"/>
+          </p:cNvCxnSpPr>
+          <p:nvPr/>
+        </p:nvCxnSpPr>
+        <p:spPr>
+          <a:xfrm>
+            <a:off x="7829524" y="1461738"/>
+            <a:ext cx="486113" cy="4330"/>
+          </a:xfrm>
+          <a:prstGeom prst="straightConnector1">
+            <a:avLst/>
+          </a:prstGeom>
+          <a:ln w="31750">
+            <a:solidFill>
+              <a:schemeClr val="tx1"/>
+            </a:solidFill>
+            <a:prstDash val="sysDash"/>
+            <a:tailEnd type="arrow" w="lg" len="med"/>
+          </a:ln>
+        </p:spPr>
+        <p:style>
+          <a:lnRef idx="1">
+            <a:schemeClr val="accent1"/>
+          </a:lnRef>
+          <a:fillRef idx="0">
+            <a:schemeClr val="accent1"/>
+          </a:fillRef>
+          <a:effectRef idx="0">
+            <a:schemeClr val="accent1"/>
+          </a:effectRef>
+          <a:fontRef idx="minor">
+            <a:schemeClr val="tx1"/>
+          </a:fontRef>
+        </p:style>
+      </p:cxnSp>
     </p:spTree>
     <p:extLst>
       <p:ext uri="{BB962C8B-B14F-4D97-AF65-F5344CB8AC3E}">
@@ -9717,7 +11264,7 @@
 </p:sld>
 </file>
 
-<file path=ppt/slides/slide18.xml><?xml version="1.0" encoding="utf-8"?>
+<file path=ppt/slides/slide19.xml><?xml version="1.0" encoding="utf-8"?>
 <p:sld xmlns:a="http://schemas.openxmlformats.org/drawingml/2006/main" xmlns:r="http://schemas.openxmlformats.org/officeDocument/2006/relationships" xmlns:p="http://schemas.openxmlformats.org/presentationml/2006/main">
   <p:cSld>
     <p:spTree>
@@ -9805,7 +11352,7 @@
         </p:nvCxnSpPr>
         <p:spPr>
           <a:xfrm>
-            <a:off x="2197461" y="5560989"/>
+            <a:off x="1941429" y="5560989"/>
             <a:ext cx="0" cy="472698"/>
           </a:xfrm>
           <a:prstGeom prst="line">
@@ -9882,43 +11429,13 @@
       </p:sp>
       <p:cxnSp>
         <p:nvCxnSpPr>
-          <p:cNvPr id="7" name="Egyenes összekötő 53"/>
-          <p:cNvCxnSpPr/>
-          <p:nvPr/>
-        </p:nvCxnSpPr>
-        <p:spPr>
-          <a:xfrm>
-            <a:off x="890028" y="5581314"/>
-            <a:ext cx="0" cy="472698"/>
-          </a:xfrm>
-          <a:prstGeom prst="line">
-            <a:avLst/>
-          </a:prstGeom>
-        </p:spPr>
-        <p:style>
-          <a:lnRef idx="3">
-            <a:schemeClr val="dk1"/>
-          </a:lnRef>
-          <a:fillRef idx="0">
-            <a:schemeClr val="dk1"/>
-          </a:fillRef>
-          <a:effectRef idx="2">
-            <a:schemeClr val="dk1"/>
-          </a:effectRef>
-          <a:fontRef idx="minor">
-            <a:schemeClr val="tx1"/>
-          </a:fontRef>
-        </p:style>
-      </p:cxnSp>
-      <p:cxnSp>
-        <p:nvCxnSpPr>
           <p:cNvPr id="8" name="Egyenes összekötő 64"/>
           <p:cNvCxnSpPr/>
           <p:nvPr/>
         </p:nvCxnSpPr>
         <p:spPr>
           <a:xfrm>
-            <a:off x="2197461" y="4253812"/>
+            <a:off x="1941429" y="4253812"/>
             <a:ext cx="0" cy="1384723"/>
           </a:xfrm>
           <a:prstGeom prst="line">
@@ -9951,7 +11468,7 @@
         </p:nvCxnSpPr>
         <p:spPr>
           <a:xfrm>
-            <a:off x="6969127" y="5581314"/>
+            <a:off x="7322695" y="5581314"/>
             <a:ext cx="0" cy="472698"/>
           </a:xfrm>
           <a:prstGeom prst="line">
@@ -9981,7 +11498,7 @@
         </p:nvCxnSpPr>
         <p:spPr>
           <a:xfrm>
-            <a:off x="6961065" y="4253812"/>
+            <a:off x="7314633" y="4253812"/>
             <a:ext cx="8062" cy="1405048"/>
           </a:xfrm>
           <a:prstGeom prst="line">
@@ -10067,8 +11584,8 @@
         </p:nvSpPr>
         <p:spPr>
           <a:xfrm>
-            <a:off x="2213688" y="4364169"/>
-            <a:ext cx="4755439" cy="592636"/>
+            <a:off x="1950720" y="4364169"/>
+            <a:ext cx="5376672" cy="592636"/>
           </a:xfrm>
           <a:prstGeom prst="hexagon">
             <a:avLst/>
@@ -10214,6 +11731,132 @@
         <p:spPr>
           <a:xfrm>
             <a:off x="4022272" y="5077651"/>
+            <a:ext cx="0" cy="560884"/>
+          </a:xfrm>
+          <a:prstGeom prst="line">
+            <a:avLst/>
+          </a:prstGeom>
+          <a:ln>
+            <a:prstDash val="sysDash"/>
+          </a:ln>
+        </p:spPr>
+        <p:style>
+          <a:lnRef idx="3">
+            <a:schemeClr val="dk1"/>
+          </a:lnRef>
+          <a:fillRef idx="0">
+            <a:schemeClr val="dk1"/>
+          </a:fillRef>
+          <a:effectRef idx="2">
+            <a:schemeClr val="dk1"/>
+          </a:effectRef>
+          <a:fontRef idx="minor">
+            <a:schemeClr val="tx1"/>
+          </a:fontRef>
+        </p:style>
+      </p:cxnSp>
+      <p:cxnSp>
+        <p:nvCxnSpPr>
+          <p:cNvPr id="17" name="Egyenes összekötő 15"/>
+          <p:cNvCxnSpPr/>
+          <p:nvPr/>
+        </p:nvCxnSpPr>
+        <p:spPr>
+          <a:xfrm>
+            <a:off x="2194249" y="5560989"/>
+            <a:ext cx="0" cy="472698"/>
+          </a:xfrm>
+          <a:prstGeom prst="line">
+            <a:avLst/>
+          </a:prstGeom>
+        </p:spPr>
+        <p:style>
+          <a:lnRef idx="3">
+            <a:schemeClr val="dk1"/>
+          </a:lnRef>
+          <a:fillRef idx="0">
+            <a:schemeClr val="dk1"/>
+          </a:fillRef>
+          <a:effectRef idx="2">
+            <a:schemeClr val="dk1"/>
+          </a:effectRef>
+          <a:fontRef idx="minor">
+            <a:schemeClr val="tx1"/>
+          </a:fontRef>
+        </p:style>
+      </p:cxnSp>
+      <p:cxnSp>
+        <p:nvCxnSpPr>
+          <p:cNvPr id="18" name="Egyenes összekötő 65"/>
+          <p:cNvCxnSpPr/>
+          <p:nvPr/>
+        </p:nvCxnSpPr>
+        <p:spPr>
+          <a:xfrm>
+            <a:off x="2194249" y="5077651"/>
+            <a:ext cx="0" cy="560884"/>
+          </a:xfrm>
+          <a:prstGeom prst="line">
+            <a:avLst/>
+          </a:prstGeom>
+          <a:ln>
+            <a:prstDash val="sysDash"/>
+          </a:ln>
+        </p:spPr>
+        <p:style>
+          <a:lnRef idx="3">
+            <a:schemeClr val="dk1"/>
+          </a:lnRef>
+          <a:fillRef idx="0">
+            <a:schemeClr val="dk1"/>
+          </a:fillRef>
+          <a:effectRef idx="2">
+            <a:schemeClr val="dk1"/>
+          </a:effectRef>
+          <a:fontRef idx="minor">
+            <a:schemeClr val="tx1"/>
+          </a:fontRef>
+        </p:style>
+      </p:cxnSp>
+      <p:cxnSp>
+        <p:nvCxnSpPr>
+          <p:cNvPr id="19" name="Egyenes összekötő 15"/>
+          <p:cNvCxnSpPr/>
+          <p:nvPr/>
+        </p:nvCxnSpPr>
+        <p:spPr>
+          <a:xfrm>
+            <a:off x="6986327" y="5560989"/>
+            <a:ext cx="0" cy="472698"/>
+          </a:xfrm>
+          <a:prstGeom prst="line">
+            <a:avLst/>
+          </a:prstGeom>
+        </p:spPr>
+        <p:style>
+          <a:lnRef idx="3">
+            <a:schemeClr val="dk1"/>
+          </a:lnRef>
+          <a:fillRef idx="0">
+            <a:schemeClr val="dk1"/>
+          </a:fillRef>
+          <a:effectRef idx="2">
+            <a:schemeClr val="dk1"/>
+          </a:effectRef>
+          <a:fontRef idx="minor">
+            <a:schemeClr val="tx1"/>
+          </a:fontRef>
+        </p:style>
+      </p:cxnSp>
+      <p:cxnSp>
+        <p:nvCxnSpPr>
+          <p:cNvPr id="20" name="Egyenes összekötő 65"/>
+          <p:cNvCxnSpPr/>
+          <p:nvPr/>
+        </p:nvCxnSpPr>
+        <p:spPr>
+          <a:xfrm>
+            <a:off x="6986327" y="5077651"/>
             <a:ext cx="0" cy="560884"/>
           </a:xfrm>
           <a:prstGeom prst="line">
@@ -11573,11 +13216,6 @@
               </a:rPr>
               <a:t> C</a:t>
             </a:r>
-            <a:endParaRPr lang="hu-HU" sz="2000" dirty="0" smtClean="0">
-              <a:solidFill>
-                <a:schemeClr val="tx1"/>
-              </a:solidFill>
-            </a:endParaRPr>
           </a:p>
         </p:txBody>
       </p:sp>
@@ -11689,11 +13327,6 @@
               </a:rPr>
               <a:t>++</a:t>
             </a:r>
-            <a:endParaRPr lang="hu-HU" sz="2000" dirty="0" smtClean="0">
-              <a:solidFill>
-                <a:schemeClr val="tx1"/>
-              </a:solidFill>
-            </a:endParaRPr>
           </a:p>
         </p:txBody>
       </p:sp>
@@ -11880,8 +13513,8 @@
           </a:fontRef>
         </p:style>
       </p:cxnSp>
-      <mc:AlternateContent xmlns:mc="http://schemas.openxmlformats.org/markup-compatibility/2006">
-        <mc:Choice xmlns:a14="http://schemas.microsoft.com/office/drawing/2010/main" Requires="a14">
+      <mc:AlternateContent xmlns:mc="http://schemas.openxmlformats.org/markup-compatibility/2006" xmlns:a14="http://schemas.microsoft.com/office/drawing/2010/main">
+        <mc:Choice Requires="a14">
           <p:sp>
             <p:nvSpPr>
               <p:cNvPr id="5" name="TextBox 54"/>
@@ -11904,6 +13537,7 @@
               </a:bodyPr>
               <a:lstStyle/>
               <a:p>
+                <a:pPr/>
                 <a14:m>
                   <m:oMathPara xmlns:m="http://schemas.openxmlformats.org/officeDocument/2006/math">
                     <m:oMathParaPr>
@@ -11953,7 +13587,7 @@
             </p:txBody>
           </p:sp>
         </mc:Choice>
-        <mc:Fallback>
+        <mc:Fallback xmlns="">
           <p:sp>
             <p:nvSpPr>
               <p:cNvPr id="5" name="TextBox 54"/>
@@ -12043,8 +13677,8 @@
           </a:p>
         </p:txBody>
       </p:sp>
-      <mc:AlternateContent xmlns:mc="http://schemas.openxmlformats.org/markup-compatibility/2006">
-        <mc:Choice xmlns:a14="http://schemas.microsoft.com/office/drawing/2010/main" Requires="a14">
+      <mc:AlternateContent xmlns:mc="http://schemas.openxmlformats.org/markup-compatibility/2006" xmlns:a14="http://schemas.microsoft.com/office/drawing/2010/main">
+        <mc:Choice Requires="a14">
           <p:sp>
             <p:nvSpPr>
               <p:cNvPr id="7" name="TextBox 32"/>
@@ -12120,7 +13754,7 @@
             </p:txBody>
           </p:sp>
         </mc:Choice>
-        <mc:Fallback>
+        <mc:Fallback xmlns="">
           <p:sp>
             <p:nvSpPr>
               <p:cNvPr id="7" name="TextBox 32"/>
@@ -12218,11 +13852,6 @@
               </a:rPr>
               <a:t> C</a:t>
             </a:r>
-            <a:endParaRPr lang="hu-HU" sz="2000" dirty="0" smtClean="0">
-              <a:solidFill>
-                <a:schemeClr val="tx1"/>
-              </a:solidFill>
-            </a:endParaRPr>
           </a:p>
         </p:txBody>
       </p:sp>
@@ -12334,11 +13963,6 @@
               </a:rPr>
               <a:t>++</a:t>
             </a:r>
-            <a:endParaRPr lang="hu-HU" sz="2000" dirty="0" smtClean="0">
-              <a:solidFill>
-                <a:schemeClr val="tx1"/>
-              </a:solidFill>
-            </a:endParaRPr>
           </a:p>
         </p:txBody>
       </p:sp>
@@ -12529,8 +14153,8 @@
           </a:fontRef>
         </p:style>
       </p:cxnSp>
-      <mc:AlternateContent xmlns:mc="http://schemas.openxmlformats.org/markup-compatibility/2006">
-        <mc:Choice xmlns:a14="http://schemas.microsoft.com/office/drawing/2010/main" Requires="a14">
+      <mc:AlternateContent xmlns:mc="http://schemas.openxmlformats.org/markup-compatibility/2006" xmlns:a14="http://schemas.microsoft.com/office/drawing/2010/main">
+        <mc:Choice Requires="a14">
           <p:sp>
             <p:nvSpPr>
               <p:cNvPr id="5" name="TextBox 54"/>
@@ -12553,6 +14177,7 @@
               </a:bodyPr>
               <a:lstStyle/>
               <a:p>
+                <a:pPr/>
                 <a14:m>
                   <m:oMathPara xmlns:m="http://schemas.openxmlformats.org/officeDocument/2006/math">
                     <m:oMathParaPr>
@@ -12602,7 +14227,7 @@
             </p:txBody>
           </p:sp>
         </mc:Choice>
-        <mc:Fallback>
+        <mc:Fallback xmlns="">
           <p:sp>
             <p:nvSpPr>
               <p:cNvPr id="5" name="TextBox 54"/>
@@ -12692,8 +14317,8 @@
           </a:p>
         </p:txBody>
       </p:sp>
-      <mc:AlternateContent xmlns:mc="http://schemas.openxmlformats.org/markup-compatibility/2006">
-        <mc:Choice xmlns:a14="http://schemas.microsoft.com/office/drawing/2010/main" Requires="a14">
+      <mc:AlternateContent xmlns:mc="http://schemas.openxmlformats.org/markup-compatibility/2006" xmlns:a14="http://schemas.microsoft.com/office/drawing/2010/main">
+        <mc:Choice Requires="a14">
           <p:sp>
             <p:nvSpPr>
               <p:cNvPr id="7" name="TextBox 32"/>
@@ -12769,7 +14394,7 @@
             </p:txBody>
           </p:sp>
         </mc:Choice>
-        <mc:Fallback>
+        <mc:Fallback xmlns="">
           <p:sp>
             <p:nvSpPr>
               <p:cNvPr id="7" name="TextBox 32"/>
@@ -12867,11 +14492,6 @@
               </a:rPr>
               <a:t> C</a:t>
             </a:r>
-            <a:endParaRPr lang="hu-HU" sz="2000" dirty="0" smtClean="0">
-              <a:solidFill>
-                <a:schemeClr val="tx1"/>
-              </a:solidFill>
-            </a:endParaRPr>
           </a:p>
         </p:txBody>
       </p:sp>
@@ -12983,11 +14603,6 @@
               </a:rPr>
               <a:t>++</a:t>
             </a:r>
-            <a:endParaRPr lang="hu-HU" sz="2000" dirty="0" smtClean="0">
-              <a:solidFill>
-                <a:schemeClr val="tx1"/>
-              </a:solidFill>
-            </a:endParaRPr>
           </a:p>
         </p:txBody>
       </p:sp>
@@ -13465,12 +15080,6 @@
               </a:rPr>
               <a:t> C++</a:t>
             </a:r>
-            <a:endParaRPr lang="hu-HU" sz="2400" i="1" dirty="0" smtClean="0">
-              <a:solidFill>
-                <a:schemeClr val="tx1"/>
-              </a:solidFill>
-              <a:latin typeface="Cambria" panose="02040503050406030204" pitchFamily="18" charset="0"/>
-            </a:endParaRPr>
           </a:p>
         </p:txBody>
       </p:sp>
@@ -13895,12 +15504,6 @@
               </a:rPr>
               <a:t> C</a:t>
             </a:r>
-            <a:endParaRPr lang="hu-HU" sz="2400" i="1" dirty="0" smtClean="0">
-              <a:solidFill>
-                <a:schemeClr val="tx1"/>
-              </a:solidFill>
-              <a:latin typeface="Cambria" panose="02040503050406030204" pitchFamily="18" charset="0"/>
-            </a:endParaRPr>
           </a:p>
         </p:txBody>
       </p:sp>

--- a/folyamatmodellezes/figures/szintaxis.pptx
+++ b/folyamatmodellezes/figures/szintaxis.pptx
@@ -6,7 +6,7 @@
     <p:sldMasterId id="2147483655" r:id="rId2"/>
   </p:sldMasterIdLst>
   <p:notesMasterIdLst>
-    <p:notesMasterId r:id="rId22"/>
+    <p:notesMasterId r:id="rId23"/>
   </p:notesMasterIdLst>
   <p:sldIdLst>
     <p:sldId id="319" r:id="rId3"/>
@@ -27,9 +27,10 @@
     <p:sldId id="483" r:id="rId18"/>
     <p:sldId id="487" r:id="rId19"/>
     <p:sldId id="420" r:id="rId20"/>
-    <p:sldId id="488" r:id="rId21"/>
+    <p:sldId id="495" r:id="rId21"/>
+    <p:sldId id="488" r:id="rId22"/>
   </p:sldIdLst>
-  <p:sldSz cx="9144000" cy="6858000" type="screen4x3"/>
+  <p:sldSz cx="12192000" cy="6858000"/>
   <p:notesSz cx="6858000" cy="9144000"/>
   <p:defaultTextStyle>
     <a:defPPr>
@@ -127,59 +128,14 @@
     </a:lvl9pPr>
   </p:defaultTextStyle>
   <p:extLst>
-    <p:ext uri="{521415D9-36F7-43E2-AB2F-B90AF26B5E84}">
-      <p14:sectionLst xmlns:p14="http://schemas.microsoft.com/office/powerpoint/2010/main">
-        <p14:section name="Alapértelmezett szakasz" id="{842DA1D0-E16D-4270-9344-0A76DC000C26}">
-          <p14:sldIdLst/>
-        </p14:section>
-        <p14:section name="Ismétlés, kitekintés" id="{9B95D3DC-DB7F-4E6A-9E12-5CC7B5221F51}">
-          <p14:sldIdLst/>
-        </p14:section>
-        <p14:section name="Folyamatmodellezés célja" id="{3B8048E1-BEBD-4256-91F0-545CD420DD4C}">
-          <p14:sldIdLst/>
-        </p14:section>
-        <p14:section name="Folyamatmodellek" id="{F6B68D78-A53B-4BC0-82C3-CEB31B859047}">
-          <p14:sldIdLst>
-            <p14:sldId id="319"/>
-            <p14:sldId id="484"/>
-            <p14:sldId id="321"/>
-            <p14:sldId id="485"/>
-            <p14:sldId id="489"/>
-            <p14:sldId id="490"/>
-            <p14:sldId id="491"/>
-            <p14:sldId id="493"/>
-            <p14:sldId id="346"/>
-            <p14:sldId id="322"/>
-            <p14:sldId id="323"/>
-            <p14:sldId id="494"/>
-            <p14:sldId id="343"/>
-            <p14:sldId id="324"/>
-            <p14:sldId id="486"/>
-            <p14:sldId id="483"/>
-            <p14:sldId id="487"/>
-            <p14:sldId id="420"/>
-            <p14:sldId id="488"/>
-          </p14:sldIdLst>
-        </p14:section>
-        <p14:section name="Vezérlési folyam" id="{3FC26C43-C54D-42C6-ACF8-EFA2E4B811A7}">
-          <p14:sldIdLst/>
-        </p14:section>
-        <p14:section name="Megvalósítás" id="{63658ECA-0993-410B-84C1-0EA7F916965C}">
-          <p14:sldIdLst/>
-        </p14:section>
-        <p14:section name="Hidden" id="{FE108839-3A16-4C90-8CD1-C239F83A0B72}">
-          <p14:sldIdLst/>
-        </p14:section>
-      </p14:sectionLst>
-    </p:ext>
     <p:ext uri="{EFAFB233-063F-42B5-8137-9DF3F51BA10A}">
-      <p15:sldGuideLst xmlns="" xmlns:p15="http://schemas.microsoft.com/office/powerpoint/2012/main">
+      <p15:sldGuideLst xmlns:p15="http://schemas.microsoft.com/office/powerpoint/2012/main">
         <p15:guide id="1" orient="horz" pos="2136" userDrawn="1">
           <p15:clr>
             <a:srgbClr val="A4A3A4"/>
           </p15:clr>
         </p15:guide>
-        <p15:guide id="2" pos="2880">
+        <p15:guide id="2" pos="3840" userDrawn="1">
           <p15:clr>
             <a:srgbClr val="A4A3A4"/>
           </p15:clr>
@@ -273,7 +229,7 @@
             <a:fld id="{B9130191-0BE1-0142-AFC1-0297AE024A0E}" type="datetimeFigureOut">
               <a:rPr lang="en-US" smtClean="0"/>
               <a:pPr/>
-              <a:t>3/23/2016</a:t>
+              <a:t>3/28/2016</a:t>
             </a:fld>
             <a:endParaRPr lang="en-US"/>
           </a:p>
@@ -291,8 +247,8 @@
         </p:nvSpPr>
         <p:spPr>
           <a:xfrm>
-            <a:off x="1143000" y="685800"/>
-            <a:ext cx="4572000" cy="3429000"/>
+            <a:off x="381000" y="685800"/>
+            <a:ext cx="6096000" cy="3429000"/>
           </a:xfrm>
           <a:prstGeom prst="rect">
             <a:avLst/>
@@ -571,7 +527,12 @@
             <p:ph type="sldImg"/>
           </p:nvPr>
         </p:nvSpPr>
-        <p:spPr/>
+        <p:spPr>
+          <a:xfrm>
+            <a:off x="381000" y="685800"/>
+            <a:ext cx="6096000" cy="3429000"/>
+          </a:xfrm>
+        </p:spPr>
       </p:sp>
       <p:sp>
         <p:nvSpPr>
@@ -656,7 +617,12 @@
             <p:ph type="sldImg"/>
           </p:nvPr>
         </p:nvSpPr>
-        <p:spPr/>
+        <p:spPr>
+          <a:xfrm>
+            <a:off x="381000" y="685800"/>
+            <a:ext cx="6096000" cy="3429000"/>
+          </a:xfrm>
+        </p:spPr>
       </p:sp>
       <p:sp>
         <p:nvSpPr>
@@ -741,7 +707,12 @@
             <p:ph type="sldImg"/>
           </p:nvPr>
         </p:nvSpPr>
-        <p:spPr/>
+        <p:spPr>
+          <a:xfrm>
+            <a:off x="381000" y="685800"/>
+            <a:ext cx="6096000" cy="3429000"/>
+          </a:xfrm>
+        </p:spPr>
       </p:sp>
       <p:sp>
         <p:nvSpPr>
@@ -826,7 +797,12 @@
             <p:ph type="sldImg"/>
           </p:nvPr>
         </p:nvSpPr>
-        <p:spPr/>
+        <p:spPr>
+          <a:xfrm>
+            <a:off x="381000" y="685800"/>
+            <a:ext cx="6096000" cy="3429000"/>
+          </a:xfrm>
+        </p:spPr>
       </p:sp>
       <p:sp>
         <p:nvSpPr>
@@ -912,7 +888,7 @@
         <p:spPr bwMode="auto">
           <a:xfrm>
             <a:off x="0" y="6356350"/>
-            <a:ext cx="9144000" cy="501650"/>
+            <a:ext cx="12192000" cy="501650"/>
           </a:xfrm>
           <a:prstGeom prst="rect">
             <a:avLst/>
@@ -941,7 +917,7 @@
               </a:spcAft>
               <a:defRPr/>
             </a:pPr>
-            <a:endParaRPr lang="hu-HU">
+            <a:endParaRPr lang="hu-HU" sz="1800">
               <a:latin typeface="+mn-lt"/>
               <a:cs typeface="+mn-cs"/>
             </a:endParaRPr>
@@ -958,8 +934,8 @@
         </p:nvSpPr>
         <p:spPr bwMode="auto">
           <a:xfrm>
-            <a:off x="-17463" y="6413500"/>
-            <a:ext cx="3649663" cy="400110"/>
+            <a:off x="-23283" y="6413500"/>
+            <a:ext cx="4866217" cy="400110"/>
           </a:xfrm>
           <a:prstGeom prst="rect">
             <a:avLst/>
@@ -1039,8 +1015,8 @@
         </p:blipFill>
         <p:spPr bwMode="auto">
           <a:xfrm>
-            <a:off x="3571875" y="5572125"/>
-            <a:ext cx="1889125" cy="636588"/>
+            <a:off x="4762501" y="5572125"/>
+            <a:ext cx="2518833" cy="636588"/>
           </a:xfrm>
           <a:prstGeom prst="rect">
             <a:avLst/>
@@ -1065,7 +1041,7 @@
         <p:spPr bwMode="auto">
           <a:xfrm>
             <a:off x="0" y="0"/>
-            <a:ext cx="9144000" cy="501650"/>
+            <a:ext cx="12192000" cy="501650"/>
           </a:xfrm>
           <a:prstGeom prst="rect">
             <a:avLst/>
@@ -1094,7 +1070,7 @@
               </a:spcAft>
               <a:defRPr/>
             </a:pPr>
-            <a:endParaRPr lang="hu-HU">
+            <a:endParaRPr lang="hu-HU" sz="1800">
               <a:latin typeface="+mn-lt"/>
               <a:cs typeface="+mn-cs"/>
             </a:endParaRPr>
@@ -1113,8 +1089,8 @@
         </p:nvSpPr>
         <p:spPr>
           <a:xfrm>
-            <a:off x="685800" y="1374767"/>
-            <a:ext cx="7772400" cy="1470025"/>
+            <a:off x="914400" y="1374768"/>
+            <a:ext cx="10363200" cy="1470025"/>
           </a:xfrm>
           <a:prstGeom prst="rect">
             <a:avLst/>
@@ -1144,8 +1120,8 @@
         </p:nvSpPr>
         <p:spPr>
           <a:xfrm>
-            <a:off x="1371600" y="3246435"/>
-            <a:ext cx="6400800" cy="1277955"/>
+            <a:off x="1828800" y="3246436"/>
+            <a:ext cx="8534400" cy="1277955"/>
           </a:xfrm>
           <a:prstGeom prst="rect">
             <a:avLst/>
@@ -1274,8 +1250,8 @@
         </p:blipFill>
         <p:spPr>
           <a:xfrm>
-            <a:off x="7506891" y="6365876"/>
-            <a:ext cx="1597819" cy="448257"/>
+            <a:off x="10009189" y="6365877"/>
+            <a:ext cx="2130425" cy="448257"/>
           </a:xfrm>
           <a:prstGeom prst="rect">
             <a:avLst/>
@@ -1292,8 +1268,8 @@
         </p:nvSpPr>
         <p:spPr bwMode="auto">
           <a:xfrm>
-            <a:off x="1000125" y="4725145"/>
-            <a:ext cx="7143750" cy="830997"/>
+            <a:off x="1333500" y="4725146"/>
+            <a:ext cx="9525000" cy="830997"/>
           </a:xfrm>
           <a:prstGeom prst="rect">
             <a:avLst/>
@@ -1421,8 +1397,8 @@
         </p:nvSpPr>
         <p:spPr>
           <a:xfrm>
-            <a:off x="117414" y="836578"/>
-            <a:ext cx="4378386" cy="5513462"/>
+            <a:off x="156552" y="836578"/>
+            <a:ext cx="5837848" cy="5513462"/>
           </a:xfrm>
         </p:spPr>
         <p:txBody>
@@ -1506,8 +1482,8 @@
         </p:nvSpPr>
         <p:spPr>
           <a:xfrm>
-            <a:off x="4648199" y="836577"/>
-            <a:ext cx="4341873" cy="5513463"/>
+            <a:off x="6197599" y="836578"/>
+            <a:ext cx="5789164" cy="5513463"/>
           </a:xfrm>
         </p:spPr>
         <p:txBody>
@@ -1665,8 +1641,8 @@
         </p:nvSpPr>
         <p:spPr>
           <a:xfrm>
-            <a:off x="117414" y="142830"/>
-            <a:ext cx="1668429" cy="720000"/>
+            <a:off x="156553" y="142830"/>
+            <a:ext cx="2224572" cy="720000"/>
           </a:xfrm>
         </p:spPr>
         <p:txBody>
@@ -1699,8 +1675,8 @@
         </p:nvSpPr>
         <p:spPr>
           <a:xfrm>
-            <a:off x="117413" y="1019142"/>
-            <a:ext cx="8872659" cy="5367411"/>
+            <a:off x="156551" y="1019143"/>
+            <a:ext cx="11830212" cy="5367411"/>
           </a:xfrm>
         </p:spPr>
         <p:txBody>
@@ -1784,8 +1760,8 @@
         </p:nvSpPr>
         <p:spPr>
           <a:xfrm>
-            <a:off x="1782765" y="142830"/>
-            <a:ext cx="7207308" cy="720000"/>
+            <a:off x="2377020" y="142830"/>
+            <a:ext cx="9609744" cy="720000"/>
           </a:xfrm>
           <a:ln>
             <a:solidFill>
@@ -1901,8 +1877,8 @@
         </p:nvSpPr>
         <p:spPr>
           <a:xfrm>
-            <a:off x="142875" y="857250"/>
-            <a:ext cx="8858250" cy="5529263"/>
+            <a:off x="190500" y="857251"/>
+            <a:ext cx="11811000" cy="5529263"/>
           </a:xfrm>
           <a:prstGeom prst="rect">
             <a:avLst/>
@@ -1993,8 +1969,8 @@
         </p:nvSpPr>
         <p:spPr>
           <a:xfrm>
-            <a:off x="628596" y="2844792"/>
-            <a:ext cx="7776000" cy="1362075"/>
+            <a:off x="838128" y="2844793"/>
+            <a:ext cx="10368000" cy="1362075"/>
           </a:xfrm>
           <a:prstGeom prst="rect">
             <a:avLst/>
@@ -2028,8 +2004,8 @@
         </p:nvSpPr>
         <p:spPr>
           <a:xfrm>
-            <a:off x="628596" y="4195773"/>
-            <a:ext cx="7772400" cy="1500187"/>
+            <a:off x="838128" y="4195774"/>
+            <a:ext cx="10363200" cy="1500187"/>
           </a:xfrm>
           <a:prstGeom prst="rect">
             <a:avLst/>
@@ -2185,8 +2161,8 @@
         </p:nvSpPr>
         <p:spPr>
           <a:xfrm>
-            <a:off x="0" y="0"/>
-            <a:ext cx="9144000" cy="720725"/>
+            <a:off x="0" y="1"/>
+            <a:ext cx="12192000" cy="720725"/>
           </a:xfrm>
           <a:prstGeom prst="rect">
             <a:avLst/>
@@ -2216,8 +2192,8 @@
         </p:nvSpPr>
         <p:spPr>
           <a:xfrm>
-            <a:off x="117414" y="836578"/>
-            <a:ext cx="4378386" cy="5513462"/>
+            <a:off x="156552" y="836578"/>
+            <a:ext cx="5837848" cy="5513462"/>
           </a:xfrm>
           <a:prstGeom prst="rect">
             <a:avLst/>
@@ -2304,8 +2280,8 @@
         </p:nvSpPr>
         <p:spPr>
           <a:xfrm>
-            <a:off x="4648199" y="836577"/>
-            <a:ext cx="4341873" cy="5513463"/>
+            <a:off x="6197599" y="836578"/>
+            <a:ext cx="5789164" cy="5513463"/>
           </a:xfrm>
           <a:prstGeom prst="rect">
             <a:avLst/>
@@ -2456,8 +2432,8 @@
         </p:nvSpPr>
         <p:spPr>
           <a:xfrm>
-            <a:off x="117414" y="142830"/>
-            <a:ext cx="1668429" cy="720000"/>
+            <a:off x="156553" y="142830"/>
+            <a:ext cx="2224572" cy="720000"/>
           </a:xfrm>
           <a:prstGeom prst="rect">
             <a:avLst/>
@@ -2493,8 +2469,8 @@
         </p:nvSpPr>
         <p:spPr>
           <a:xfrm>
-            <a:off x="117413" y="1019142"/>
-            <a:ext cx="8872659" cy="5367411"/>
+            <a:off x="156551" y="1019143"/>
+            <a:ext cx="11830212" cy="5367411"/>
           </a:xfrm>
           <a:prstGeom prst="rect">
             <a:avLst/>
@@ -2581,8 +2557,8 @@
         </p:nvSpPr>
         <p:spPr>
           <a:xfrm>
-            <a:off x="1782765" y="142830"/>
-            <a:ext cx="7207308" cy="720000"/>
+            <a:off x="2377020" y="142830"/>
+            <a:ext cx="9609744" cy="720000"/>
           </a:xfrm>
           <a:prstGeom prst="rect">
             <a:avLst/>
@@ -2687,7 +2663,7 @@
         <p:spPr bwMode="auto">
           <a:xfrm>
             <a:off x="0" y="6356350"/>
-            <a:ext cx="9144000" cy="501650"/>
+            <a:ext cx="12192000" cy="501650"/>
           </a:xfrm>
           <a:prstGeom prst="rect">
             <a:avLst/>
@@ -2718,7 +2694,7 @@
               </a:spcAft>
               <a:defRPr/>
             </a:pPr>
-            <a:endParaRPr lang="hu-HU">
+            <a:endParaRPr lang="hu-HU" sz="1800">
               <a:latin typeface="+mn-lt"/>
               <a:cs typeface="+mn-cs"/>
             </a:endParaRPr>
@@ -2735,8 +2711,8 @@
         </p:nvSpPr>
         <p:spPr bwMode="auto">
           <a:xfrm>
-            <a:off x="-17463" y="6413500"/>
-            <a:ext cx="3649663" cy="400110"/>
+            <a:off x="-23283" y="6413500"/>
+            <a:ext cx="4866217" cy="400110"/>
           </a:xfrm>
           <a:prstGeom prst="rect">
             <a:avLst/>
@@ -2810,7 +2786,7 @@
         <p:spPr bwMode="auto">
           <a:xfrm>
             <a:off x="0" y="0"/>
-            <a:ext cx="9144000" cy="501650"/>
+            <a:ext cx="12192000" cy="501650"/>
           </a:xfrm>
           <a:prstGeom prst="rect">
             <a:avLst/>
@@ -2839,7 +2815,7 @@
               </a:spcAft>
               <a:defRPr/>
             </a:pPr>
-            <a:endParaRPr lang="hu-HU">
+            <a:endParaRPr lang="hu-HU" sz="1800">
               <a:latin typeface="+mn-lt"/>
               <a:cs typeface="+mn-cs"/>
             </a:endParaRPr>
@@ -2858,8 +2834,8 @@
         </p:nvSpPr>
         <p:spPr>
           <a:xfrm>
-            <a:off x="685800" y="1374767"/>
-            <a:ext cx="7772400" cy="1470025"/>
+            <a:off x="914400" y="1374768"/>
+            <a:ext cx="10363200" cy="1470025"/>
           </a:xfrm>
         </p:spPr>
         <p:txBody>
@@ -2886,8 +2862,8 @@
         </p:nvSpPr>
         <p:spPr>
           <a:xfrm>
-            <a:off x="1371600" y="3246435"/>
-            <a:ext cx="6400800" cy="1277955"/>
+            <a:off x="1828800" y="3246436"/>
+            <a:ext cx="8534400" cy="1277955"/>
           </a:xfrm>
         </p:spPr>
         <p:txBody>
@@ -3001,8 +2977,8 @@
         </p:nvSpPr>
         <p:spPr bwMode="auto">
           <a:xfrm>
-            <a:off x="1000125" y="4725145"/>
-            <a:ext cx="7143750" cy="830997"/>
+            <a:off x="1333500" y="4725146"/>
+            <a:ext cx="9525000" cy="830997"/>
           </a:xfrm>
           <a:prstGeom prst="rect">
             <a:avLst/>
@@ -3085,8 +3061,8 @@
         </p:blipFill>
         <p:spPr>
           <a:xfrm>
-            <a:off x="7506891" y="6380679"/>
-            <a:ext cx="1598400" cy="428173"/>
+            <a:off x="10009188" y="6380680"/>
+            <a:ext cx="2131200" cy="428173"/>
           </a:xfrm>
           <a:prstGeom prst="rect">
             <a:avLst/>
@@ -3115,8 +3091,8 @@
         </p:blipFill>
         <p:spPr>
           <a:xfrm>
-            <a:off x="3576997" y="5572835"/>
-            <a:ext cx="1890000" cy="632812"/>
+            <a:off x="4769329" y="5572835"/>
+            <a:ext cx="2520000" cy="632812"/>
           </a:xfrm>
           <a:prstGeom prst="rect">
             <a:avLst/>
@@ -3296,8 +3272,8 @@
         </p:nvSpPr>
         <p:spPr>
           <a:xfrm>
-            <a:off x="628596" y="2844792"/>
-            <a:ext cx="7776000" cy="1362075"/>
+            <a:off x="838128" y="2844793"/>
+            <a:ext cx="10368000" cy="1362075"/>
           </a:xfrm>
         </p:spPr>
         <p:txBody>
@@ -3328,8 +3304,8 @@
         </p:nvSpPr>
         <p:spPr>
           <a:xfrm>
-            <a:off x="628596" y="4195773"/>
-            <a:ext cx="7772400" cy="1500187"/>
+            <a:off x="838128" y="4195774"/>
+            <a:ext cx="10363200" cy="1500187"/>
           </a:xfrm>
           <a:ln>
             <a:solidFill>
@@ -3928,7 +3904,7 @@
         <p:spPr bwMode="auto">
           <a:xfrm>
             <a:off x="0" y="6477000"/>
-            <a:ext cx="9144000" cy="381000"/>
+            <a:ext cx="12192000" cy="381000"/>
           </a:xfrm>
           <a:prstGeom prst="rect">
             <a:avLst/>
@@ -3957,7 +3933,7 @@
               </a:spcAft>
               <a:defRPr/>
             </a:pPr>
-            <a:endParaRPr lang="hu-HU" dirty="0">
+            <a:endParaRPr lang="hu-HU" sz="1800" dirty="0">
               <a:latin typeface="+mn-lt"/>
               <a:cs typeface="+mn-cs"/>
             </a:endParaRPr>
@@ -3976,8 +3952,8 @@
         </p:nvSpPr>
         <p:spPr bwMode="auto">
           <a:xfrm>
-            <a:off x="0" y="0"/>
-            <a:ext cx="9144000" cy="720725"/>
+            <a:off x="0" y="1"/>
+            <a:ext cx="12192000" cy="720725"/>
           </a:xfrm>
           <a:prstGeom prst="rect">
             <a:avLst/>
@@ -4020,8 +3996,8 @@
         </p:nvSpPr>
         <p:spPr bwMode="auto">
           <a:xfrm>
-            <a:off x="142875" y="857250"/>
-            <a:ext cx="8858250" cy="5529263"/>
+            <a:off x="190500" y="857251"/>
+            <a:ext cx="11811000" cy="5529263"/>
           </a:xfrm>
           <a:prstGeom prst="rect">
             <a:avLst/>
@@ -4100,8 +4076,8 @@
         </p:blipFill>
         <p:spPr>
           <a:xfrm>
-            <a:off x="22185" y="6500811"/>
-            <a:ext cx="1227600" cy="328845"/>
+            <a:off x="29580" y="6500812"/>
+            <a:ext cx="1636800" cy="328845"/>
           </a:xfrm>
           <a:prstGeom prst="rect">
             <a:avLst/>
@@ -4130,8 +4106,8 @@
         </p:blipFill>
         <p:spPr>
           <a:xfrm>
-            <a:off x="8055354" y="6489700"/>
-            <a:ext cx="1051200" cy="351964"/>
+            <a:off x="10740472" y="6489700"/>
+            <a:ext cx="1401600" cy="351964"/>
           </a:xfrm>
           <a:prstGeom prst="rect">
             <a:avLst/>
@@ -4583,7 +4559,7 @@
         </p:nvSpPr>
         <p:spPr>
           <a:xfrm>
-            <a:off x="3705238" y="2362330"/>
+            <a:off x="5229238" y="2362331"/>
             <a:ext cx="1733524" cy="597801"/>
           </a:xfrm>
           <a:prstGeom prst="roundRect">
@@ -4619,14 +4595,14 @@
           <a:p>
             <a:pPr algn="ctr"/>
             <a:r>
-              <a:rPr lang="hu-HU" sz="2000" dirty="0" err="1" smtClean="0">
+              <a:rPr lang="hu-HU" sz="2000" dirty="0" err="1">
                 <a:solidFill>
                   <a:schemeClr val="tx1"/>
                 </a:solidFill>
               </a:rPr>
               <a:t>Compile</a:t>
             </a:r>
-            <a:endParaRPr lang="hu-HU" sz="2000" dirty="0" smtClean="0">
+            <a:endParaRPr lang="hu-HU" sz="2000" dirty="0">
               <a:solidFill>
                 <a:schemeClr val="tx1"/>
               </a:solidFill>
@@ -4682,7 +4658,7 @@
         </p:nvCxnSpPr>
         <p:spPr>
           <a:xfrm flipV="1">
-            <a:off x="5352538" y="3695718"/>
+            <a:off x="6876539" y="3695719"/>
             <a:ext cx="759337" cy="1"/>
           </a:xfrm>
           <a:prstGeom prst="straightConnector1">
@@ -4721,7 +4697,7 @@
         </p:nvCxnSpPr>
         <p:spPr>
           <a:xfrm>
-            <a:off x="6882325" y="3695718"/>
+            <a:off x="8406325" y="3695718"/>
             <a:ext cx="675870" cy="0"/>
           </a:xfrm>
           <a:prstGeom prst="straightConnector1">
@@ -4761,7 +4737,7 @@
         </p:nvCxnSpPr>
         <p:spPr>
           <a:xfrm>
-            <a:off x="3021071" y="3695718"/>
+            <a:off x="4545072" y="3695719"/>
             <a:ext cx="597943" cy="1"/>
           </a:xfrm>
           <a:prstGeom prst="straightConnector1">
@@ -4790,8 +4766,8 @@
           </a:fontRef>
         </p:style>
       </p:cxnSp>
-      <mc:AlternateContent xmlns:mc="http://schemas.openxmlformats.org/markup-compatibility/2006" xmlns:a14="http://schemas.microsoft.com/office/drawing/2010/main">
-        <mc:Choice Requires="a14">
+      <mc:AlternateContent xmlns:mc="http://schemas.openxmlformats.org/markup-compatibility/2006">
+        <mc:Choice xmlns:a14="http://schemas.microsoft.com/office/drawing/2010/main" Requires="a14">
           <p:sp>
             <p:nvSpPr>
               <p:cNvPr id="25" name="TextBox 24"/>
@@ -4800,7 +4776,7 @@
             </p:nvSpPr>
             <p:spPr>
               <a:xfrm>
-                <a:off x="6882325" y="3326155"/>
+                <a:off x="8406325" y="3326156"/>
                 <a:ext cx="1835438" cy="276999"/>
               </a:xfrm>
               <a:prstGeom prst="rect">
@@ -4822,7 +4798,7 @@
                     </m:oMathParaPr>
                     <m:oMath xmlns:m="http://schemas.openxmlformats.org/officeDocument/2006/math">
                       <m:r>
-                        <a:rPr lang="hu-HU" b="0" i="1" smtClean="0">
+                        <a:rPr lang="hu-HU" i="1">
                           <a:latin typeface="Cambria Math" panose="02040503050406030204" pitchFamily="18" charset="0"/>
                         </a:rPr>
                         <m:t>[</m:t>
@@ -4831,13 +4807,13 @@
                         <m:rPr>
                           <m:sty m:val="p"/>
                         </m:rPr>
-                        <a:rPr lang="hu-HU" b="0" i="0" smtClean="0">
+                        <a:rPr lang="hu-HU">
                           <a:latin typeface="Cambria Math" panose="02040503050406030204" pitchFamily="18" charset="0"/>
                         </a:rPr>
                         <m:t>no</m:t>
                       </m:r>
                       <m:r>
-                        <a:rPr lang="hu-HU" b="0" i="0" smtClean="0">
+                        <a:rPr lang="hu-HU">
                           <a:latin typeface="Cambria Math" panose="02040503050406030204" pitchFamily="18" charset="0"/>
                         </a:rPr>
                         <m:t> </m:t>
@@ -4846,13 +4822,13 @@
                         <m:rPr>
                           <m:sty m:val="p"/>
                         </m:rPr>
-                        <a:rPr lang="hu-HU" b="0" i="0" smtClean="0">
+                        <a:rPr lang="hu-HU">
                           <a:latin typeface="Cambria Math" panose="02040503050406030204" pitchFamily="18" charset="0"/>
                         </a:rPr>
                         <m:t>syntax</m:t>
                       </m:r>
                       <m:r>
-                        <a:rPr lang="hu-HU" b="0" i="0" smtClean="0">
+                        <a:rPr lang="hu-HU">
                           <a:latin typeface="Cambria Math" panose="02040503050406030204" pitchFamily="18" charset="0"/>
                         </a:rPr>
                         <m:t> </m:t>
@@ -4861,13 +4837,13 @@
                         <m:rPr>
                           <m:sty m:val="p"/>
                         </m:rPr>
-                        <a:rPr lang="hu-HU" b="0" i="0" smtClean="0">
+                        <a:rPr lang="hu-HU">
                           <a:latin typeface="Cambria Math" panose="02040503050406030204" pitchFamily="18" charset="0"/>
                         </a:rPr>
                         <m:t>errors</m:t>
                       </m:r>
                       <m:r>
-                        <a:rPr lang="hu-HU" b="0" i="1" smtClean="0">
+                        <a:rPr lang="hu-HU" i="1">
                           <a:latin typeface="Cambria Math" panose="02040503050406030204" pitchFamily="18" charset="0"/>
                         </a:rPr>
                         <m:t>]</m:t>
@@ -4880,7 +4856,7 @@
             </p:txBody>
           </p:sp>
         </mc:Choice>
-        <mc:Fallback xmlns="">
+        <mc:Fallback>
           <p:sp>
             <p:nvSpPr>
               <p:cNvPr id="25" name="TextBox 24"/>
@@ -4891,13 +4867,13 @@
             </p:nvSpPr>
             <p:spPr>
               <a:xfrm>
-                <a:off x="6882325" y="3326155"/>
+                <a:off x="8406325" y="3326156"/>
                 <a:ext cx="1835438" cy="276999"/>
               </a:xfrm>
               <a:prstGeom prst="rect">
                 <a:avLst/>
               </a:prstGeom>
-              <a:blipFill rotWithShape="0">
+              <a:blipFill>
                 <a:blip r:embed="rId2"/>
                 <a:stretch>
                   <a:fillRect l="-4319" t="-4444" r="-4319" b="-37778"/>
@@ -4909,7 +4885,7 @@
               <a:lstStyle/>
               <a:p>
                 <a:r>
-                  <a:rPr lang="hu-HU">
+                  <a:rPr lang="en-US">
                     <a:noFill/>
                   </a:rPr>
                   <a:t> </a:t>
@@ -4919,8 +4895,8 @@
           </p:sp>
         </mc:Fallback>
       </mc:AlternateContent>
-      <mc:AlternateContent xmlns:mc="http://schemas.openxmlformats.org/markup-compatibility/2006" xmlns:a14="http://schemas.microsoft.com/office/drawing/2010/main">
-        <mc:Choice Requires="a14">
+      <mc:AlternateContent xmlns:mc="http://schemas.openxmlformats.org/markup-compatibility/2006">
+        <mc:Choice xmlns:a14="http://schemas.microsoft.com/office/drawing/2010/main" Requires="a14">
           <p:sp>
             <p:nvSpPr>
               <p:cNvPr id="26" name="TextBox 25"/>
@@ -4929,7 +4905,7 @@
             </p:nvSpPr>
             <p:spPr>
               <a:xfrm>
-                <a:off x="6586847" y="4153299"/>
+                <a:off x="8110847" y="4153300"/>
                 <a:ext cx="1543362" cy="276999"/>
               </a:xfrm>
               <a:prstGeom prst="rect">
@@ -4951,7 +4927,7 @@
                     </m:oMathParaPr>
                     <m:oMath xmlns:m="http://schemas.openxmlformats.org/officeDocument/2006/math">
                       <m:r>
-                        <a:rPr lang="hu-HU" b="0" i="1" smtClean="0">
+                        <a:rPr lang="hu-HU" i="1">
                           <a:latin typeface="Cambria Math" panose="02040503050406030204" pitchFamily="18" charset="0"/>
                         </a:rPr>
                         <m:t>[</m:t>
@@ -4960,13 +4936,13 @@
                         <m:rPr>
                           <m:sty m:val="p"/>
                         </m:rPr>
-                        <a:rPr lang="hu-HU" b="0" i="0" smtClean="0">
+                        <a:rPr lang="hu-HU">
                           <a:latin typeface="Cambria Math" panose="02040503050406030204" pitchFamily="18" charset="0"/>
                         </a:rPr>
                         <m:t>syntax</m:t>
                       </m:r>
                       <m:r>
-                        <a:rPr lang="hu-HU" b="0" i="0" smtClean="0">
+                        <a:rPr lang="hu-HU">
                           <a:latin typeface="Cambria Math" panose="02040503050406030204" pitchFamily="18" charset="0"/>
                         </a:rPr>
                         <m:t> </m:t>
@@ -4975,13 +4951,13 @@
                         <m:rPr>
                           <m:sty m:val="p"/>
                         </m:rPr>
-                        <a:rPr lang="hu-HU" b="0" i="0" smtClean="0">
+                        <a:rPr lang="hu-HU">
                           <a:latin typeface="Cambria Math" panose="02040503050406030204" pitchFamily="18" charset="0"/>
                         </a:rPr>
                         <m:t>errors</m:t>
                       </m:r>
                       <m:r>
-                        <a:rPr lang="hu-HU" b="0" i="1" smtClean="0">
+                        <a:rPr lang="hu-HU" i="1">
                           <a:latin typeface="Cambria Math" panose="02040503050406030204" pitchFamily="18" charset="0"/>
                         </a:rPr>
                         <m:t>]</m:t>
@@ -4994,7 +4970,7 @@
             </p:txBody>
           </p:sp>
         </mc:Choice>
-        <mc:Fallback xmlns="">
+        <mc:Fallback>
           <p:sp>
             <p:nvSpPr>
               <p:cNvPr id="26" name="TextBox 25"/>
@@ -5005,13 +4981,13 @@
             </p:nvSpPr>
             <p:spPr>
               <a:xfrm>
-                <a:off x="6586847" y="4153299"/>
+                <a:off x="8110847" y="4153300"/>
                 <a:ext cx="1543362" cy="276999"/>
               </a:xfrm>
               <a:prstGeom prst="rect">
                 <a:avLst/>
               </a:prstGeom>
-              <a:blipFill rotWithShape="0">
+              <a:blipFill>
                 <a:blip r:embed="rId3"/>
                 <a:stretch>
                   <a:fillRect l="-5138" t="-2174" r="-5138" b="-36957"/>
@@ -5023,7 +4999,7 @@
               <a:lstStyle/>
               <a:p>
                 <a:r>
-                  <a:rPr lang="hu-HU">
+                  <a:rPr lang="en-US">
                     <a:noFill/>
                   </a:rPr>
                   <a:t> </a:t>
@@ -5044,7 +5020,7 @@
         </p:nvCxnSpPr>
         <p:spPr>
           <a:xfrm rot="5400000">
-            <a:off x="5500643" y="3732741"/>
+            <a:off x="7024644" y="3732741"/>
             <a:ext cx="848353" cy="1144562"/>
           </a:xfrm>
           <a:prstGeom prst="bentConnector2">
@@ -5081,7 +5057,7 @@
         </p:nvSpPr>
         <p:spPr>
           <a:xfrm>
-            <a:off x="6111875" y="3510590"/>
+            <a:off x="7635875" y="3510590"/>
             <a:ext cx="770450" cy="370256"/>
           </a:xfrm>
           <a:prstGeom prst="diamond">
@@ -5116,7 +5092,7 @@
           <a:lstStyle/>
           <a:p>
             <a:pPr algn="ctr"/>
-            <a:endParaRPr lang="hu-HU" sz="2400" dirty="0" smtClean="0">
+            <a:endParaRPr lang="hu-HU" sz="2400" dirty="0">
               <a:solidFill>
                 <a:schemeClr val="bg1"/>
               </a:solidFill>
@@ -5132,7 +5108,7 @@
         </p:nvSpPr>
         <p:spPr>
           <a:xfrm>
-            <a:off x="3619014" y="3396818"/>
+            <a:off x="5143014" y="3396819"/>
             <a:ext cx="1733524" cy="597801"/>
           </a:xfrm>
           <a:prstGeom prst="roundRect">
@@ -5168,7 +5144,7 @@
           <a:p>
             <a:pPr algn="ctr"/>
             <a:r>
-              <a:rPr lang="hu-HU" sz="2000" dirty="0" err="1" smtClean="0">
+              <a:rPr lang="hu-HU" sz="2000" dirty="0" err="1">
                 <a:solidFill>
                   <a:schemeClr val="tx1"/>
                 </a:solidFill>
@@ -5191,7 +5167,7 @@
         </p:nvSpPr>
         <p:spPr>
           <a:xfrm>
-            <a:off x="2250621" y="3510590"/>
+            <a:off x="3774621" y="3510590"/>
             <a:ext cx="770450" cy="370256"/>
           </a:xfrm>
           <a:prstGeom prst="diamond">
@@ -5226,7 +5202,7 @@
           <a:lstStyle/>
           <a:p>
             <a:pPr algn="ctr"/>
-            <a:endParaRPr lang="hu-HU" sz="2400" dirty="0" smtClean="0">
+            <a:endParaRPr lang="hu-HU" sz="2400" dirty="0">
               <a:solidFill>
                 <a:schemeClr val="bg1"/>
               </a:solidFill>
@@ -5244,7 +5220,7 @@
         </p:nvCxnSpPr>
         <p:spPr>
           <a:xfrm flipV="1">
-            <a:off x="1633971" y="3695718"/>
+            <a:off x="3157971" y="3695719"/>
             <a:ext cx="616650" cy="2683"/>
           </a:xfrm>
           <a:prstGeom prst="straightConnector1">
@@ -5281,7 +5257,7 @@
         </p:nvSpPr>
         <p:spPr>
           <a:xfrm>
-            <a:off x="3619014" y="4430298"/>
+            <a:off x="5143014" y="4430299"/>
             <a:ext cx="1733524" cy="597801"/>
           </a:xfrm>
           <a:prstGeom prst="roundRect">
@@ -5317,7 +5293,7 @@
           <a:p>
             <a:pPr algn="ctr"/>
             <a:r>
-              <a:rPr lang="hu-HU" sz="2000" dirty="0" smtClean="0">
+              <a:rPr lang="hu-HU" sz="2000" dirty="0">
                 <a:solidFill>
                   <a:schemeClr val="tx1"/>
                 </a:solidFill>
@@ -5343,7 +5319,7 @@
         </p:nvCxnSpPr>
         <p:spPr>
           <a:xfrm rot="10800000">
-            <a:off x="2635846" y="3880847"/>
+            <a:off x="4159846" y="3880848"/>
             <a:ext cx="983168" cy="848353"/>
           </a:xfrm>
           <a:prstGeom prst="bentConnector2">
@@ -5417,7 +5393,7 @@
         </p:nvSpPr>
         <p:spPr>
           <a:xfrm>
-            <a:off x="2594488" y="1580132"/>
+            <a:off x="4118488" y="1580133"/>
             <a:ext cx="101600" cy="1537607"/>
           </a:xfrm>
           <a:prstGeom prst="rect">
@@ -5452,7 +5428,7 @@
           <a:lstStyle/>
           <a:p>
             <a:pPr algn="ctr"/>
-            <a:endParaRPr lang="hu-HU" sz="2400" dirty="0" smtClean="0">
+            <a:endParaRPr lang="hu-HU" sz="2400" dirty="0">
               <a:solidFill>
                 <a:schemeClr val="bg1"/>
               </a:solidFill>
@@ -5468,7 +5444,7 @@
         </p:nvCxnSpPr>
         <p:spPr>
           <a:xfrm>
-            <a:off x="1737424" y="2348934"/>
+            <a:off x="3261424" y="2348935"/>
             <a:ext cx="857064" cy="1"/>
           </a:xfrm>
           <a:prstGeom prst="straightConnector1">
@@ -5505,7 +5481,7 @@
         </p:nvSpPr>
         <p:spPr>
           <a:xfrm>
-            <a:off x="6447912" y="1580130"/>
+            <a:off x="7971912" y="1580131"/>
             <a:ext cx="101600" cy="1537607"/>
           </a:xfrm>
           <a:prstGeom prst="rect">
@@ -5540,7 +5516,7 @@
           <a:lstStyle/>
           <a:p>
             <a:pPr algn="ctr"/>
-            <a:endParaRPr lang="hu-HU" sz="2400" dirty="0" smtClean="0">
+            <a:endParaRPr lang="hu-HU" sz="2400" dirty="0">
               <a:solidFill>
                 <a:schemeClr val="bg1"/>
               </a:solidFill>
@@ -5558,7 +5534,7 @@
         </p:nvCxnSpPr>
         <p:spPr>
           <a:xfrm flipV="1">
-            <a:off x="6549512" y="2348932"/>
+            <a:off x="8073513" y="2348932"/>
             <a:ext cx="910021" cy="2"/>
           </a:xfrm>
           <a:prstGeom prst="straightConnector1">
@@ -5597,7 +5573,7 @@
         </p:nvCxnSpPr>
         <p:spPr>
           <a:xfrm>
-            <a:off x="2696088" y="2818838"/>
+            <a:off x="4220089" y="2818839"/>
             <a:ext cx="1052909" cy="298901"/>
           </a:xfrm>
           <a:prstGeom prst="straightConnector1">
@@ -5634,84 +5610,7 @@
         </p:nvSpPr>
         <p:spPr>
           <a:xfrm>
-            <a:off x="3705238" y="1260171"/>
-            <a:ext cx="1733524" cy="597801"/>
-          </a:xfrm>
-          <a:prstGeom prst="roundRect">
-            <a:avLst/>
-          </a:prstGeom>
-          <a:noFill/>
-          <a:ln w="38100">
-            <a:solidFill>
-              <a:schemeClr val="tx1"/>
-            </a:solidFill>
-          </a:ln>
-          <a:effectLst/>
-        </p:spPr>
-        <p:style>
-          <a:lnRef idx="2">
-            <a:schemeClr val="accent4">
-              <a:shade val="50000"/>
-            </a:schemeClr>
-          </a:lnRef>
-          <a:fillRef idx="1">
-            <a:schemeClr val="accent4"/>
-          </a:fillRef>
-          <a:effectRef idx="0">
-            <a:schemeClr val="accent4"/>
-          </a:effectRef>
-          <a:fontRef idx="minor">
-            <a:schemeClr val="lt1"/>
-          </a:fontRef>
-        </p:style>
-        <p:txBody>
-          <a:bodyPr rtlCol="0" anchor="ctr"/>
-          <a:lstStyle/>
-          <a:p>
-            <a:pPr algn="ctr"/>
-            <a:r>
-              <a:rPr lang="hu-HU" sz="2000" dirty="0" err="1" smtClean="0">
-                <a:solidFill>
-                  <a:schemeClr val="tx1"/>
-                </a:solidFill>
-              </a:rPr>
-              <a:t>Compile</a:t>
-            </a:r>
-            <a:r>
-              <a:rPr lang="hu-HU" sz="2000" dirty="0" smtClean="0">
-                <a:solidFill>
-                  <a:schemeClr val="tx1"/>
-                </a:solidFill>
-              </a:rPr>
-              <a:t/>
-            </a:r>
-            <a:br>
-              <a:rPr lang="hu-HU" sz="2000" dirty="0" smtClean="0">
-                <a:solidFill>
-                  <a:schemeClr val="tx1"/>
-                </a:solidFill>
-              </a:rPr>
-            </a:br>
-            <a:r>
-              <a:rPr lang="hu-HU" sz="2000" dirty="0" smtClean="0">
-                <a:solidFill>
-                  <a:schemeClr val="tx1"/>
-                </a:solidFill>
-              </a:rPr>
-              <a:t>source1.c</a:t>
-            </a:r>
-          </a:p>
-        </p:txBody>
-      </p:sp>
-      <p:sp>
-        <p:nvSpPr>
-          <p:cNvPr id="13" name="Rounded Rectangle 12"/>
-          <p:cNvSpPr/>
-          <p:nvPr/>
-        </p:nvSpPr>
-        <p:spPr>
-          <a:xfrm>
-            <a:off x="3748997" y="2818838"/>
+            <a:off x="5229238" y="1260172"/>
             <a:ext cx="1733524" cy="597801"/>
           </a:xfrm>
           <a:prstGeom prst="roundRect">
@@ -5770,7 +5669,84 @@
               </a:rPr>
             </a:br>
             <a:r>
-              <a:rPr lang="hu-HU" sz="2000" dirty="0" smtClean="0">
+              <a:rPr lang="hu-HU" sz="2000" dirty="0">
+                <a:solidFill>
+                  <a:schemeClr val="tx1"/>
+                </a:solidFill>
+              </a:rPr>
+              <a:t>source1.c</a:t>
+            </a:r>
+          </a:p>
+        </p:txBody>
+      </p:sp>
+      <p:sp>
+        <p:nvSpPr>
+          <p:cNvPr id="13" name="Rounded Rectangle 12"/>
+          <p:cNvSpPr/>
+          <p:nvPr/>
+        </p:nvSpPr>
+        <p:spPr>
+          <a:xfrm>
+            <a:off x="5272997" y="2818839"/>
+            <a:ext cx="1733524" cy="597801"/>
+          </a:xfrm>
+          <a:prstGeom prst="roundRect">
+            <a:avLst/>
+          </a:prstGeom>
+          <a:noFill/>
+          <a:ln w="38100">
+            <a:solidFill>
+              <a:schemeClr val="tx1"/>
+            </a:solidFill>
+          </a:ln>
+          <a:effectLst/>
+        </p:spPr>
+        <p:style>
+          <a:lnRef idx="2">
+            <a:schemeClr val="accent4">
+              <a:shade val="50000"/>
+            </a:schemeClr>
+          </a:lnRef>
+          <a:fillRef idx="1">
+            <a:schemeClr val="accent4"/>
+          </a:fillRef>
+          <a:effectRef idx="0">
+            <a:schemeClr val="accent4"/>
+          </a:effectRef>
+          <a:fontRef idx="minor">
+            <a:schemeClr val="lt1"/>
+          </a:fontRef>
+        </p:style>
+        <p:txBody>
+          <a:bodyPr rtlCol="0" anchor="ctr"/>
+          <a:lstStyle/>
+          <a:p>
+            <a:pPr algn="ctr"/>
+            <a:r>
+              <a:rPr lang="hu-HU" sz="2000" dirty="0" err="1">
+                <a:solidFill>
+                  <a:schemeClr val="tx1"/>
+                </a:solidFill>
+              </a:rPr>
+              <a:t>Compile</a:t>
+            </a:r>
+            <a:r>
+              <a:rPr lang="hu-HU" sz="2000" dirty="0">
+                <a:solidFill>
+                  <a:schemeClr val="tx1"/>
+                </a:solidFill>
+              </a:rPr>
+              <a:t/>
+            </a:r>
+            <a:br>
+              <a:rPr lang="hu-HU" sz="2000" dirty="0">
+                <a:solidFill>
+                  <a:schemeClr val="tx1"/>
+                </a:solidFill>
+              </a:rPr>
+            </a:br>
+            <a:r>
+              <a:rPr lang="hu-HU" sz="2000" dirty="0">
                 <a:solidFill>
                   <a:schemeClr val="tx1"/>
                 </a:solidFill>
@@ -5795,7 +5771,7 @@
         </p:nvCxnSpPr>
         <p:spPr>
           <a:xfrm flipV="1">
-            <a:off x="2696088" y="1559072"/>
+            <a:off x="4220088" y="1559072"/>
             <a:ext cx="1009150" cy="298900"/>
           </a:xfrm>
           <a:prstGeom prst="straightConnector1">
@@ -5834,7 +5810,7 @@
         </p:nvCxnSpPr>
         <p:spPr>
           <a:xfrm flipV="1">
-            <a:off x="5482521" y="2818838"/>
+            <a:off x="7006522" y="2818839"/>
             <a:ext cx="965391" cy="298901"/>
           </a:xfrm>
           <a:prstGeom prst="straightConnector1">
@@ -5873,7 +5849,7 @@
         </p:nvCxnSpPr>
         <p:spPr>
           <a:xfrm>
-            <a:off x="5438762" y="1559072"/>
+            <a:off x="6962762" y="1559072"/>
             <a:ext cx="1009150" cy="298900"/>
           </a:xfrm>
           <a:prstGeom prst="straightConnector1">
@@ -5947,7 +5923,7 @@
         </p:nvCxnSpPr>
         <p:spPr>
           <a:xfrm>
-            <a:off x="-202659" y="5797338"/>
+            <a:off x="1321341" y="5797338"/>
             <a:ext cx="8928992" cy="0"/>
           </a:xfrm>
           <a:prstGeom prst="straightConnector1">
@@ -5980,7 +5956,7 @@
         </p:nvSpPr>
         <p:spPr>
           <a:xfrm>
-            <a:off x="8728169" y="5581314"/>
+            <a:off x="10252169" y="5581314"/>
             <a:ext cx="261610" cy="369332"/>
           </a:xfrm>
           <a:prstGeom prst="rect">
@@ -5995,7 +5971,7 @@
           <a:lstStyle/>
           <a:p>
             <a:r>
-              <a:rPr lang="hu-HU" dirty="0" smtClean="0"/>
+              <a:rPr lang="hu-HU" dirty="0"/>
               <a:t>t</a:t>
             </a:r>
             <a:endParaRPr lang="hu-HU" dirty="0"/>
@@ -6010,7 +5986,7 @@
         </p:nvCxnSpPr>
         <p:spPr>
           <a:xfrm>
-            <a:off x="1096968" y="5592739"/>
+            <a:off x="2620968" y="5592739"/>
             <a:ext cx="0" cy="472698"/>
           </a:xfrm>
           <a:prstGeom prst="line">
@@ -6040,7 +6016,7 @@
         </p:nvCxnSpPr>
         <p:spPr>
           <a:xfrm>
-            <a:off x="5585334" y="5560989"/>
+            <a:off x="7109334" y="5560989"/>
             <a:ext cx="0" cy="472698"/>
           </a:xfrm>
           <a:prstGeom prst="line">
@@ -6070,7 +6046,7 @@
         </p:nvCxnSpPr>
         <p:spPr>
           <a:xfrm>
-            <a:off x="5585334" y="5077651"/>
+            <a:off x="7109334" y="5077651"/>
             <a:ext cx="0" cy="560884"/>
           </a:xfrm>
           <a:prstGeom prst="line">
@@ -6103,7 +6079,7 @@
         </p:nvCxnSpPr>
         <p:spPr>
           <a:xfrm>
-            <a:off x="1096968" y="5109401"/>
+            <a:off x="2620968" y="5109401"/>
             <a:ext cx="0" cy="560884"/>
           </a:xfrm>
           <a:prstGeom prst="line">
@@ -6136,7 +6112,7 @@
         </p:nvCxnSpPr>
         <p:spPr>
           <a:xfrm>
-            <a:off x="-214851" y="4035594"/>
+            <a:off x="1309149" y="4035594"/>
             <a:ext cx="8928992" cy="0"/>
           </a:xfrm>
           <a:prstGeom prst="straightConnector1">
@@ -6169,7 +6145,7 @@
         </p:nvSpPr>
         <p:spPr>
           <a:xfrm>
-            <a:off x="8728169" y="3819570"/>
+            <a:off x="10252169" y="3819570"/>
             <a:ext cx="261610" cy="369332"/>
           </a:xfrm>
           <a:prstGeom prst="rect">
@@ -6184,7 +6160,7 @@
           <a:lstStyle/>
           <a:p>
             <a:r>
-              <a:rPr lang="hu-HU" dirty="0" smtClean="0"/>
+              <a:rPr lang="hu-HU" dirty="0"/>
               <a:t>t</a:t>
             </a:r>
             <a:endParaRPr lang="hu-HU" dirty="0"/>
@@ -6199,7 +6175,7 @@
         </p:nvCxnSpPr>
         <p:spPr>
           <a:xfrm>
-            <a:off x="4422401" y="3819570"/>
+            <a:off x="5946401" y="3819570"/>
             <a:ext cx="0" cy="472698"/>
           </a:xfrm>
           <a:prstGeom prst="line">
@@ -6229,7 +6205,7 @@
         </p:nvCxnSpPr>
         <p:spPr>
           <a:xfrm>
-            <a:off x="8459663" y="3787820"/>
+            <a:off x="9983663" y="3787820"/>
             <a:ext cx="0" cy="472698"/>
           </a:xfrm>
           <a:prstGeom prst="line">
@@ -6259,7 +6235,7 @@
         </p:nvCxnSpPr>
         <p:spPr>
           <a:xfrm>
-            <a:off x="8459663" y="3304482"/>
+            <a:off x="9983663" y="3304482"/>
             <a:ext cx="0" cy="560884"/>
           </a:xfrm>
           <a:prstGeom prst="line">
@@ -6292,7 +6268,7 @@
         </p:nvCxnSpPr>
         <p:spPr>
           <a:xfrm>
-            <a:off x="4422401" y="3336232"/>
+            <a:off x="5946401" y="3336232"/>
             <a:ext cx="0" cy="560884"/>
           </a:xfrm>
           <a:prstGeom prst="line">
@@ -6325,7 +6301,7 @@
         </p:nvCxnSpPr>
         <p:spPr>
           <a:xfrm>
-            <a:off x="-199758" y="2200698"/>
+            <a:off x="1324242" y="2200698"/>
             <a:ext cx="8928992" cy="0"/>
           </a:xfrm>
           <a:prstGeom prst="straightConnector1">
@@ -6358,7 +6334,7 @@
         </p:nvSpPr>
         <p:spPr>
           <a:xfrm>
-            <a:off x="8731070" y="1984674"/>
+            <a:off x="10255070" y="1984674"/>
             <a:ext cx="261610" cy="369332"/>
           </a:xfrm>
           <a:prstGeom prst="rect">
@@ -6373,7 +6349,7 @@
           <a:lstStyle/>
           <a:p>
             <a:r>
-              <a:rPr lang="hu-HU" dirty="0" smtClean="0"/>
+              <a:rPr lang="hu-HU" dirty="0"/>
               <a:t>t</a:t>
             </a:r>
             <a:endParaRPr lang="hu-HU" dirty="0"/>
@@ -6388,7 +6364,7 @@
         </p:nvCxnSpPr>
         <p:spPr>
           <a:xfrm>
-            <a:off x="1481034" y="1964349"/>
+            <a:off x="3005034" y="1964349"/>
             <a:ext cx="0" cy="472698"/>
           </a:xfrm>
           <a:prstGeom prst="line">
@@ -6418,7 +6394,7 @@
         </p:nvSpPr>
         <p:spPr>
           <a:xfrm>
-            <a:off x="5364086" y="1469586"/>
+            <a:off x="6888087" y="1469586"/>
             <a:ext cx="3072695" cy="592634"/>
           </a:xfrm>
           <a:prstGeom prst="hexagon">
@@ -6446,7 +6422,7 @@
           <a:p>
             <a:pPr algn="ctr"/>
             <a:r>
-              <a:rPr lang="hu-HU" sz="2400" i="1" dirty="0" err="1" smtClean="0">
+              <a:rPr lang="hu-HU" sz="2400" i="1" dirty="0" err="1">
                 <a:solidFill>
                   <a:schemeClr val="tx1"/>
                 </a:solidFill>
@@ -6455,7 +6431,7 @@
               <a:t>Compile</a:t>
             </a:r>
             <a:r>
-              <a:rPr lang="hu-HU" sz="2400" i="1" dirty="0" smtClean="0">
+              <a:rPr lang="hu-HU" sz="2400" i="1" dirty="0">
                 <a:solidFill>
                   <a:schemeClr val="tx1"/>
                 </a:solidFill>
@@ -6480,7 +6456,7 @@
         </p:nvCxnSpPr>
         <p:spPr>
           <a:xfrm>
-            <a:off x="1481034" y="657172"/>
+            <a:off x="3005034" y="657173"/>
             <a:ext cx="0" cy="1384723"/>
           </a:xfrm>
           <a:prstGeom prst="line">
@@ -6513,7 +6489,7 @@
         </p:nvCxnSpPr>
         <p:spPr>
           <a:xfrm>
-            <a:off x="5118844" y="1984674"/>
+            <a:off x="6642844" y="1984674"/>
             <a:ext cx="0" cy="472698"/>
           </a:xfrm>
           <a:prstGeom prst="line">
@@ -6543,7 +6519,7 @@
         </p:nvCxnSpPr>
         <p:spPr>
           <a:xfrm>
-            <a:off x="5110782" y="657172"/>
+            <a:off x="6634782" y="657172"/>
             <a:ext cx="8062" cy="1405048"/>
           </a:xfrm>
           <a:prstGeom prst="line">
@@ -6576,7 +6552,7 @@
         </p:nvSpPr>
         <p:spPr>
           <a:xfrm>
-            <a:off x="1490325" y="767529"/>
+            <a:off x="3014326" y="767529"/>
             <a:ext cx="3640711" cy="592636"/>
           </a:xfrm>
           <a:prstGeom prst="hexagon">
@@ -6604,7 +6580,7 @@
           <a:p>
             <a:pPr algn="ctr"/>
             <a:r>
-              <a:rPr lang="hu-HU" sz="2400" i="1" dirty="0" err="1" smtClean="0">
+              <a:rPr lang="hu-HU" sz="2400" i="1" dirty="0" err="1">
                 <a:solidFill>
                   <a:schemeClr val="tx1"/>
                 </a:solidFill>
@@ -6613,7 +6589,7 @@
               <a:t>Compile</a:t>
             </a:r>
             <a:r>
-              <a:rPr lang="hu-HU" sz="2400" i="1" dirty="0" smtClean="0">
+              <a:rPr lang="hu-HU" sz="2400" i="1" dirty="0">
                 <a:solidFill>
                   <a:schemeClr val="tx1"/>
                 </a:solidFill>
@@ -6638,7 +6614,7 @@
         </p:nvCxnSpPr>
         <p:spPr>
           <a:xfrm>
-            <a:off x="5364086" y="1984674"/>
+            <a:off x="6888086" y="1984674"/>
             <a:ext cx="0" cy="472698"/>
           </a:xfrm>
           <a:prstGeom prst="line">
@@ -6668,7 +6644,7 @@
         </p:nvCxnSpPr>
         <p:spPr>
           <a:xfrm>
-            <a:off x="8462564" y="1952924"/>
+            <a:off x="9986564" y="1952924"/>
             <a:ext cx="0" cy="472698"/>
           </a:xfrm>
           <a:prstGeom prst="line">
@@ -6698,7 +6674,7 @@
         </p:nvCxnSpPr>
         <p:spPr>
           <a:xfrm>
-            <a:off x="8462564" y="1469586"/>
+            <a:off x="9986564" y="1469586"/>
             <a:ext cx="0" cy="560884"/>
           </a:xfrm>
           <a:prstGeom prst="line">
@@ -6731,7 +6707,7 @@
         </p:nvCxnSpPr>
         <p:spPr>
           <a:xfrm>
-            <a:off x="5364086" y="1501336"/>
+            <a:off x="6888086" y="1501336"/>
             <a:ext cx="0" cy="560884"/>
           </a:xfrm>
           <a:prstGeom prst="line">
@@ -6764,7 +6740,7 @@
         </p:nvCxnSpPr>
         <p:spPr>
           <a:xfrm>
-            <a:off x="1481034" y="3783287"/>
+            <a:off x="3005034" y="3783287"/>
             <a:ext cx="0" cy="472698"/>
           </a:xfrm>
           <a:prstGeom prst="line">
@@ -6794,7 +6770,7 @@
         </p:nvCxnSpPr>
         <p:spPr>
           <a:xfrm>
-            <a:off x="1481034" y="2476110"/>
+            <a:off x="3005034" y="2476111"/>
             <a:ext cx="0" cy="1384723"/>
           </a:xfrm>
           <a:prstGeom prst="line">
@@ -6827,7 +6803,7 @@
         </p:nvCxnSpPr>
         <p:spPr>
           <a:xfrm>
-            <a:off x="5118844" y="3803612"/>
+            <a:off x="6642844" y="3803612"/>
             <a:ext cx="0" cy="472698"/>
           </a:xfrm>
           <a:prstGeom prst="line">
@@ -6857,7 +6833,7 @@
         </p:nvCxnSpPr>
         <p:spPr>
           <a:xfrm>
-            <a:off x="5122974" y="2476110"/>
+            <a:off x="6646974" y="2476110"/>
             <a:ext cx="8062" cy="1405048"/>
           </a:xfrm>
           <a:prstGeom prst="line">
@@ -6890,7 +6866,7 @@
         </p:nvSpPr>
         <p:spPr>
           <a:xfrm>
-            <a:off x="1490325" y="2586467"/>
+            <a:off x="3014326" y="2586467"/>
             <a:ext cx="3640711" cy="592636"/>
           </a:xfrm>
           <a:prstGeom prst="hexagon">
@@ -6918,7 +6894,7 @@
           <a:p>
             <a:pPr algn="ctr"/>
             <a:r>
-              <a:rPr lang="hu-HU" sz="2400" i="1" dirty="0" err="1" smtClean="0">
+              <a:rPr lang="hu-HU" sz="2400" i="1" dirty="0" err="1">
                 <a:solidFill>
                   <a:schemeClr val="tx1"/>
                 </a:solidFill>
@@ -6927,7 +6903,7 @@
               <a:t>Compile</a:t>
             </a:r>
             <a:r>
-              <a:rPr lang="hu-HU" sz="2400" i="1" dirty="0" smtClean="0">
+              <a:rPr lang="hu-HU" sz="2400" i="1" dirty="0">
                 <a:solidFill>
                   <a:schemeClr val="tx1"/>
                 </a:solidFill>
@@ -6952,7 +6928,7 @@
         </p:nvCxnSpPr>
         <p:spPr>
           <a:xfrm>
-            <a:off x="1472972" y="5583786"/>
+            <a:off x="2996972" y="5583786"/>
             <a:ext cx="0" cy="472698"/>
           </a:xfrm>
           <a:prstGeom prst="line">
@@ -6982,7 +6958,7 @@
         </p:nvCxnSpPr>
         <p:spPr>
           <a:xfrm>
-            <a:off x="1472972" y="4276609"/>
+            <a:off x="2996972" y="4276610"/>
             <a:ext cx="0" cy="1384723"/>
           </a:xfrm>
           <a:prstGeom prst="line">
@@ -7015,7 +6991,7 @@
         </p:nvCxnSpPr>
         <p:spPr>
           <a:xfrm>
-            <a:off x="5122974" y="5604111"/>
+            <a:off x="6646974" y="5604111"/>
             <a:ext cx="0" cy="472698"/>
           </a:xfrm>
           <a:prstGeom prst="line">
@@ -7045,7 +7021,7 @@
         </p:nvCxnSpPr>
         <p:spPr>
           <a:xfrm>
-            <a:off x="5114912" y="4276609"/>
+            <a:off x="6638912" y="4276609"/>
             <a:ext cx="8062" cy="1405048"/>
           </a:xfrm>
           <a:prstGeom prst="line">
@@ -7078,7 +7054,7 @@
         </p:nvSpPr>
         <p:spPr>
           <a:xfrm>
-            <a:off x="1482263" y="4386966"/>
+            <a:off x="3006264" y="4386966"/>
             <a:ext cx="3640711" cy="592636"/>
           </a:xfrm>
           <a:prstGeom prst="hexagon">
@@ -7106,7 +7082,7 @@
           <a:p>
             <a:pPr algn="ctr"/>
             <a:r>
-              <a:rPr lang="hu-HU" sz="2400" i="1" dirty="0" err="1" smtClean="0">
+              <a:rPr lang="hu-HU" sz="2400" i="1" dirty="0" err="1">
                 <a:solidFill>
                   <a:schemeClr val="tx1"/>
                 </a:solidFill>
@@ -7115,7 +7091,7 @@
               <a:t>Compile</a:t>
             </a:r>
             <a:r>
-              <a:rPr lang="hu-HU" sz="2400" i="1" dirty="0" smtClean="0">
+              <a:rPr lang="hu-HU" sz="2400" i="1" dirty="0">
                 <a:solidFill>
                   <a:schemeClr val="tx1"/>
                 </a:solidFill>
@@ -7140,7 +7116,7 @@
         </p:nvSpPr>
         <p:spPr>
           <a:xfrm>
-            <a:off x="1096968" y="5077651"/>
+            <a:off x="2620968" y="5077651"/>
             <a:ext cx="4488366" cy="592634"/>
           </a:xfrm>
           <a:prstGeom prst="hexagon">
@@ -7168,7 +7144,7 @@
           <a:p>
             <a:pPr algn="ctr"/>
             <a:r>
-              <a:rPr lang="hu-HU" sz="2400" i="1" dirty="0" err="1" smtClean="0">
+              <a:rPr lang="hu-HU" sz="2400" i="1" dirty="0" err="1">
                 <a:solidFill>
                   <a:schemeClr val="tx1"/>
                 </a:solidFill>
@@ -7177,7 +7153,7 @@
               <a:t>Compile</a:t>
             </a:r>
             <a:r>
-              <a:rPr lang="hu-HU" sz="2400" i="1" dirty="0" smtClean="0">
+              <a:rPr lang="hu-HU" sz="2400" i="1" dirty="0">
                 <a:solidFill>
                   <a:schemeClr val="tx1"/>
                 </a:solidFill>
@@ -7202,7 +7178,7 @@
         </p:nvSpPr>
         <p:spPr>
           <a:xfrm>
-            <a:off x="4422401" y="3304482"/>
+            <a:off x="5946402" y="3304482"/>
             <a:ext cx="4011479" cy="592634"/>
           </a:xfrm>
           <a:prstGeom prst="hexagon">
@@ -7230,7 +7206,7 @@
           <a:p>
             <a:pPr algn="ctr"/>
             <a:r>
-              <a:rPr lang="hu-HU" sz="2400" i="1" dirty="0" err="1" smtClean="0">
+              <a:rPr lang="hu-HU" sz="2400" i="1" dirty="0" err="1">
                 <a:solidFill>
                   <a:schemeClr val="tx1"/>
                 </a:solidFill>
@@ -7239,7 +7215,7 @@
               <a:t>Compile</a:t>
             </a:r>
             <a:r>
-              <a:rPr lang="hu-HU" sz="2400" i="1" dirty="0" smtClean="0">
+              <a:rPr lang="hu-HU" sz="2400" i="1" dirty="0">
                 <a:solidFill>
                   <a:schemeClr val="tx1"/>
                 </a:solidFill>
@@ -7297,7 +7273,7 @@
         </p:nvCxnSpPr>
         <p:spPr>
           <a:xfrm>
-            <a:off x="3104573" y="3254151"/>
+            <a:off x="4628573" y="3254151"/>
             <a:ext cx="747832" cy="0"/>
           </a:xfrm>
           <a:prstGeom prst="straightConnector1">
@@ -7337,7 +7313,7 @@
         </p:nvCxnSpPr>
         <p:spPr>
           <a:xfrm flipV="1">
-            <a:off x="5585929" y="3254150"/>
+            <a:off x="7109929" y="3254151"/>
             <a:ext cx="671632" cy="1"/>
           </a:xfrm>
           <a:prstGeom prst="straightConnector1">
@@ -7374,7 +7350,7 @@
         </p:nvGrpSpPr>
         <p:grpSpPr>
           <a:xfrm>
-            <a:off x="6257561" y="3092225"/>
+            <a:off x="7781561" y="3092225"/>
             <a:ext cx="323850" cy="323850"/>
             <a:chOff x="1601514" y="4414346"/>
             <a:chExt cx="323850" cy="323850"/>
@@ -7483,7 +7459,7 @@
         </p:nvSpPr>
         <p:spPr>
           <a:xfrm>
-            <a:off x="2780723" y="3092226"/>
+            <a:off x="4304723" y="3092226"/>
             <a:ext cx="323850" cy="323850"/>
           </a:xfrm>
           <a:prstGeom prst="ellipse">
@@ -7532,7 +7508,7 @@
         </p:nvSpPr>
         <p:spPr>
           <a:xfrm>
-            <a:off x="3852405" y="2955250"/>
+            <a:off x="5376405" y="2955251"/>
             <a:ext cx="1733524" cy="597801"/>
           </a:xfrm>
           <a:prstGeom prst="roundRect">
@@ -7568,14 +7544,14 @@
           <a:p>
             <a:pPr algn="ctr"/>
             <a:r>
-              <a:rPr lang="hu-HU" sz="2400" dirty="0" err="1" smtClean="0">
+              <a:rPr lang="hu-HU" sz="2400" dirty="0" err="1">
                 <a:solidFill>
                   <a:schemeClr val="tx1"/>
                 </a:solidFill>
               </a:rPr>
               <a:t>Build</a:t>
             </a:r>
-            <a:endParaRPr lang="hu-HU" sz="2400" dirty="0" smtClean="0">
+            <a:endParaRPr lang="hu-HU" sz="2400" dirty="0">
               <a:solidFill>
                 <a:schemeClr val="tx1"/>
               </a:solidFill>
@@ -7628,7 +7604,7 @@
         </p:nvSpPr>
         <p:spPr>
           <a:xfrm>
-            <a:off x="976403" y="1980977"/>
+            <a:off x="2500404" y="1980977"/>
             <a:ext cx="6620015" cy="1755978"/>
           </a:xfrm>
           <a:prstGeom prst="roundRect">
@@ -7664,14 +7640,14 @@
           <a:p>
             <a:pPr algn="ctr"/>
             <a:r>
-              <a:rPr lang="hu-HU" sz="2400" dirty="0" err="1" smtClean="0">
+              <a:rPr lang="hu-HU" sz="2400" dirty="0" err="1">
                 <a:solidFill>
                   <a:schemeClr val="tx1"/>
                 </a:solidFill>
               </a:rPr>
               <a:t>Build</a:t>
             </a:r>
-            <a:endParaRPr lang="hu-HU" sz="2400" dirty="0" smtClean="0">
+            <a:endParaRPr lang="hu-HU" sz="2400" dirty="0">
               <a:solidFill>
                 <a:schemeClr val="tx1"/>
               </a:solidFill>
@@ -7690,7 +7666,7 @@
         </p:nvCxnSpPr>
         <p:spPr>
           <a:xfrm>
-            <a:off x="3955526" y="3020891"/>
+            <a:off x="5479526" y="3020891"/>
             <a:ext cx="661770" cy="0"/>
           </a:xfrm>
           <a:prstGeom prst="straightConnector1">
@@ -7730,7 +7706,7 @@
         </p:nvCxnSpPr>
         <p:spPr>
           <a:xfrm>
-            <a:off x="6350820" y="3020891"/>
+            <a:off x="7874821" y="3020891"/>
             <a:ext cx="499845" cy="0"/>
           </a:xfrm>
           <a:prstGeom prst="straightConnector1">
@@ -7770,7 +7746,7 @@
         </p:nvCxnSpPr>
         <p:spPr>
           <a:xfrm>
-            <a:off x="1729192" y="3020891"/>
+            <a:off x="3253192" y="3020891"/>
             <a:ext cx="492810" cy="0"/>
           </a:xfrm>
           <a:prstGeom prst="straightConnector1">
@@ -7807,7 +7783,7 @@
         </p:nvSpPr>
         <p:spPr>
           <a:xfrm>
-            <a:off x="1405342" y="2858966"/>
+            <a:off x="2929342" y="2858966"/>
             <a:ext cx="323850" cy="323850"/>
           </a:xfrm>
           <a:prstGeom prst="ellipse">
@@ -7856,7 +7832,7 @@
         </p:nvGrpSpPr>
         <p:grpSpPr>
           <a:xfrm>
-            <a:off x="6850665" y="2858966"/>
+            <a:off x="8374665" y="2858966"/>
             <a:ext cx="323850" cy="323850"/>
             <a:chOff x="1601514" y="4414346"/>
             <a:chExt cx="323850" cy="323850"/>
@@ -7965,7 +7941,7 @@
         </p:nvSpPr>
         <p:spPr>
           <a:xfrm>
-            <a:off x="2222002" y="2721990"/>
+            <a:off x="3746002" y="2721991"/>
             <a:ext cx="1733524" cy="597801"/>
           </a:xfrm>
           <a:prstGeom prst="roundRect">
@@ -8001,14 +7977,14 @@
           <a:p>
             <a:pPr algn="ctr"/>
             <a:r>
-              <a:rPr lang="hu-HU" sz="2400" dirty="0" err="1" smtClean="0">
+              <a:rPr lang="hu-HU" sz="2400" dirty="0" err="1">
                 <a:solidFill>
                   <a:schemeClr val="tx1"/>
                 </a:solidFill>
               </a:rPr>
               <a:t>Compile</a:t>
             </a:r>
-            <a:endParaRPr lang="hu-HU" sz="2400" dirty="0" smtClean="0">
+            <a:endParaRPr lang="hu-HU" sz="2400" dirty="0">
               <a:solidFill>
                 <a:schemeClr val="tx1"/>
               </a:solidFill>
@@ -8024,7 +8000,7 @@
         </p:nvSpPr>
         <p:spPr>
           <a:xfrm>
-            <a:off x="4617296" y="2721990"/>
+            <a:off x="6141296" y="2721991"/>
             <a:ext cx="1733524" cy="597801"/>
           </a:xfrm>
           <a:prstGeom prst="roundRect">
@@ -8060,7 +8036,7 @@
           <a:p>
             <a:pPr algn="ctr"/>
             <a:r>
-              <a:rPr lang="hu-HU" sz="2400" dirty="0" smtClean="0">
+              <a:rPr lang="hu-HU" sz="2400" dirty="0">
                 <a:solidFill>
                   <a:schemeClr val="tx1"/>
                 </a:solidFill>
@@ -8081,7 +8057,7 @@
         </p:nvCxnSpPr>
         <p:spPr>
           <a:xfrm flipV="1">
-            <a:off x="407918" y="2858966"/>
+            <a:off x="1931919" y="2858967"/>
             <a:ext cx="568485" cy="4853"/>
           </a:xfrm>
           <a:prstGeom prst="straightConnector1">
@@ -8118,7 +8094,7 @@
         </p:nvSpPr>
         <p:spPr>
           <a:xfrm>
-            <a:off x="84068" y="2701894"/>
+            <a:off x="1608068" y="2701894"/>
             <a:ext cx="323850" cy="323850"/>
           </a:xfrm>
           <a:prstGeom prst="ellipse">
@@ -8170,7 +8146,7 @@
         </p:nvCxnSpPr>
         <p:spPr>
           <a:xfrm flipV="1">
-            <a:off x="7596418" y="2856484"/>
+            <a:off x="9120418" y="2856484"/>
             <a:ext cx="438110" cy="2482"/>
           </a:xfrm>
           <a:prstGeom prst="straightConnector1">
@@ -8207,7 +8183,7 @@
         </p:nvGrpSpPr>
         <p:grpSpPr>
           <a:xfrm>
-            <a:off x="10254165" y="2698889"/>
+            <a:off x="13302165" y="2698889"/>
             <a:ext cx="323850" cy="323850"/>
             <a:chOff x="1601514" y="4414346"/>
             <a:chExt cx="323850" cy="323850"/>
@@ -8316,7 +8292,7 @@
         </p:nvSpPr>
         <p:spPr>
           <a:xfrm>
-            <a:off x="8034528" y="2557583"/>
+            <a:off x="9558528" y="2557584"/>
             <a:ext cx="1733524" cy="597801"/>
           </a:xfrm>
           <a:prstGeom prst="roundRect">
@@ -8352,18 +8328,13 @@
           <a:p>
             <a:pPr algn="ctr"/>
             <a:r>
-              <a:rPr lang="hu-HU" sz="2400" dirty="0" smtClean="0">
+              <a:rPr lang="hu-HU" sz="2400" dirty="0">
                 <a:solidFill>
                   <a:schemeClr val="tx1"/>
                 </a:solidFill>
               </a:rPr>
               <a:t>Test</a:t>
             </a:r>
-            <a:endParaRPr lang="hu-HU" sz="2400" dirty="0" smtClean="0">
-              <a:solidFill>
-                <a:schemeClr val="tx1"/>
-              </a:solidFill>
-            </a:endParaRPr>
           </a:p>
         </p:txBody>
       </p:sp>
@@ -8378,7 +8349,7 @@
         </p:nvCxnSpPr>
         <p:spPr>
           <a:xfrm>
-            <a:off x="9768052" y="2856484"/>
+            <a:off x="12816052" y="2856484"/>
             <a:ext cx="486113" cy="4330"/>
           </a:xfrm>
           <a:prstGeom prst="straightConnector1">
@@ -8452,7 +8423,7 @@
         </p:nvCxnSpPr>
         <p:spPr>
           <a:xfrm>
-            <a:off x="-190467" y="5797338"/>
+            <a:off x="1333533" y="5797338"/>
             <a:ext cx="8928992" cy="0"/>
           </a:xfrm>
           <a:prstGeom prst="straightConnector1">
@@ -8485,7 +8456,7 @@
         </p:nvSpPr>
         <p:spPr>
           <a:xfrm>
-            <a:off x="8740361" y="5581314"/>
+            <a:off x="10264361" y="5581314"/>
             <a:ext cx="261610" cy="369332"/>
           </a:xfrm>
           <a:prstGeom prst="rect">
@@ -8500,7 +8471,7 @@
           <a:lstStyle/>
           <a:p>
             <a:r>
-              <a:rPr lang="hu-HU" dirty="0" smtClean="0"/>
+              <a:rPr lang="hu-HU" dirty="0"/>
               <a:t>t</a:t>
             </a:r>
             <a:endParaRPr lang="hu-HU" dirty="0"/>
@@ -8515,7 +8486,7 @@
         </p:nvCxnSpPr>
         <p:spPr>
           <a:xfrm>
-            <a:off x="2197461" y="5560989"/>
+            <a:off x="3721461" y="5560989"/>
             <a:ext cx="0" cy="472698"/>
           </a:xfrm>
           <a:prstGeom prst="line">
@@ -8545,7 +8516,7 @@
         </p:nvSpPr>
         <p:spPr>
           <a:xfrm>
-            <a:off x="2194249" y="5077651"/>
+            <a:off x="3718249" y="5077651"/>
             <a:ext cx="1808482" cy="592634"/>
           </a:xfrm>
           <a:prstGeom prst="hexagon">
@@ -8573,7 +8544,7 @@
           <a:p>
             <a:pPr algn="ctr"/>
             <a:r>
-              <a:rPr lang="hu-HU" sz="2400" i="1" dirty="0" err="1" smtClean="0">
+              <a:rPr lang="hu-HU" sz="2400" i="1" dirty="0" err="1">
                 <a:solidFill>
                   <a:schemeClr val="tx1"/>
                 </a:solidFill>
@@ -8581,7 +8552,7 @@
               </a:rPr>
               <a:t>Compile</a:t>
             </a:r>
-            <a:endParaRPr lang="hu-HU" sz="2400" i="1" dirty="0" smtClean="0">
+            <a:endParaRPr lang="hu-HU" sz="2400" i="1" dirty="0">
               <a:solidFill>
                 <a:schemeClr val="tx1"/>
               </a:solidFill>
@@ -8598,7 +8569,7 @@
         </p:nvCxnSpPr>
         <p:spPr>
           <a:xfrm>
-            <a:off x="890028" y="5581314"/>
+            <a:off x="2414028" y="5581314"/>
             <a:ext cx="0" cy="472698"/>
           </a:xfrm>
           <a:prstGeom prst="line">
@@ -8628,7 +8599,7 @@
         </p:nvCxnSpPr>
         <p:spPr>
           <a:xfrm>
-            <a:off x="2197461" y="4253812"/>
+            <a:off x="3721461" y="4253813"/>
             <a:ext cx="0" cy="1384723"/>
           </a:xfrm>
           <a:prstGeom prst="line">
@@ -8661,7 +8632,7 @@
         </p:nvCxnSpPr>
         <p:spPr>
           <a:xfrm>
-            <a:off x="6969127" y="5581314"/>
+            <a:off x="8493127" y="5581314"/>
             <a:ext cx="0" cy="472698"/>
           </a:xfrm>
           <a:prstGeom prst="line">
@@ -8691,7 +8662,7 @@
         </p:nvCxnSpPr>
         <p:spPr>
           <a:xfrm>
-            <a:off x="6961065" y="4253812"/>
+            <a:off x="8485065" y="4253812"/>
             <a:ext cx="8062" cy="1405048"/>
           </a:xfrm>
           <a:prstGeom prst="line">
@@ -8724,7 +8695,7 @@
         </p:nvSpPr>
         <p:spPr>
           <a:xfrm>
-            <a:off x="4683126" y="5077651"/>
+            <a:off x="6207127" y="5077651"/>
             <a:ext cx="2286001" cy="592634"/>
           </a:xfrm>
           <a:prstGeom prst="hexagon">
@@ -8752,7 +8723,7 @@
           <a:p>
             <a:pPr algn="ctr"/>
             <a:r>
-              <a:rPr lang="hu-HU" sz="2400" i="1" dirty="0" smtClean="0">
+              <a:rPr lang="hu-HU" sz="2400" i="1" dirty="0">
                 <a:solidFill>
                   <a:schemeClr val="tx1"/>
                 </a:solidFill>
@@ -8777,7 +8748,7 @@
         </p:nvSpPr>
         <p:spPr>
           <a:xfrm>
-            <a:off x="2213688" y="4364169"/>
+            <a:off x="3737689" y="4364169"/>
             <a:ext cx="4755439" cy="592636"/>
           </a:xfrm>
           <a:prstGeom prst="hexagon">
@@ -8805,7 +8776,7 @@
           <a:p>
             <a:pPr algn="ctr"/>
             <a:r>
-              <a:rPr lang="hu-HU" sz="2400" i="1" dirty="0" err="1" smtClean="0">
+              <a:rPr lang="hu-HU" sz="2400" i="1" dirty="0" err="1">
                 <a:solidFill>
                   <a:schemeClr val="tx1"/>
                 </a:solidFill>
@@ -8813,7 +8784,7 @@
               </a:rPr>
               <a:t>Build</a:t>
             </a:r>
-            <a:endParaRPr lang="hu-HU" sz="2400" i="1" dirty="0" smtClean="0">
+            <a:endParaRPr lang="hu-HU" sz="2400" i="1" dirty="0">
               <a:solidFill>
                 <a:schemeClr val="tx1"/>
               </a:solidFill>
@@ -8830,7 +8801,7 @@
         </p:nvCxnSpPr>
         <p:spPr>
           <a:xfrm>
-            <a:off x="4022272" y="5560989"/>
+            <a:off x="5546272" y="5560989"/>
             <a:ext cx="0" cy="472698"/>
           </a:xfrm>
           <a:prstGeom prst="line">
@@ -8860,7 +8831,7 @@
         </p:nvCxnSpPr>
         <p:spPr>
           <a:xfrm>
-            <a:off x="4683126" y="5560989"/>
+            <a:off x="6207126" y="5560989"/>
             <a:ext cx="0" cy="472698"/>
           </a:xfrm>
           <a:prstGeom prst="line">
@@ -8890,7 +8861,7 @@
         </p:nvCxnSpPr>
         <p:spPr>
           <a:xfrm>
-            <a:off x="4683126" y="5077651"/>
+            <a:off x="6207126" y="5077651"/>
             <a:ext cx="0" cy="560884"/>
           </a:xfrm>
           <a:prstGeom prst="line">
@@ -8923,7 +8894,7 @@
         </p:nvCxnSpPr>
         <p:spPr>
           <a:xfrm>
-            <a:off x="4022272" y="5077651"/>
+            <a:off x="5546272" y="5077651"/>
             <a:ext cx="0" cy="560884"/>
           </a:xfrm>
           <a:prstGeom prst="line">
@@ -8958,6 +8929,13 @@
   <p:clrMapOvr>
     <a:masterClrMapping/>
   </p:clrMapOvr>
+  <p:timing>
+    <p:tnLst>
+      <p:par>
+        <p:cTn id="1" dur="indefinite" restart="never" nodeType="tmRoot"/>
+      </p:par>
+    </p:tnLst>
+  </p:timing>
 </p:sld>
 </file>
 
@@ -8986,7 +8964,7 @@
         </p:nvSpPr>
         <p:spPr>
           <a:xfrm>
-            <a:off x="1147091" y="2232177"/>
+            <a:off x="2671092" y="2232177"/>
             <a:ext cx="6620015" cy="1755978"/>
           </a:xfrm>
           <a:prstGeom prst="roundRect">
@@ -9022,14 +9000,14 @@
           <a:p>
             <a:pPr algn="ctr"/>
             <a:r>
-              <a:rPr lang="hu-HU" sz="2400" dirty="0" err="1" smtClean="0">
+              <a:rPr lang="hu-HU" sz="2400" dirty="0" err="1">
                 <a:solidFill>
                   <a:schemeClr val="tx1"/>
                 </a:solidFill>
               </a:rPr>
               <a:t>Build</a:t>
             </a:r>
-            <a:endParaRPr lang="hu-HU" sz="2400" dirty="0" smtClean="0">
+            <a:endParaRPr lang="hu-HU" sz="2400" dirty="0">
               <a:solidFill>
                 <a:schemeClr val="tx1"/>
               </a:solidFill>
@@ -9048,7 +9026,7 @@
         </p:nvCxnSpPr>
         <p:spPr>
           <a:xfrm>
-            <a:off x="4126214" y="3272091"/>
+            <a:off x="5650214" y="3272091"/>
             <a:ext cx="661770" cy="0"/>
           </a:xfrm>
           <a:prstGeom prst="straightConnector1">
@@ -9088,7 +9066,7 @@
         </p:nvCxnSpPr>
         <p:spPr>
           <a:xfrm>
-            <a:off x="6521508" y="3272091"/>
+            <a:off x="8045509" y="3272091"/>
             <a:ext cx="499845" cy="0"/>
           </a:xfrm>
           <a:prstGeom prst="straightConnector1">
@@ -9128,7 +9106,7 @@
         </p:nvCxnSpPr>
         <p:spPr>
           <a:xfrm>
-            <a:off x="1899880" y="3272091"/>
+            <a:off x="3423880" y="3272091"/>
             <a:ext cx="492810" cy="0"/>
           </a:xfrm>
           <a:prstGeom prst="straightConnector1">
@@ -9165,7 +9143,7 @@
         </p:nvSpPr>
         <p:spPr>
           <a:xfrm>
-            <a:off x="1576030" y="3110166"/>
+            <a:off x="3100030" y="3110166"/>
             <a:ext cx="323850" cy="323850"/>
           </a:xfrm>
           <a:prstGeom prst="ellipse">
@@ -9214,7 +9192,7 @@
         </p:nvGrpSpPr>
         <p:grpSpPr>
           <a:xfrm>
-            <a:off x="7021353" y="3110166"/>
+            <a:off x="8545353" y="3110166"/>
             <a:ext cx="323850" cy="323850"/>
             <a:chOff x="1601514" y="4414346"/>
             <a:chExt cx="323850" cy="323850"/>
@@ -9323,7 +9301,7 @@
         </p:nvSpPr>
         <p:spPr>
           <a:xfrm>
-            <a:off x="2392690" y="2973190"/>
+            <a:off x="3916690" y="2973191"/>
             <a:ext cx="1733524" cy="597801"/>
           </a:xfrm>
           <a:prstGeom prst="roundRect">
@@ -9359,14 +9337,14 @@
           <a:p>
             <a:pPr algn="ctr"/>
             <a:r>
-              <a:rPr lang="hu-HU" sz="2400" dirty="0" err="1" smtClean="0">
+              <a:rPr lang="hu-HU" sz="2400" dirty="0" err="1">
                 <a:solidFill>
                   <a:schemeClr val="tx1"/>
                 </a:solidFill>
               </a:rPr>
               <a:t>Compile</a:t>
             </a:r>
-            <a:endParaRPr lang="hu-HU" sz="2400" dirty="0" smtClean="0">
+            <a:endParaRPr lang="hu-HU" sz="2400" dirty="0">
               <a:solidFill>
                 <a:schemeClr val="tx1"/>
               </a:solidFill>
@@ -9382,7 +9360,7 @@
         </p:nvSpPr>
         <p:spPr>
           <a:xfrm>
-            <a:off x="4787984" y="2973190"/>
+            <a:off x="6311984" y="2973191"/>
             <a:ext cx="1733524" cy="597801"/>
           </a:xfrm>
           <a:prstGeom prst="roundRect">
@@ -9418,7 +9396,7 @@
           <a:p>
             <a:pPr algn="ctr"/>
             <a:r>
-              <a:rPr lang="hu-HU" sz="2400" dirty="0" smtClean="0">
+              <a:rPr lang="hu-HU" sz="2400" dirty="0">
                 <a:solidFill>
                   <a:schemeClr val="tx1"/>
                 </a:solidFill>
@@ -9439,7 +9417,7 @@
         </p:nvCxnSpPr>
         <p:spPr>
           <a:xfrm flipV="1">
-            <a:off x="2878463" y="1461739"/>
+            <a:off x="4402464" y="1461739"/>
             <a:ext cx="711873" cy="4574"/>
           </a:xfrm>
           <a:prstGeom prst="straightConnector1">
@@ -9476,7 +9454,7 @@
         </p:nvSpPr>
         <p:spPr>
           <a:xfrm>
-            <a:off x="2554613" y="1304388"/>
+            <a:off x="4078613" y="1304388"/>
             <a:ext cx="323850" cy="323850"/>
           </a:xfrm>
           <a:prstGeom prst="ellipse">
@@ -9528,7 +9506,7 @@
         </p:nvCxnSpPr>
         <p:spPr>
           <a:xfrm>
-            <a:off x="5323860" y="1461739"/>
+            <a:off x="6847861" y="1461740"/>
             <a:ext cx="711873" cy="4329"/>
           </a:xfrm>
           <a:prstGeom prst="straightConnector1">
@@ -9565,7 +9543,7 @@
         </p:nvGrpSpPr>
         <p:grpSpPr>
           <a:xfrm>
-            <a:off x="6035733" y="1304143"/>
+            <a:off x="7559733" y="1304143"/>
             <a:ext cx="323850" cy="323850"/>
             <a:chOff x="1601514" y="4414346"/>
             <a:chExt cx="323850" cy="323850"/>
@@ -9674,7 +9652,7 @@
         </p:nvSpPr>
         <p:spPr>
           <a:xfrm>
-            <a:off x="3590336" y="1162838"/>
+            <a:off x="5114336" y="1162839"/>
             <a:ext cx="1733524" cy="597801"/>
           </a:xfrm>
           <a:prstGeom prst="roundRect">
@@ -9710,14 +9688,14 @@
           <a:p>
             <a:pPr algn="ctr"/>
             <a:r>
-              <a:rPr lang="hu-HU" sz="2400" dirty="0" err="1" smtClean="0">
+              <a:rPr lang="hu-HU" sz="2400" dirty="0" err="1">
                 <a:solidFill>
                   <a:schemeClr val="tx1"/>
                 </a:solidFill>
               </a:rPr>
               <a:t>Build</a:t>
             </a:r>
-            <a:endParaRPr lang="hu-HU" sz="2400" dirty="0" smtClean="0">
+            <a:endParaRPr lang="hu-HU" sz="2400" dirty="0">
               <a:solidFill>
                 <a:schemeClr val="tx1"/>
               </a:solidFill>
@@ -9733,7 +9711,7 @@
         </p:nvSpPr>
         <p:spPr>
           <a:xfrm>
-            <a:off x="5098283" y="1551793"/>
+            <a:off x="6622283" y="1551793"/>
             <a:ext cx="157208" cy="167314"/>
           </a:xfrm>
           <a:prstGeom prst="rightArrow">
@@ -9768,7 +9746,7 @@
           <a:lstStyle/>
           <a:p>
             <a:pPr algn="ctr"/>
-            <a:endParaRPr lang="hu-HU" sz="2400" dirty="0" smtClean="0">
+            <a:endParaRPr lang="hu-HU" sz="2400" dirty="0">
               <a:solidFill>
                 <a:schemeClr val="bg1"/>
               </a:solidFill>
@@ -9821,7 +9799,7 @@
         </p:nvCxnSpPr>
         <p:spPr>
           <a:xfrm>
-            <a:off x="-190467" y="5797338"/>
+            <a:off x="1333533" y="5797338"/>
             <a:ext cx="8928992" cy="0"/>
           </a:xfrm>
           <a:prstGeom prst="straightConnector1">
@@ -9854,7 +9832,7 @@
         </p:nvSpPr>
         <p:spPr>
           <a:xfrm>
-            <a:off x="8740361" y="5581314"/>
+            <a:off x="10264361" y="5581314"/>
             <a:ext cx="261610" cy="369332"/>
           </a:xfrm>
           <a:prstGeom prst="rect">
@@ -9869,7 +9847,7 @@
           <a:lstStyle/>
           <a:p>
             <a:r>
-              <a:rPr lang="hu-HU" dirty="0" smtClean="0"/>
+              <a:rPr lang="hu-HU" dirty="0"/>
               <a:t>t</a:t>
             </a:r>
             <a:endParaRPr lang="hu-HU" dirty="0"/>
@@ -9884,7 +9862,7 @@
         </p:nvCxnSpPr>
         <p:spPr>
           <a:xfrm>
-            <a:off x="2197461" y="5560989"/>
+            <a:off x="3721461" y="5560989"/>
             <a:ext cx="0" cy="472698"/>
           </a:xfrm>
           <a:prstGeom prst="line">
@@ -9914,7 +9892,7 @@
         </p:nvSpPr>
         <p:spPr>
           <a:xfrm>
-            <a:off x="2194249" y="5077651"/>
+            <a:off x="3718249" y="5077651"/>
             <a:ext cx="1808482" cy="592634"/>
           </a:xfrm>
           <a:prstGeom prst="hexagon">
@@ -9942,7 +9920,7 @@
           <a:p>
             <a:pPr algn="ctr"/>
             <a:r>
-              <a:rPr lang="hu-HU" sz="2400" i="1" dirty="0" err="1" smtClean="0">
+              <a:rPr lang="hu-HU" sz="2400" i="1" dirty="0" err="1">
                 <a:solidFill>
                   <a:schemeClr val="tx1"/>
                 </a:solidFill>
@@ -9950,7 +9928,7 @@
               </a:rPr>
               <a:t>Compile</a:t>
             </a:r>
-            <a:endParaRPr lang="hu-HU" sz="2400" i="1" dirty="0" smtClean="0">
+            <a:endParaRPr lang="hu-HU" sz="2400" i="1" dirty="0">
               <a:solidFill>
                 <a:schemeClr val="tx1"/>
               </a:solidFill>
@@ -9967,7 +9945,7 @@
         </p:nvCxnSpPr>
         <p:spPr>
           <a:xfrm>
-            <a:off x="890028" y="5581314"/>
+            <a:off x="2414028" y="5581314"/>
             <a:ext cx="0" cy="472698"/>
           </a:xfrm>
           <a:prstGeom prst="line">
@@ -9997,7 +9975,7 @@
         </p:nvCxnSpPr>
         <p:spPr>
           <a:xfrm>
-            <a:off x="2197461" y="4253812"/>
+            <a:off x="3721461" y="4253813"/>
             <a:ext cx="0" cy="1384723"/>
           </a:xfrm>
           <a:prstGeom prst="line">
@@ -10030,7 +10008,7 @@
         </p:nvCxnSpPr>
         <p:spPr>
           <a:xfrm>
-            <a:off x="6969127" y="5581314"/>
+            <a:off x="8493127" y="5581314"/>
             <a:ext cx="0" cy="472698"/>
           </a:xfrm>
           <a:prstGeom prst="line">
@@ -10060,7 +10038,7 @@
         </p:nvCxnSpPr>
         <p:spPr>
           <a:xfrm>
-            <a:off x="6961065" y="4253812"/>
+            <a:off x="8485065" y="4253812"/>
             <a:ext cx="8062" cy="1405048"/>
           </a:xfrm>
           <a:prstGeom prst="line">
@@ -10093,7 +10071,7 @@
         </p:nvSpPr>
         <p:spPr>
           <a:xfrm>
-            <a:off x="4683126" y="5077651"/>
+            <a:off x="6207127" y="5077651"/>
             <a:ext cx="2286001" cy="592634"/>
           </a:xfrm>
           <a:prstGeom prst="hexagon">
@@ -10121,7 +10099,7 @@
           <a:p>
             <a:pPr algn="ctr"/>
             <a:r>
-              <a:rPr lang="hu-HU" sz="2400" i="1" dirty="0" smtClean="0">
+              <a:rPr lang="hu-HU" sz="2400" i="1" dirty="0">
                 <a:solidFill>
                   <a:schemeClr val="tx1"/>
                 </a:solidFill>
@@ -10146,7 +10124,7 @@
         </p:nvSpPr>
         <p:spPr>
           <a:xfrm>
-            <a:off x="2213688" y="4364169"/>
+            <a:off x="3737689" y="4364169"/>
             <a:ext cx="4755439" cy="592636"/>
           </a:xfrm>
           <a:prstGeom prst="hexagon">
@@ -10174,7 +10152,7 @@
           <a:p>
             <a:pPr algn="ctr"/>
             <a:r>
-              <a:rPr lang="hu-HU" sz="2400" i="1" dirty="0" err="1" smtClean="0">
+              <a:rPr lang="hu-HU" sz="2400" i="1" dirty="0" err="1">
                 <a:solidFill>
                   <a:schemeClr val="tx1"/>
                 </a:solidFill>
@@ -10182,7 +10160,7 @@
               </a:rPr>
               <a:t>Build</a:t>
             </a:r>
-            <a:endParaRPr lang="hu-HU" sz="2400" i="1" dirty="0" smtClean="0">
+            <a:endParaRPr lang="hu-HU" sz="2400" i="1" dirty="0">
               <a:solidFill>
                 <a:schemeClr val="tx1"/>
               </a:solidFill>
@@ -10199,7 +10177,7 @@
         </p:nvCxnSpPr>
         <p:spPr>
           <a:xfrm>
-            <a:off x="4022272" y="5560989"/>
+            <a:off x="5546272" y="5560989"/>
             <a:ext cx="0" cy="472698"/>
           </a:xfrm>
           <a:prstGeom prst="line">
@@ -10229,7 +10207,7 @@
         </p:nvCxnSpPr>
         <p:spPr>
           <a:xfrm>
-            <a:off x="4683126" y="5560989"/>
+            <a:off x="6207126" y="5560989"/>
             <a:ext cx="0" cy="472698"/>
           </a:xfrm>
           <a:prstGeom prst="line">
@@ -10259,7 +10237,7 @@
         </p:nvCxnSpPr>
         <p:spPr>
           <a:xfrm>
-            <a:off x="4683126" y="5077651"/>
+            <a:off x="6207126" y="5077651"/>
             <a:ext cx="0" cy="560884"/>
           </a:xfrm>
           <a:prstGeom prst="line">
@@ -10292,7 +10270,7 @@
         </p:nvCxnSpPr>
         <p:spPr>
           <a:xfrm>
-            <a:off x="4022272" y="5077651"/>
+            <a:off x="5546272" y="5077651"/>
             <a:ext cx="0" cy="560884"/>
           </a:xfrm>
           <a:prstGeom prst="line">
@@ -10327,6 +10305,13 @@
   <p:clrMapOvr>
     <a:masterClrMapping/>
   </p:clrMapOvr>
+  <p:timing>
+    <p:tnLst>
+      <p:par>
+        <p:cTn id="1" dur="indefinite" restart="never" nodeType="tmRoot"/>
+      </p:par>
+    </p:tnLst>
+  </p:timing>
 </p:sld>
 </file>
 
@@ -10347,456 +10332,6 @@
           <a:chExt cx="0" cy="0"/>
         </a:xfrm>
       </p:grpSpPr>
-      <p:sp>
-        <p:nvSpPr>
-          <p:cNvPr id="60" name="Rounded Rectangle 59"/>
-          <p:cNvSpPr/>
-          <p:nvPr/>
-        </p:nvSpPr>
-        <p:spPr>
-          <a:xfrm>
-            <a:off x="1147091" y="2232177"/>
-            <a:ext cx="6620015" cy="1755978"/>
-          </a:xfrm>
-          <a:prstGeom prst="roundRect">
-            <a:avLst/>
-          </a:prstGeom>
-          <a:noFill/>
-          <a:ln w="38100">
-            <a:solidFill>
-              <a:schemeClr val="tx1"/>
-            </a:solidFill>
-          </a:ln>
-          <a:effectLst/>
-        </p:spPr>
-        <p:style>
-          <a:lnRef idx="2">
-            <a:schemeClr val="accent4">
-              <a:shade val="50000"/>
-            </a:schemeClr>
-          </a:lnRef>
-          <a:fillRef idx="1">
-            <a:schemeClr val="accent4"/>
-          </a:fillRef>
-          <a:effectRef idx="0">
-            <a:schemeClr val="accent4"/>
-          </a:effectRef>
-          <a:fontRef idx="minor">
-            <a:schemeClr val="lt1"/>
-          </a:fontRef>
-        </p:style>
-        <p:txBody>
-          <a:bodyPr rtlCol="0" anchor="t" anchorCtr="0"/>
-          <a:lstStyle/>
-          <a:p>
-            <a:pPr algn="ctr"/>
-            <a:r>
-              <a:rPr lang="hu-HU" sz="2400" dirty="0" err="1" smtClean="0">
-                <a:solidFill>
-                  <a:schemeClr val="tx1"/>
-                </a:solidFill>
-              </a:rPr>
-              <a:t>Build</a:t>
-            </a:r>
-            <a:endParaRPr lang="hu-HU" sz="2400" dirty="0" smtClean="0">
-              <a:solidFill>
-                <a:schemeClr val="tx1"/>
-              </a:solidFill>
-            </a:endParaRPr>
-          </a:p>
-        </p:txBody>
-      </p:sp>
-      <p:cxnSp>
-        <p:nvCxnSpPr>
-          <p:cNvPr id="79" name="Straight Arrow Connector 78"/>
-          <p:cNvCxnSpPr>
-            <a:stCxn id="14" idx="3"/>
-            <a:endCxn id="15" idx="1"/>
-          </p:cNvCxnSpPr>
-          <p:nvPr/>
-        </p:nvCxnSpPr>
-        <p:spPr>
-          <a:xfrm>
-            <a:off x="4126214" y="3272091"/>
-            <a:ext cx="661770" cy="0"/>
-          </a:xfrm>
-          <a:prstGeom prst="straightConnector1">
-            <a:avLst/>
-          </a:prstGeom>
-          <a:ln w="31750">
-            <a:solidFill>
-              <a:schemeClr val="tx1"/>
-            </a:solidFill>
-            <a:prstDash val="sysDash"/>
-            <a:tailEnd type="arrow" w="lg" len="lg"/>
-          </a:ln>
-        </p:spPr>
-        <p:style>
-          <a:lnRef idx="1">
-            <a:schemeClr val="accent1"/>
-          </a:lnRef>
-          <a:fillRef idx="0">
-            <a:schemeClr val="accent1"/>
-          </a:fillRef>
-          <a:effectRef idx="0">
-            <a:schemeClr val="accent1"/>
-          </a:effectRef>
-          <a:fontRef idx="minor">
-            <a:schemeClr val="tx1"/>
-          </a:fontRef>
-        </p:style>
-      </p:cxnSp>
-      <p:cxnSp>
-        <p:nvCxnSpPr>
-          <p:cNvPr id="81" name="Straight Arrow Connector 80"/>
-          <p:cNvCxnSpPr>
-            <a:stCxn id="15" idx="3"/>
-            <a:endCxn id="40" idx="2"/>
-          </p:cNvCxnSpPr>
-          <p:nvPr/>
-        </p:nvCxnSpPr>
-        <p:spPr>
-          <a:xfrm>
-            <a:off x="6521508" y="3272091"/>
-            <a:ext cx="499845" cy="0"/>
-          </a:xfrm>
-          <a:prstGeom prst="straightConnector1">
-            <a:avLst/>
-          </a:prstGeom>
-          <a:ln w="31750">
-            <a:solidFill>
-              <a:schemeClr val="tx1"/>
-            </a:solidFill>
-            <a:prstDash val="sysDash"/>
-            <a:tailEnd type="arrow" w="lg" len="lg"/>
-          </a:ln>
-        </p:spPr>
-        <p:style>
-          <a:lnRef idx="1">
-            <a:schemeClr val="accent1"/>
-          </a:lnRef>
-          <a:fillRef idx="0">
-            <a:schemeClr val="accent1"/>
-          </a:fillRef>
-          <a:effectRef idx="0">
-            <a:schemeClr val="accent1"/>
-          </a:effectRef>
-          <a:fontRef idx="minor">
-            <a:schemeClr val="tx1"/>
-          </a:fontRef>
-        </p:style>
-      </p:cxnSp>
-      <p:cxnSp>
-        <p:nvCxnSpPr>
-          <p:cNvPr id="91" name="Straight Arrow Connector 90"/>
-          <p:cNvCxnSpPr>
-            <a:stCxn id="36" idx="6"/>
-            <a:endCxn id="14" idx="1"/>
-          </p:cNvCxnSpPr>
-          <p:nvPr/>
-        </p:nvCxnSpPr>
-        <p:spPr>
-          <a:xfrm>
-            <a:off x="1899880" y="3272091"/>
-            <a:ext cx="492810" cy="0"/>
-          </a:xfrm>
-          <a:prstGeom prst="straightConnector1">
-            <a:avLst/>
-          </a:prstGeom>
-          <a:ln w="31750">
-            <a:solidFill>
-              <a:schemeClr val="tx1"/>
-            </a:solidFill>
-            <a:prstDash val="sysDash"/>
-            <a:tailEnd type="arrow" w="lg" len="lg"/>
-          </a:ln>
-        </p:spPr>
-        <p:style>
-          <a:lnRef idx="1">
-            <a:schemeClr val="accent1"/>
-          </a:lnRef>
-          <a:fillRef idx="0">
-            <a:schemeClr val="accent1"/>
-          </a:fillRef>
-          <a:effectRef idx="0">
-            <a:schemeClr val="accent1"/>
-          </a:effectRef>
-          <a:fontRef idx="minor">
-            <a:schemeClr val="tx1"/>
-          </a:fontRef>
-        </p:style>
-      </p:cxnSp>
-      <p:sp>
-        <p:nvSpPr>
-          <p:cNvPr id="36" name="Oval 35"/>
-          <p:cNvSpPr/>
-          <p:nvPr/>
-        </p:nvSpPr>
-        <p:spPr>
-          <a:xfrm>
-            <a:off x="1576030" y="3110166"/>
-            <a:ext cx="323850" cy="323850"/>
-          </a:xfrm>
-          <a:prstGeom prst="ellipse">
-            <a:avLst/>
-          </a:prstGeom>
-          <a:solidFill>
-            <a:schemeClr val="tx1"/>
-          </a:solidFill>
-          <a:ln w="38100">
-            <a:solidFill>
-              <a:schemeClr val="tx1"/>
-            </a:solidFill>
-          </a:ln>
-          <a:effectLst/>
-        </p:spPr>
-        <p:style>
-          <a:lnRef idx="2">
-            <a:schemeClr val="accent4">
-              <a:shade val="50000"/>
-            </a:schemeClr>
-          </a:lnRef>
-          <a:fillRef idx="1">
-            <a:schemeClr val="accent4"/>
-          </a:fillRef>
-          <a:effectRef idx="0">
-            <a:schemeClr val="accent4"/>
-          </a:effectRef>
-          <a:fontRef idx="minor">
-            <a:schemeClr val="lt1"/>
-          </a:fontRef>
-        </p:style>
-        <p:txBody>
-          <a:bodyPr rtlCol="0" anchor="ctr"/>
-          <a:lstStyle/>
-          <a:p>
-            <a:pPr algn="ctr"/>
-            <a:endParaRPr lang="hu-HU" dirty="0"/>
-          </a:p>
-        </p:txBody>
-      </p:sp>
-      <p:grpSp>
-        <p:nvGrpSpPr>
-          <p:cNvPr id="38" name="Group 37"/>
-          <p:cNvGrpSpPr/>
-          <p:nvPr/>
-        </p:nvGrpSpPr>
-        <p:grpSpPr>
-          <a:xfrm>
-            <a:off x="7021353" y="3110166"/>
-            <a:ext cx="323850" cy="323850"/>
-            <a:chOff x="1601514" y="4414346"/>
-            <a:chExt cx="323850" cy="323850"/>
-          </a:xfrm>
-        </p:grpSpPr>
-        <p:sp>
-          <p:nvSpPr>
-            <p:cNvPr id="39" name="Oval 38"/>
-            <p:cNvSpPr/>
-            <p:nvPr/>
-          </p:nvSpPr>
-          <p:spPr>
-            <a:xfrm>
-              <a:off x="1677714" y="4490546"/>
-              <a:ext cx="171450" cy="171450"/>
-            </a:xfrm>
-            <a:prstGeom prst="ellipse">
-              <a:avLst/>
-            </a:prstGeom>
-            <a:solidFill>
-              <a:schemeClr val="tx1"/>
-            </a:solidFill>
-            <a:ln w="38100">
-              <a:noFill/>
-            </a:ln>
-            <a:effectLst/>
-          </p:spPr>
-          <p:style>
-            <a:lnRef idx="2">
-              <a:schemeClr val="accent4">
-                <a:shade val="50000"/>
-              </a:schemeClr>
-            </a:lnRef>
-            <a:fillRef idx="1">
-              <a:schemeClr val="accent4"/>
-            </a:fillRef>
-            <a:effectRef idx="0">
-              <a:schemeClr val="accent4"/>
-            </a:effectRef>
-            <a:fontRef idx="minor">
-              <a:schemeClr val="lt1"/>
-            </a:fontRef>
-          </p:style>
-          <p:txBody>
-            <a:bodyPr rtlCol="0" anchor="ctr"/>
-            <a:lstStyle/>
-            <a:p>
-              <a:pPr algn="ctr"/>
-              <a:endParaRPr lang="hu-HU" dirty="0"/>
-            </a:p>
-          </p:txBody>
-        </p:sp>
-        <p:sp>
-          <p:nvSpPr>
-            <p:cNvPr id="40" name="Oval 39"/>
-            <p:cNvSpPr/>
-            <p:nvPr/>
-          </p:nvSpPr>
-          <p:spPr>
-            <a:xfrm>
-              <a:off x="1601514" y="4414346"/>
-              <a:ext cx="323850" cy="323850"/>
-            </a:xfrm>
-            <a:prstGeom prst="ellipse">
-              <a:avLst/>
-            </a:prstGeom>
-            <a:noFill/>
-            <a:ln w="38100">
-              <a:solidFill>
-                <a:schemeClr val="tx1"/>
-              </a:solidFill>
-            </a:ln>
-            <a:effectLst/>
-          </p:spPr>
-          <p:style>
-            <a:lnRef idx="2">
-              <a:schemeClr val="accent4">
-                <a:shade val="50000"/>
-              </a:schemeClr>
-            </a:lnRef>
-            <a:fillRef idx="1">
-              <a:schemeClr val="accent4"/>
-            </a:fillRef>
-            <a:effectRef idx="0">
-              <a:schemeClr val="accent4"/>
-            </a:effectRef>
-            <a:fontRef idx="minor">
-              <a:schemeClr val="lt1"/>
-            </a:fontRef>
-          </p:style>
-          <p:txBody>
-            <a:bodyPr rtlCol="0" anchor="ctr"/>
-            <a:lstStyle/>
-            <a:p>
-              <a:pPr algn="ctr"/>
-              <a:endParaRPr lang="hu-HU" dirty="0"/>
-            </a:p>
-          </p:txBody>
-        </p:sp>
-      </p:grpSp>
-      <p:sp>
-        <p:nvSpPr>
-          <p:cNvPr id="14" name="Rounded Rectangle 13"/>
-          <p:cNvSpPr/>
-          <p:nvPr/>
-        </p:nvSpPr>
-        <p:spPr>
-          <a:xfrm>
-            <a:off x="2392690" y="2973190"/>
-            <a:ext cx="1733524" cy="597801"/>
-          </a:xfrm>
-          <a:prstGeom prst="roundRect">
-            <a:avLst/>
-          </a:prstGeom>
-          <a:noFill/>
-          <a:ln w="38100">
-            <a:solidFill>
-              <a:schemeClr val="tx1"/>
-            </a:solidFill>
-          </a:ln>
-          <a:effectLst/>
-        </p:spPr>
-        <p:style>
-          <a:lnRef idx="2">
-            <a:schemeClr val="accent4">
-              <a:shade val="50000"/>
-            </a:schemeClr>
-          </a:lnRef>
-          <a:fillRef idx="1">
-            <a:schemeClr val="accent4"/>
-          </a:fillRef>
-          <a:effectRef idx="0">
-            <a:schemeClr val="accent4"/>
-          </a:effectRef>
-          <a:fontRef idx="minor">
-            <a:schemeClr val="lt1"/>
-          </a:fontRef>
-        </p:style>
-        <p:txBody>
-          <a:bodyPr rtlCol="0" anchor="ctr"/>
-          <a:lstStyle/>
-          <a:p>
-            <a:pPr algn="ctr"/>
-            <a:r>
-              <a:rPr lang="hu-HU" sz="2400" dirty="0" err="1" smtClean="0">
-                <a:solidFill>
-                  <a:schemeClr val="tx1"/>
-                </a:solidFill>
-              </a:rPr>
-              <a:t>Compile</a:t>
-            </a:r>
-            <a:endParaRPr lang="hu-HU" sz="2400" dirty="0" smtClean="0">
-              <a:solidFill>
-                <a:schemeClr val="tx1"/>
-              </a:solidFill>
-            </a:endParaRPr>
-          </a:p>
-        </p:txBody>
-      </p:sp>
-      <p:sp>
-        <p:nvSpPr>
-          <p:cNvPr id="15" name="Rounded Rectangle 14"/>
-          <p:cNvSpPr/>
-          <p:nvPr/>
-        </p:nvSpPr>
-        <p:spPr>
-          <a:xfrm>
-            <a:off x="4787984" y="2973190"/>
-            <a:ext cx="1733524" cy="597801"/>
-          </a:xfrm>
-          <a:prstGeom prst="roundRect">
-            <a:avLst/>
-          </a:prstGeom>
-          <a:noFill/>
-          <a:ln w="38100">
-            <a:solidFill>
-              <a:schemeClr val="tx1"/>
-            </a:solidFill>
-          </a:ln>
-          <a:effectLst/>
-        </p:spPr>
-        <p:style>
-          <a:lnRef idx="2">
-            <a:schemeClr val="accent4">
-              <a:shade val="50000"/>
-            </a:schemeClr>
-          </a:lnRef>
-          <a:fillRef idx="1">
-            <a:schemeClr val="accent4"/>
-          </a:fillRef>
-          <a:effectRef idx="0">
-            <a:schemeClr val="accent4"/>
-          </a:effectRef>
-          <a:fontRef idx="minor">
-            <a:schemeClr val="lt1"/>
-          </a:fontRef>
-        </p:style>
-        <p:txBody>
-          <a:bodyPr rtlCol="0" anchor="ctr"/>
-          <a:lstStyle/>
-          <a:p>
-            <a:pPr algn="ctr"/>
-            <a:r>
-              <a:rPr lang="hu-HU" sz="2400" dirty="0" smtClean="0">
-                <a:solidFill>
-                  <a:schemeClr val="tx1"/>
-                </a:solidFill>
-              </a:rPr>
-              <a:t>Link</a:t>
-            </a:r>
-          </a:p>
-        </p:txBody>
-      </p:sp>
       <p:cxnSp>
         <p:nvCxnSpPr>
           <p:cNvPr id="37" name="Straight Arrow Connector 12"/>
@@ -10808,7 +10343,7 @@
         </p:nvCxnSpPr>
         <p:spPr>
           <a:xfrm flipV="1">
-            <a:off x="2878463" y="1461739"/>
+            <a:off x="4402464" y="1461739"/>
             <a:ext cx="711873" cy="4574"/>
           </a:xfrm>
           <a:prstGeom prst="straightConnector1">
@@ -10845,7 +10380,7 @@
         </p:nvSpPr>
         <p:spPr>
           <a:xfrm>
-            <a:off x="2554613" y="1304388"/>
+            <a:off x="4078613" y="1304388"/>
             <a:ext cx="323850" cy="323850"/>
           </a:xfrm>
           <a:prstGeom prst="ellipse">
@@ -10897,7 +10432,7 @@
         </p:nvCxnSpPr>
         <p:spPr>
           <a:xfrm flipV="1">
-            <a:off x="5323860" y="1461738"/>
+            <a:off x="6847860" y="1461739"/>
             <a:ext cx="772140" cy="1"/>
           </a:xfrm>
           <a:prstGeom prst="straightConnector1">
@@ -10934,7 +10469,7 @@
         </p:nvGrpSpPr>
         <p:grpSpPr>
           <a:xfrm>
-            <a:off x="8315637" y="1304143"/>
+            <a:off x="9839637" y="1304143"/>
             <a:ext cx="323850" cy="323850"/>
             <a:chOff x="1601514" y="4414346"/>
             <a:chExt cx="323850" cy="323850"/>
@@ -11043,7 +10578,7 @@
         </p:nvSpPr>
         <p:spPr>
           <a:xfrm>
-            <a:off x="3590336" y="1162838"/>
+            <a:off x="5114336" y="1162839"/>
             <a:ext cx="1733524" cy="597801"/>
           </a:xfrm>
           <a:prstGeom prst="roundRect">
@@ -11079,14 +10614,14 @@
           <a:p>
             <a:pPr algn="ctr"/>
             <a:r>
-              <a:rPr lang="hu-HU" sz="2400" dirty="0" err="1" smtClean="0">
+              <a:rPr lang="hu-HU" sz="2400" dirty="0" err="1">
                 <a:solidFill>
                   <a:schemeClr val="tx1"/>
                 </a:solidFill>
               </a:rPr>
               <a:t>Build</a:t>
             </a:r>
-            <a:endParaRPr lang="hu-HU" sz="2400" dirty="0" smtClean="0">
+            <a:endParaRPr lang="hu-HU" sz="2400" dirty="0">
               <a:solidFill>
                 <a:schemeClr val="tx1"/>
               </a:solidFill>
@@ -11102,7 +10637,7 @@
         </p:nvSpPr>
         <p:spPr>
           <a:xfrm>
-            <a:off x="5098283" y="1551793"/>
+            <a:off x="6622283" y="1551793"/>
             <a:ext cx="157208" cy="167314"/>
           </a:xfrm>
           <a:prstGeom prst="rightArrow">
@@ -11137,7 +10672,7 @@
           <a:lstStyle/>
           <a:p>
             <a:pPr algn="ctr"/>
-            <a:endParaRPr lang="hu-HU" sz="2400" dirty="0" smtClean="0">
+            <a:endParaRPr lang="hu-HU" sz="2400" dirty="0">
               <a:solidFill>
                 <a:schemeClr val="bg1"/>
               </a:solidFill>
@@ -11153,7 +10688,7 @@
         </p:nvSpPr>
         <p:spPr>
           <a:xfrm>
-            <a:off x="6096000" y="1162837"/>
+            <a:off x="7620000" y="1162838"/>
             <a:ext cx="1733524" cy="597801"/>
           </a:xfrm>
           <a:prstGeom prst="roundRect">
@@ -11189,18 +10724,13 @@
           <a:p>
             <a:pPr algn="ctr"/>
             <a:r>
-              <a:rPr lang="hu-HU" sz="2400" dirty="0" smtClean="0">
+              <a:rPr lang="hu-HU" sz="2400" dirty="0">
                 <a:solidFill>
                   <a:schemeClr val="tx1"/>
                 </a:solidFill>
               </a:rPr>
               <a:t>Test</a:t>
             </a:r>
-            <a:endParaRPr lang="hu-HU" sz="2400" dirty="0" smtClean="0">
-              <a:solidFill>
-                <a:schemeClr val="tx1"/>
-              </a:solidFill>
-            </a:endParaRPr>
           </a:p>
         </p:txBody>
       </p:sp>
@@ -11215,7 +10745,7 @@
         </p:nvCxnSpPr>
         <p:spPr>
           <a:xfrm>
-            <a:off x="7829524" y="1461738"/>
+            <a:off x="9353525" y="1461738"/>
             <a:ext cx="486113" cy="4330"/>
           </a:xfrm>
           <a:prstGeom prst="straightConnector1">
@@ -11281,93 +10811,179 @@
           <a:chExt cx="0" cy="0"/>
         </a:xfrm>
       </p:grpSpPr>
-      <p:cxnSp>
-        <p:nvCxnSpPr>
-          <p:cNvPr id="3" name="Egyenes összekötő nyíllal 4"/>
-          <p:cNvCxnSpPr/>
-          <p:nvPr/>
-        </p:nvCxnSpPr>
-        <p:spPr>
-          <a:xfrm>
-            <a:off x="-190467" y="5797338"/>
-            <a:ext cx="8928992" cy="0"/>
-          </a:xfrm>
-          <a:prstGeom prst="straightConnector1">
-            <a:avLst/>
-          </a:prstGeom>
-          <a:ln>
-            <a:tailEnd type="arrow"/>
-          </a:ln>
-        </p:spPr>
-        <p:style>
-          <a:lnRef idx="2">
-            <a:schemeClr val="dk1"/>
-          </a:lnRef>
-          <a:fillRef idx="0">
-            <a:schemeClr val="dk1"/>
-          </a:fillRef>
-          <a:effectRef idx="1">
-            <a:schemeClr val="dk1"/>
-          </a:effectRef>
-          <a:fontRef idx="minor">
-            <a:schemeClr val="tx1"/>
-          </a:fontRef>
-        </p:style>
-      </p:cxnSp>
       <p:sp>
         <p:nvSpPr>
-          <p:cNvPr id="4" name="Szövegdoboz 5"/>
-          <p:cNvSpPr txBox="1"/>
+          <p:cNvPr id="3" name="Rounded Rectangle 59"/>
+          <p:cNvSpPr/>
           <p:nvPr/>
         </p:nvSpPr>
         <p:spPr>
           <a:xfrm>
-            <a:off x="8740361" y="5581314"/>
-            <a:ext cx="261610" cy="369332"/>
-          </a:xfrm>
-          <a:prstGeom prst="rect">
+            <a:off x="2671092" y="2232177"/>
+            <a:ext cx="6620015" cy="1755978"/>
+          </a:xfrm>
+          <a:prstGeom prst="roundRect">
             <a:avLst/>
           </a:prstGeom>
           <a:noFill/>
-        </p:spPr>
+          <a:ln w="38100">
+            <a:solidFill>
+              <a:schemeClr val="tx1"/>
+            </a:solidFill>
+          </a:ln>
+          <a:effectLst/>
+        </p:spPr>
+        <p:style>
+          <a:lnRef idx="2">
+            <a:schemeClr val="accent4">
+              <a:shade val="50000"/>
+            </a:schemeClr>
+          </a:lnRef>
+          <a:fillRef idx="1">
+            <a:schemeClr val="accent4"/>
+          </a:fillRef>
+          <a:effectRef idx="0">
+            <a:schemeClr val="accent4"/>
+          </a:effectRef>
+          <a:fontRef idx="minor">
+            <a:schemeClr val="lt1"/>
+          </a:fontRef>
+        </p:style>
         <p:txBody>
-          <a:bodyPr wrap="none" rtlCol="0">
-            <a:spAutoFit/>
-          </a:bodyPr>
+          <a:bodyPr rtlCol="0" anchor="t" anchorCtr="0"/>
           <a:lstStyle/>
           <a:p>
+            <a:pPr algn="ctr"/>
             <a:r>
-              <a:rPr lang="hu-HU" dirty="0" smtClean="0"/>
-              <a:t>t</a:t>
+              <a:rPr lang="hu-HU" sz="2400" dirty="0" err="1">
+                <a:solidFill>
+                  <a:schemeClr val="tx1"/>
+                </a:solidFill>
+              </a:rPr>
+              <a:t>Build</a:t>
             </a:r>
-            <a:endParaRPr lang="hu-HU" dirty="0"/>
+            <a:endParaRPr lang="hu-HU" sz="2400" dirty="0">
+              <a:solidFill>
+                <a:schemeClr val="tx1"/>
+              </a:solidFill>
+            </a:endParaRPr>
           </a:p>
         </p:txBody>
       </p:sp>
       <p:cxnSp>
         <p:nvCxnSpPr>
-          <p:cNvPr id="5" name="Egyenes összekötő 12"/>
-          <p:cNvCxnSpPr/>
+          <p:cNvPr id="4" name="Straight Arrow Connector 78"/>
+          <p:cNvCxnSpPr>
+            <a:stCxn id="11" idx="3"/>
+            <a:endCxn id="12" idx="1"/>
+          </p:cNvCxnSpPr>
           <p:nvPr/>
         </p:nvCxnSpPr>
         <p:spPr>
           <a:xfrm>
-            <a:off x="1941429" y="5560989"/>
-            <a:ext cx="0" cy="472698"/>
-          </a:xfrm>
-          <a:prstGeom prst="line">
-            <a:avLst/>
-          </a:prstGeom>
-        </p:spPr>
-        <p:style>
-          <a:lnRef idx="3">
-            <a:schemeClr val="dk1"/>
+            <a:off x="5650214" y="3272091"/>
+            <a:ext cx="661770" cy="0"/>
+          </a:xfrm>
+          <a:prstGeom prst="straightConnector1">
+            <a:avLst/>
+          </a:prstGeom>
+          <a:ln w="31750">
+            <a:solidFill>
+              <a:schemeClr val="tx1"/>
+            </a:solidFill>
+            <a:prstDash val="sysDash"/>
+            <a:tailEnd type="arrow" w="lg" len="lg"/>
+          </a:ln>
+        </p:spPr>
+        <p:style>
+          <a:lnRef idx="1">
+            <a:schemeClr val="accent1"/>
           </a:lnRef>
           <a:fillRef idx="0">
-            <a:schemeClr val="dk1"/>
-          </a:fillRef>
-          <a:effectRef idx="2">
-            <a:schemeClr val="dk1"/>
+            <a:schemeClr val="accent1"/>
+          </a:fillRef>
+          <a:effectRef idx="0">
+            <a:schemeClr val="accent1"/>
+          </a:effectRef>
+          <a:fontRef idx="minor">
+            <a:schemeClr val="tx1"/>
+          </a:fontRef>
+        </p:style>
+      </p:cxnSp>
+      <p:cxnSp>
+        <p:nvCxnSpPr>
+          <p:cNvPr id="5" name="Straight Arrow Connector 80"/>
+          <p:cNvCxnSpPr>
+            <a:stCxn id="12" idx="3"/>
+            <a:endCxn id="10" idx="2"/>
+          </p:cNvCxnSpPr>
+          <p:nvPr/>
+        </p:nvCxnSpPr>
+        <p:spPr>
+          <a:xfrm>
+            <a:off x="8045509" y="3272091"/>
+            <a:ext cx="499845" cy="0"/>
+          </a:xfrm>
+          <a:prstGeom prst="straightConnector1">
+            <a:avLst/>
+          </a:prstGeom>
+          <a:ln w="31750">
+            <a:solidFill>
+              <a:schemeClr val="tx1"/>
+            </a:solidFill>
+            <a:prstDash val="sysDash"/>
+            <a:tailEnd type="arrow" w="lg" len="lg"/>
+          </a:ln>
+        </p:spPr>
+        <p:style>
+          <a:lnRef idx="1">
+            <a:schemeClr val="accent1"/>
+          </a:lnRef>
+          <a:fillRef idx="0">
+            <a:schemeClr val="accent1"/>
+          </a:fillRef>
+          <a:effectRef idx="0">
+            <a:schemeClr val="accent1"/>
+          </a:effectRef>
+          <a:fontRef idx="minor">
+            <a:schemeClr val="tx1"/>
+          </a:fontRef>
+        </p:style>
+      </p:cxnSp>
+      <p:cxnSp>
+        <p:nvCxnSpPr>
+          <p:cNvPr id="6" name="Straight Arrow Connector 90"/>
+          <p:cNvCxnSpPr>
+            <a:stCxn id="7" idx="6"/>
+            <a:endCxn id="11" idx="1"/>
+          </p:cNvCxnSpPr>
+          <p:nvPr/>
+        </p:nvCxnSpPr>
+        <p:spPr>
+          <a:xfrm>
+            <a:off x="3423880" y="3272091"/>
+            <a:ext cx="492810" cy="0"/>
+          </a:xfrm>
+          <a:prstGeom prst="straightConnector1">
+            <a:avLst/>
+          </a:prstGeom>
+          <a:ln w="31750">
+            <a:solidFill>
+              <a:schemeClr val="tx1"/>
+            </a:solidFill>
+            <a:prstDash val="sysDash"/>
+            <a:tailEnd type="arrow" w="lg" len="lg"/>
+          </a:ln>
+        </p:spPr>
+        <p:style>
+          <a:lnRef idx="1">
+            <a:schemeClr val="accent1"/>
+          </a:lnRef>
+          <a:fillRef idx="0">
+            <a:schemeClr val="accent1"/>
+          </a:fillRef>
+          <a:effectRef idx="0">
+            <a:schemeClr val="accent1"/>
           </a:effectRef>
           <a:fontRef idx="minor">
             <a:schemeClr val="tx1"/>
@@ -11376,32 +10992,198 @@
       </p:cxnSp>
       <p:sp>
         <p:nvSpPr>
-          <p:cNvPr id="6" name="Hatszög 37"/>
+          <p:cNvPr id="7" name="Oval 35"/>
           <p:cNvSpPr/>
           <p:nvPr/>
         </p:nvSpPr>
         <p:spPr>
           <a:xfrm>
-            <a:off x="2194249" y="5077651"/>
-            <a:ext cx="1808482" cy="592634"/>
-          </a:xfrm>
-          <a:prstGeom prst="hexagon">
-            <a:avLst/>
-          </a:prstGeom>
-          <a:ln/>
-        </p:spPr>
-        <p:style>
-          <a:lnRef idx="1">
+            <a:off x="3100030" y="3110166"/>
+            <a:ext cx="323850" cy="323850"/>
+          </a:xfrm>
+          <a:prstGeom prst="ellipse">
+            <a:avLst/>
+          </a:prstGeom>
+          <a:solidFill>
+            <a:schemeClr val="tx1"/>
+          </a:solidFill>
+          <a:ln w="38100">
+            <a:solidFill>
+              <a:schemeClr val="tx1"/>
+            </a:solidFill>
+          </a:ln>
+          <a:effectLst/>
+        </p:spPr>
+        <p:style>
+          <a:lnRef idx="2">
+            <a:schemeClr val="accent4">
+              <a:shade val="50000"/>
+            </a:schemeClr>
+          </a:lnRef>
+          <a:fillRef idx="1">
             <a:schemeClr val="accent4"/>
-          </a:lnRef>
-          <a:fillRef idx="2">
+          </a:fillRef>
+          <a:effectRef idx="0">
             <a:schemeClr val="accent4"/>
-          </a:fillRef>
-          <a:effectRef idx="1">
+          </a:effectRef>
+          <a:fontRef idx="minor">
+            <a:schemeClr val="lt1"/>
+          </a:fontRef>
+        </p:style>
+        <p:txBody>
+          <a:bodyPr rtlCol="0" anchor="ctr"/>
+          <a:lstStyle/>
+          <a:p>
+            <a:pPr algn="ctr"/>
+            <a:endParaRPr lang="hu-HU" dirty="0"/>
+          </a:p>
+        </p:txBody>
+      </p:sp>
+      <p:grpSp>
+        <p:nvGrpSpPr>
+          <p:cNvPr id="8" name="Group 37"/>
+          <p:cNvGrpSpPr/>
+          <p:nvPr/>
+        </p:nvGrpSpPr>
+        <p:grpSpPr>
+          <a:xfrm>
+            <a:off x="8545353" y="3110166"/>
+            <a:ext cx="323850" cy="323850"/>
+            <a:chOff x="1601514" y="4414346"/>
+            <a:chExt cx="323850" cy="323850"/>
+          </a:xfrm>
+        </p:grpSpPr>
+        <p:sp>
+          <p:nvSpPr>
+            <p:cNvPr id="9" name="Oval 38"/>
+            <p:cNvSpPr/>
+            <p:nvPr/>
+          </p:nvSpPr>
+          <p:spPr>
+            <a:xfrm>
+              <a:off x="1677714" y="4490546"/>
+              <a:ext cx="171450" cy="171450"/>
+            </a:xfrm>
+            <a:prstGeom prst="ellipse">
+              <a:avLst/>
+            </a:prstGeom>
+            <a:solidFill>
+              <a:schemeClr val="tx1"/>
+            </a:solidFill>
+            <a:ln w="38100">
+              <a:noFill/>
+            </a:ln>
+            <a:effectLst/>
+          </p:spPr>
+          <p:style>
+            <a:lnRef idx="2">
+              <a:schemeClr val="accent4">
+                <a:shade val="50000"/>
+              </a:schemeClr>
+            </a:lnRef>
+            <a:fillRef idx="1">
+              <a:schemeClr val="accent4"/>
+            </a:fillRef>
+            <a:effectRef idx="0">
+              <a:schemeClr val="accent4"/>
+            </a:effectRef>
+            <a:fontRef idx="minor">
+              <a:schemeClr val="lt1"/>
+            </a:fontRef>
+          </p:style>
+          <p:txBody>
+            <a:bodyPr rtlCol="0" anchor="ctr"/>
+            <a:lstStyle/>
+            <a:p>
+              <a:pPr algn="ctr"/>
+              <a:endParaRPr lang="hu-HU" dirty="0"/>
+            </a:p>
+          </p:txBody>
+        </p:sp>
+        <p:sp>
+          <p:nvSpPr>
+            <p:cNvPr id="10" name="Oval 39"/>
+            <p:cNvSpPr/>
+            <p:nvPr/>
+          </p:nvSpPr>
+          <p:spPr>
+            <a:xfrm>
+              <a:off x="1601514" y="4414346"/>
+              <a:ext cx="323850" cy="323850"/>
+            </a:xfrm>
+            <a:prstGeom prst="ellipse">
+              <a:avLst/>
+            </a:prstGeom>
+            <a:noFill/>
+            <a:ln w="38100">
+              <a:solidFill>
+                <a:schemeClr val="tx1"/>
+              </a:solidFill>
+            </a:ln>
+            <a:effectLst/>
+          </p:spPr>
+          <p:style>
+            <a:lnRef idx="2">
+              <a:schemeClr val="accent4">
+                <a:shade val="50000"/>
+              </a:schemeClr>
+            </a:lnRef>
+            <a:fillRef idx="1">
+              <a:schemeClr val="accent4"/>
+            </a:fillRef>
+            <a:effectRef idx="0">
+              <a:schemeClr val="accent4"/>
+            </a:effectRef>
+            <a:fontRef idx="minor">
+              <a:schemeClr val="lt1"/>
+            </a:fontRef>
+          </p:style>
+          <p:txBody>
+            <a:bodyPr rtlCol="0" anchor="ctr"/>
+            <a:lstStyle/>
+            <a:p>
+              <a:pPr algn="ctr"/>
+              <a:endParaRPr lang="hu-HU" dirty="0"/>
+            </a:p>
+          </p:txBody>
+        </p:sp>
+      </p:grpSp>
+      <p:sp>
+        <p:nvSpPr>
+          <p:cNvPr id="11" name="Rounded Rectangle 13"/>
+          <p:cNvSpPr/>
+          <p:nvPr/>
+        </p:nvSpPr>
+        <p:spPr>
+          <a:xfrm>
+            <a:off x="3916690" y="2973191"/>
+            <a:ext cx="1733524" cy="597801"/>
+          </a:xfrm>
+          <a:prstGeom prst="roundRect">
+            <a:avLst/>
+          </a:prstGeom>
+          <a:noFill/>
+          <a:ln w="38100">
+            <a:solidFill>
+              <a:schemeClr val="tx1"/>
+            </a:solidFill>
+          </a:ln>
+          <a:effectLst/>
+        </p:spPr>
+        <p:style>
+          <a:lnRef idx="2">
+            <a:schemeClr val="accent4">
+              <a:shade val="50000"/>
+            </a:schemeClr>
+          </a:lnRef>
+          <a:fillRef idx="1">
             <a:schemeClr val="accent4"/>
-          </a:effectRef>
-          <a:fontRef idx="minor">
-            <a:schemeClr val="dk1"/>
+          </a:fillRef>
+          <a:effectRef idx="0">
+            <a:schemeClr val="accent4"/>
+          </a:effectRef>
+          <a:fontRef idx="minor">
+            <a:schemeClr val="lt1"/>
           </a:fontRef>
         </p:style>
         <p:txBody>
@@ -11410,147 +11192,57 @@
           <a:p>
             <a:pPr algn="ctr"/>
             <a:r>
-              <a:rPr lang="hu-HU" sz="2400" i="1" dirty="0" err="1" smtClean="0">
+              <a:rPr lang="hu-HU" sz="2400" dirty="0" err="1">
                 <a:solidFill>
                   <a:schemeClr val="tx1"/>
                 </a:solidFill>
-                <a:latin typeface="Cambria" panose="02040503050406030204" pitchFamily="18" charset="0"/>
               </a:rPr>
               <a:t>Compile</a:t>
             </a:r>
-            <a:endParaRPr lang="hu-HU" sz="2400" i="1" dirty="0" smtClean="0">
+            <a:endParaRPr lang="hu-HU" sz="2400" dirty="0">
               <a:solidFill>
                 <a:schemeClr val="tx1"/>
               </a:solidFill>
-              <a:latin typeface="Cambria" panose="02040503050406030204" pitchFamily="18" charset="0"/>
             </a:endParaRPr>
           </a:p>
         </p:txBody>
       </p:sp>
-      <p:cxnSp>
-        <p:nvCxnSpPr>
-          <p:cNvPr id="8" name="Egyenes összekötő 64"/>
-          <p:cNvCxnSpPr/>
-          <p:nvPr/>
-        </p:nvCxnSpPr>
-        <p:spPr>
-          <a:xfrm>
-            <a:off x="1941429" y="4253812"/>
-            <a:ext cx="0" cy="1384723"/>
-          </a:xfrm>
-          <a:prstGeom prst="line">
-            <a:avLst/>
-          </a:prstGeom>
-          <a:ln>
-            <a:prstDash val="sysDash"/>
-          </a:ln>
-        </p:spPr>
-        <p:style>
-          <a:lnRef idx="3">
-            <a:schemeClr val="dk1"/>
-          </a:lnRef>
-          <a:fillRef idx="0">
-            <a:schemeClr val="dk1"/>
-          </a:fillRef>
-          <a:effectRef idx="2">
-            <a:schemeClr val="dk1"/>
-          </a:effectRef>
-          <a:fontRef idx="minor">
-            <a:schemeClr val="tx1"/>
-          </a:fontRef>
-        </p:style>
-      </p:cxnSp>
-      <p:cxnSp>
-        <p:nvCxnSpPr>
-          <p:cNvPr id="9" name="Egyenes összekötő 15"/>
-          <p:cNvCxnSpPr/>
-          <p:nvPr/>
-        </p:nvCxnSpPr>
-        <p:spPr>
-          <a:xfrm>
-            <a:off x="7322695" y="5581314"/>
-            <a:ext cx="0" cy="472698"/>
-          </a:xfrm>
-          <a:prstGeom prst="line">
-            <a:avLst/>
-          </a:prstGeom>
-        </p:spPr>
-        <p:style>
-          <a:lnRef idx="3">
-            <a:schemeClr val="dk1"/>
-          </a:lnRef>
-          <a:fillRef idx="0">
-            <a:schemeClr val="dk1"/>
-          </a:fillRef>
-          <a:effectRef idx="2">
-            <a:schemeClr val="dk1"/>
-          </a:effectRef>
-          <a:fontRef idx="minor">
-            <a:schemeClr val="tx1"/>
-          </a:fontRef>
-        </p:style>
-      </p:cxnSp>
-      <p:cxnSp>
-        <p:nvCxnSpPr>
-          <p:cNvPr id="10" name="Egyenes összekötő 65"/>
-          <p:cNvCxnSpPr/>
-          <p:nvPr/>
-        </p:nvCxnSpPr>
-        <p:spPr>
-          <a:xfrm>
-            <a:off x="7314633" y="4253812"/>
-            <a:ext cx="8062" cy="1405048"/>
-          </a:xfrm>
-          <a:prstGeom prst="line">
-            <a:avLst/>
-          </a:prstGeom>
-          <a:ln>
-            <a:prstDash val="sysDash"/>
-          </a:ln>
-        </p:spPr>
-        <p:style>
-          <a:lnRef idx="3">
-            <a:schemeClr val="dk1"/>
-          </a:lnRef>
-          <a:fillRef idx="0">
-            <a:schemeClr val="dk1"/>
-          </a:fillRef>
-          <a:effectRef idx="2">
-            <a:schemeClr val="dk1"/>
-          </a:effectRef>
-          <a:fontRef idx="minor">
-            <a:schemeClr val="tx1"/>
-          </a:fontRef>
-        </p:style>
-      </p:cxnSp>
       <p:sp>
         <p:nvSpPr>
-          <p:cNvPr id="11" name="Hatszög 37"/>
+          <p:cNvPr id="12" name="Rounded Rectangle 14"/>
           <p:cNvSpPr/>
           <p:nvPr/>
         </p:nvSpPr>
         <p:spPr>
           <a:xfrm>
-            <a:off x="4683126" y="5077651"/>
-            <a:ext cx="2286001" cy="592634"/>
-          </a:xfrm>
-          <a:prstGeom prst="hexagon">
-            <a:avLst/>
-          </a:prstGeom>
-          <a:ln/>
-        </p:spPr>
-        <p:style>
-          <a:lnRef idx="1">
+            <a:off x="6311984" y="2973191"/>
+            <a:ext cx="1733524" cy="597801"/>
+          </a:xfrm>
+          <a:prstGeom prst="roundRect">
+            <a:avLst/>
+          </a:prstGeom>
+          <a:noFill/>
+          <a:ln w="38100">
+            <a:solidFill>
+              <a:schemeClr val="tx1"/>
+            </a:solidFill>
+          </a:ln>
+          <a:effectLst/>
+        </p:spPr>
+        <p:style>
+          <a:lnRef idx="2">
+            <a:schemeClr val="accent4">
+              <a:shade val="50000"/>
+            </a:schemeClr>
+          </a:lnRef>
+          <a:fillRef idx="1">
             <a:schemeClr val="accent4"/>
-          </a:lnRef>
-          <a:fillRef idx="2">
+          </a:fillRef>
+          <a:effectRef idx="0">
             <a:schemeClr val="accent4"/>
-          </a:fillRef>
-          <a:effectRef idx="1">
-            <a:schemeClr val="accent4"/>
-          </a:effectRef>
-          <a:fontRef idx="minor">
-            <a:schemeClr val="dk1"/>
+          </a:effectRef>
+          <a:fontRef idx="minor">
+            <a:schemeClr val="lt1"/>
           </a:fontRef>
         </p:style>
         <p:txBody>
@@ -11559,338 +11251,33 @@
           <a:p>
             <a:pPr algn="ctr"/>
             <a:r>
-              <a:rPr lang="hu-HU" sz="2400" i="1" dirty="0" smtClean="0">
+              <a:rPr lang="hu-HU" sz="2400" dirty="0">
                 <a:solidFill>
                   <a:schemeClr val="tx1"/>
                 </a:solidFill>
-                <a:latin typeface="Cambria" panose="02040503050406030204" pitchFamily="18" charset="0"/>
               </a:rPr>
               <a:t>Link</a:t>
             </a:r>
-            <a:endParaRPr lang="hu-HU" sz="2400" i="1" dirty="0">
-              <a:solidFill>
-                <a:schemeClr val="tx1"/>
-              </a:solidFill>
-              <a:latin typeface="Cambria" panose="02040503050406030204" pitchFamily="18" charset="0"/>
-            </a:endParaRPr>
           </a:p>
         </p:txBody>
       </p:sp>
-      <p:sp>
-        <p:nvSpPr>
-          <p:cNvPr id="12" name="Hatszög 37"/>
-          <p:cNvSpPr/>
-          <p:nvPr/>
-        </p:nvSpPr>
-        <p:spPr>
-          <a:xfrm>
-            <a:off x="1950720" y="4364169"/>
-            <a:ext cx="5376672" cy="592636"/>
-          </a:xfrm>
-          <a:prstGeom prst="hexagon">
-            <a:avLst/>
-          </a:prstGeom>
-          <a:ln/>
-        </p:spPr>
-        <p:style>
-          <a:lnRef idx="1">
-            <a:schemeClr val="accent4"/>
-          </a:lnRef>
-          <a:fillRef idx="2">
-            <a:schemeClr val="accent4"/>
-          </a:fillRef>
-          <a:effectRef idx="1">
-            <a:schemeClr val="accent4"/>
-          </a:effectRef>
-          <a:fontRef idx="minor">
-            <a:schemeClr val="dk1"/>
-          </a:fontRef>
-        </p:style>
-        <p:txBody>
-          <a:bodyPr rtlCol="0" anchor="ctr"/>
-          <a:lstStyle/>
-          <a:p>
-            <a:pPr algn="ctr"/>
-            <a:r>
-              <a:rPr lang="hu-HU" sz="2400" i="1" dirty="0" err="1" smtClean="0">
-                <a:solidFill>
-                  <a:schemeClr val="tx1"/>
-                </a:solidFill>
-                <a:latin typeface="Cambria" panose="02040503050406030204" pitchFamily="18" charset="0"/>
-              </a:rPr>
-              <a:t>Build</a:t>
-            </a:r>
-            <a:endParaRPr lang="hu-HU" sz="2400" i="1" dirty="0" smtClean="0">
-              <a:solidFill>
-                <a:schemeClr val="tx1"/>
-              </a:solidFill>
-              <a:latin typeface="Cambria" panose="02040503050406030204" pitchFamily="18" charset="0"/>
-            </a:endParaRPr>
-          </a:p>
-        </p:txBody>
-      </p:sp>
-      <p:cxnSp>
-        <p:nvCxnSpPr>
-          <p:cNvPr id="13" name="Egyenes összekötő 15"/>
-          <p:cNvCxnSpPr/>
-          <p:nvPr/>
-        </p:nvCxnSpPr>
-        <p:spPr>
-          <a:xfrm>
-            <a:off x="4022272" y="5560989"/>
-            <a:ext cx="0" cy="472698"/>
-          </a:xfrm>
-          <a:prstGeom prst="line">
-            <a:avLst/>
-          </a:prstGeom>
-        </p:spPr>
-        <p:style>
-          <a:lnRef idx="3">
-            <a:schemeClr val="dk1"/>
-          </a:lnRef>
-          <a:fillRef idx="0">
-            <a:schemeClr val="dk1"/>
-          </a:fillRef>
-          <a:effectRef idx="2">
-            <a:schemeClr val="dk1"/>
-          </a:effectRef>
-          <a:fontRef idx="minor">
-            <a:schemeClr val="tx1"/>
-          </a:fontRef>
-        </p:style>
-      </p:cxnSp>
-      <p:cxnSp>
-        <p:nvCxnSpPr>
-          <p:cNvPr id="14" name="Egyenes összekötő 15"/>
-          <p:cNvCxnSpPr/>
-          <p:nvPr/>
-        </p:nvCxnSpPr>
-        <p:spPr>
-          <a:xfrm>
-            <a:off x="4683126" y="5560989"/>
-            <a:ext cx="0" cy="472698"/>
-          </a:xfrm>
-          <a:prstGeom prst="line">
-            <a:avLst/>
-          </a:prstGeom>
-        </p:spPr>
-        <p:style>
-          <a:lnRef idx="3">
-            <a:schemeClr val="dk1"/>
-          </a:lnRef>
-          <a:fillRef idx="0">
-            <a:schemeClr val="dk1"/>
-          </a:fillRef>
-          <a:effectRef idx="2">
-            <a:schemeClr val="dk1"/>
-          </a:effectRef>
-          <a:fontRef idx="minor">
-            <a:schemeClr val="tx1"/>
-          </a:fontRef>
-        </p:style>
-      </p:cxnSp>
-      <p:cxnSp>
-        <p:nvCxnSpPr>
-          <p:cNvPr id="15" name="Egyenes összekötő 65"/>
-          <p:cNvCxnSpPr/>
-          <p:nvPr/>
-        </p:nvCxnSpPr>
-        <p:spPr>
-          <a:xfrm>
-            <a:off x="4683126" y="5077651"/>
-            <a:ext cx="0" cy="560884"/>
-          </a:xfrm>
-          <a:prstGeom prst="line">
-            <a:avLst/>
-          </a:prstGeom>
-          <a:ln>
-            <a:prstDash val="sysDash"/>
-          </a:ln>
-        </p:spPr>
-        <p:style>
-          <a:lnRef idx="3">
-            <a:schemeClr val="dk1"/>
-          </a:lnRef>
-          <a:fillRef idx="0">
-            <a:schemeClr val="dk1"/>
-          </a:fillRef>
-          <a:effectRef idx="2">
-            <a:schemeClr val="dk1"/>
-          </a:effectRef>
-          <a:fontRef idx="minor">
-            <a:schemeClr val="tx1"/>
-          </a:fontRef>
-        </p:style>
-      </p:cxnSp>
-      <p:cxnSp>
-        <p:nvCxnSpPr>
-          <p:cNvPr id="16" name="Egyenes összekötő 65"/>
-          <p:cNvCxnSpPr/>
-          <p:nvPr/>
-        </p:nvCxnSpPr>
-        <p:spPr>
-          <a:xfrm>
-            <a:off x="4022272" y="5077651"/>
-            <a:ext cx="0" cy="560884"/>
-          </a:xfrm>
-          <a:prstGeom prst="line">
-            <a:avLst/>
-          </a:prstGeom>
-          <a:ln>
-            <a:prstDash val="sysDash"/>
-          </a:ln>
-        </p:spPr>
-        <p:style>
-          <a:lnRef idx="3">
-            <a:schemeClr val="dk1"/>
-          </a:lnRef>
-          <a:fillRef idx="0">
-            <a:schemeClr val="dk1"/>
-          </a:fillRef>
-          <a:effectRef idx="2">
-            <a:schemeClr val="dk1"/>
-          </a:effectRef>
-          <a:fontRef idx="minor">
-            <a:schemeClr val="tx1"/>
-          </a:fontRef>
-        </p:style>
-      </p:cxnSp>
-      <p:cxnSp>
-        <p:nvCxnSpPr>
-          <p:cNvPr id="17" name="Egyenes összekötő 15"/>
-          <p:cNvCxnSpPr/>
-          <p:nvPr/>
-        </p:nvCxnSpPr>
-        <p:spPr>
-          <a:xfrm>
-            <a:off x="2194249" y="5560989"/>
-            <a:ext cx="0" cy="472698"/>
-          </a:xfrm>
-          <a:prstGeom prst="line">
-            <a:avLst/>
-          </a:prstGeom>
-        </p:spPr>
-        <p:style>
-          <a:lnRef idx="3">
-            <a:schemeClr val="dk1"/>
-          </a:lnRef>
-          <a:fillRef idx="0">
-            <a:schemeClr val="dk1"/>
-          </a:fillRef>
-          <a:effectRef idx="2">
-            <a:schemeClr val="dk1"/>
-          </a:effectRef>
-          <a:fontRef idx="minor">
-            <a:schemeClr val="tx1"/>
-          </a:fontRef>
-        </p:style>
-      </p:cxnSp>
-      <p:cxnSp>
-        <p:nvCxnSpPr>
-          <p:cNvPr id="18" name="Egyenes összekötő 65"/>
-          <p:cNvCxnSpPr/>
-          <p:nvPr/>
-        </p:nvCxnSpPr>
-        <p:spPr>
-          <a:xfrm>
-            <a:off x="2194249" y="5077651"/>
-            <a:ext cx="0" cy="560884"/>
-          </a:xfrm>
-          <a:prstGeom prst="line">
-            <a:avLst/>
-          </a:prstGeom>
-          <a:ln>
-            <a:prstDash val="sysDash"/>
-          </a:ln>
-        </p:spPr>
-        <p:style>
-          <a:lnRef idx="3">
-            <a:schemeClr val="dk1"/>
-          </a:lnRef>
-          <a:fillRef idx="0">
-            <a:schemeClr val="dk1"/>
-          </a:fillRef>
-          <a:effectRef idx="2">
-            <a:schemeClr val="dk1"/>
-          </a:effectRef>
-          <a:fontRef idx="minor">
-            <a:schemeClr val="tx1"/>
-          </a:fontRef>
-        </p:style>
-      </p:cxnSp>
-      <p:cxnSp>
-        <p:nvCxnSpPr>
-          <p:cNvPr id="19" name="Egyenes összekötő 15"/>
-          <p:cNvCxnSpPr/>
-          <p:nvPr/>
-        </p:nvCxnSpPr>
-        <p:spPr>
-          <a:xfrm>
-            <a:off x="6986327" y="5560989"/>
-            <a:ext cx="0" cy="472698"/>
-          </a:xfrm>
-          <a:prstGeom prst="line">
-            <a:avLst/>
-          </a:prstGeom>
-        </p:spPr>
-        <p:style>
-          <a:lnRef idx="3">
-            <a:schemeClr val="dk1"/>
-          </a:lnRef>
-          <a:fillRef idx="0">
-            <a:schemeClr val="dk1"/>
-          </a:fillRef>
-          <a:effectRef idx="2">
-            <a:schemeClr val="dk1"/>
-          </a:effectRef>
-          <a:fontRef idx="minor">
-            <a:schemeClr val="tx1"/>
-          </a:fontRef>
-        </p:style>
-      </p:cxnSp>
-      <p:cxnSp>
-        <p:nvCxnSpPr>
-          <p:cNvPr id="20" name="Egyenes összekötő 65"/>
-          <p:cNvCxnSpPr/>
-          <p:nvPr/>
-        </p:nvCxnSpPr>
-        <p:spPr>
-          <a:xfrm>
-            <a:off x="6986327" y="5077651"/>
-            <a:ext cx="0" cy="560884"/>
-          </a:xfrm>
-          <a:prstGeom prst="line">
-            <a:avLst/>
-          </a:prstGeom>
-          <a:ln>
-            <a:prstDash val="sysDash"/>
-          </a:ln>
-        </p:spPr>
-        <p:style>
-          <a:lnRef idx="3">
-            <a:schemeClr val="dk1"/>
-          </a:lnRef>
-          <a:fillRef idx="0">
-            <a:schemeClr val="dk1"/>
-          </a:fillRef>
-          <a:effectRef idx="2">
-            <a:schemeClr val="dk1"/>
-          </a:effectRef>
-          <a:fontRef idx="minor">
-            <a:schemeClr val="tx1"/>
-          </a:fontRef>
-        </p:style>
-      </p:cxnSp>
     </p:spTree>
     <p:extLst>
       <p:ext uri="{BB962C8B-B14F-4D97-AF65-F5344CB8AC3E}">
-        <p14:creationId xmlns:p14="http://schemas.microsoft.com/office/powerpoint/2010/main" val="4124083366"/>
+        <p14:creationId xmlns:p14="http://schemas.microsoft.com/office/powerpoint/2010/main" val="4001941450"/>
       </p:ext>
     </p:extLst>
   </p:cSld>
   <p:clrMapOvr>
     <a:masterClrMapping/>
   </p:clrMapOvr>
+  <p:timing>
+    <p:tnLst>
+      <p:par>
+        <p:cTn id="1" dur="indefinite" restart="never" nodeType="tmRoot"/>
+      </p:par>
+    </p:tnLst>
+  </p:timing>
 </p:sld>
 </file>
 
@@ -11919,7 +11306,7 @@
         </p:nvCxnSpPr>
         <p:spPr>
           <a:xfrm>
-            <a:off x="-190467" y="5797338"/>
+            <a:off x="1333533" y="5797338"/>
             <a:ext cx="8928992" cy="0"/>
           </a:xfrm>
           <a:prstGeom prst="straightConnector1">
@@ -11952,7 +11339,7 @@
         </p:nvSpPr>
         <p:spPr>
           <a:xfrm>
-            <a:off x="8740361" y="5581314"/>
+            <a:off x="10264361" y="5581314"/>
             <a:ext cx="261610" cy="369332"/>
           </a:xfrm>
           <a:prstGeom prst="rect">
@@ -11967,7 +11354,7 @@
           <a:lstStyle/>
           <a:p>
             <a:r>
-              <a:rPr lang="hu-HU" dirty="0" smtClean="0"/>
+              <a:rPr lang="hu-HU" dirty="0"/>
               <a:t>t</a:t>
             </a:r>
             <a:endParaRPr lang="hu-HU" dirty="0"/>
@@ -11982,7 +11369,7 @@
         </p:nvCxnSpPr>
         <p:spPr>
           <a:xfrm>
-            <a:off x="2184580" y="5560989"/>
+            <a:off x="3708580" y="5560989"/>
             <a:ext cx="0" cy="472698"/>
           </a:xfrm>
           <a:prstGeom prst="line">
@@ -12012,7 +11399,7 @@
         </p:nvCxnSpPr>
         <p:spPr>
           <a:xfrm>
-            <a:off x="6029325" y="5581314"/>
+            <a:off x="7553325" y="5581314"/>
             <a:ext cx="0" cy="472698"/>
           </a:xfrm>
           <a:prstGeom prst="line">
@@ -12042,7 +11429,7 @@
         </p:nvSpPr>
         <p:spPr>
           <a:xfrm>
-            <a:off x="2197461" y="4717218"/>
+            <a:off x="3721461" y="4717218"/>
             <a:ext cx="3831864" cy="792088"/>
           </a:xfrm>
           <a:prstGeom prst="hexagon">
@@ -12070,7 +11457,7 @@
           <a:p>
             <a:pPr algn="ctr"/>
             <a:r>
-              <a:rPr lang="hu-HU" sz="2400" i="1" dirty="0" err="1" smtClean="0">
+              <a:rPr lang="hu-HU" sz="2400" i="1" dirty="0" err="1">
                 <a:solidFill>
                   <a:schemeClr val="tx1"/>
                 </a:solidFill>
@@ -12095,7 +11482,7 @@
         </p:nvCxnSpPr>
         <p:spPr>
           <a:xfrm>
-            <a:off x="890028" y="5581314"/>
+            <a:off x="2414028" y="5581314"/>
             <a:ext cx="0" cy="472698"/>
           </a:xfrm>
           <a:prstGeom prst="line">
@@ -12125,7 +11512,7 @@
         </p:nvCxnSpPr>
         <p:spPr>
           <a:xfrm>
-            <a:off x="6029325" y="4510486"/>
+            <a:off x="7553325" y="4510486"/>
             <a:ext cx="0" cy="1148374"/>
           </a:xfrm>
           <a:prstGeom prst="line">
@@ -12158,7 +11545,7 @@
         </p:nvCxnSpPr>
         <p:spPr>
           <a:xfrm>
-            <a:off x="2184580" y="4490161"/>
+            <a:off x="3708580" y="4490161"/>
             <a:ext cx="0" cy="1148374"/>
           </a:xfrm>
           <a:prstGeom prst="line">
@@ -12191,7 +11578,7 @@
         </p:nvSpPr>
         <p:spPr>
           <a:xfrm>
-            <a:off x="2067036" y="4104244"/>
+            <a:off x="3591037" y="4104244"/>
             <a:ext cx="2039917" cy="369332"/>
           </a:xfrm>
           <a:prstGeom prst="rect">
@@ -12206,7 +11593,7 @@
           <a:lstStyle/>
           <a:p>
             <a:r>
-              <a:rPr lang="hu-HU" dirty="0" smtClean="0"/>
+              <a:rPr lang="hu-HU" dirty="0"/>
               <a:t>végrehajtás kezdete</a:t>
             </a:r>
             <a:endParaRPr lang="hu-HU" dirty="0"/>
@@ -12221,7 +11608,7 @@
         </p:nvSpPr>
         <p:spPr>
           <a:xfrm>
-            <a:off x="5927725" y="4100945"/>
+            <a:off x="7451726" y="4100945"/>
             <a:ext cx="1775807" cy="369332"/>
           </a:xfrm>
           <a:prstGeom prst="rect">
@@ -12236,7 +11623,7 @@
           <a:lstStyle/>
           <a:p>
             <a:r>
-              <a:rPr lang="hu-HU" dirty="0" smtClean="0"/>
+              <a:rPr lang="hu-HU" dirty="0"/>
               <a:t>végrehajtás vége</a:t>
             </a:r>
             <a:endParaRPr lang="hu-HU" dirty="0"/>
@@ -12247,6 +11634,636 @@
     <p:extLst>
       <p:ext uri="{BB962C8B-B14F-4D97-AF65-F5344CB8AC3E}">
         <p14:creationId xmlns:p14="http://schemas.microsoft.com/office/powerpoint/2010/main" val="1085302617"/>
+      </p:ext>
+    </p:extLst>
+  </p:cSld>
+  <p:clrMapOvr>
+    <a:masterClrMapping/>
+  </p:clrMapOvr>
+</p:sld>
+</file>
+
+<file path=ppt/slides/slide20.xml><?xml version="1.0" encoding="utf-8"?>
+<p:sld xmlns:a="http://schemas.openxmlformats.org/drawingml/2006/main" xmlns:r="http://schemas.openxmlformats.org/officeDocument/2006/relationships" xmlns:p="http://schemas.openxmlformats.org/presentationml/2006/main">
+  <p:cSld>
+    <p:spTree>
+      <p:nvGrpSpPr>
+        <p:cNvPr id="1" name=""/>
+        <p:cNvGrpSpPr/>
+        <p:nvPr/>
+      </p:nvGrpSpPr>
+      <p:grpSpPr>
+        <a:xfrm>
+          <a:off x="0" y="0"/>
+          <a:ext cx="0" cy="0"/>
+          <a:chOff x="0" y="0"/>
+          <a:chExt cx="0" cy="0"/>
+        </a:xfrm>
+      </p:grpSpPr>
+      <p:cxnSp>
+        <p:nvCxnSpPr>
+          <p:cNvPr id="3" name="Egyenes összekötő nyíllal 4"/>
+          <p:cNvCxnSpPr/>
+          <p:nvPr/>
+        </p:nvCxnSpPr>
+        <p:spPr>
+          <a:xfrm>
+            <a:off x="1333533" y="5797338"/>
+            <a:ext cx="8928992" cy="0"/>
+          </a:xfrm>
+          <a:prstGeom prst="straightConnector1">
+            <a:avLst/>
+          </a:prstGeom>
+          <a:ln>
+            <a:tailEnd type="arrow"/>
+          </a:ln>
+        </p:spPr>
+        <p:style>
+          <a:lnRef idx="2">
+            <a:schemeClr val="dk1"/>
+          </a:lnRef>
+          <a:fillRef idx="0">
+            <a:schemeClr val="dk1"/>
+          </a:fillRef>
+          <a:effectRef idx="1">
+            <a:schemeClr val="dk1"/>
+          </a:effectRef>
+          <a:fontRef idx="minor">
+            <a:schemeClr val="tx1"/>
+          </a:fontRef>
+        </p:style>
+      </p:cxnSp>
+      <p:sp>
+        <p:nvSpPr>
+          <p:cNvPr id="4" name="Szövegdoboz 5"/>
+          <p:cNvSpPr txBox="1"/>
+          <p:nvPr/>
+        </p:nvSpPr>
+        <p:spPr>
+          <a:xfrm>
+            <a:off x="10264361" y="5581314"/>
+            <a:ext cx="261610" cy="369332"/>
+          </a:xfrm>
+          <a:prstGeom prst="rect">
+            <a:avLst/>
+          </a:prstGeom>
+          <a:noFill/>
+        </p:spPr>
+        <p:txBody>
+          <a:bodyPr wrap="none" rtlCol="0">
+            <a:spAutoFit/>
+          </a:bodyPr>
+          <a:lstStyle/>
+          <a:p>
+            <a:r>
+              <a:rPr lang="hu-HU" dirty="0"/>
+              <a:t>t</a:t>
+            </a:r>
+            <a:endParaRPr lang="hu-HU" dirty="0"/>
+          </a:p>
+        </p:txBody>
+      </p:sp>
+      <p:cxnSp>
+        <p:nvCxnSpPr>
+          <p:cNvPr id="5" name="Egyenes összekötő 12"/>
+          <p:cNvCxnSpPr/>
+          <p:nvPr/>
+        </p:nvCxnSpPr>
+        <p:spPr>
+          <a:xfrm>
+            <a:off x="3465429" y="5560989"/>
+            <a:ext cx="0" cy="472698"/>
+          </a:xfrm>
+          <a:prstGeom prst="line">
+            <a:avLst/>
+          </a:prstGeom>
+        </p:spPr>
+        <p:style>
+          <a:lnRef idx="3">
+            <a:schemeClr val="dk1"/>
+          </a:lnRef>
+          <a:fillRef idx="0">
+            <a:schemeClr val="dk1"/>
+          </a:fillRef>
+          <a:effectRef idx="2">
+            <a:schemeClr val="dk1"/>
+          </a:effectRef>
+          <a:fontRef idx="minor">
+            <a:schemeClr val="tx1"/>
+          </a:fontRef>
+        </p:style>
+      </p:cxnSp>
+      <p:sp>
+        <p:nvSpPr>
+          <p:cNvPr id="6" name="Hatszög 37"/>
+          <p:cNvSpPr/>
+          <p:nvPr/>
+        </p:nvSpPr>
+        <p:spPr>
+          <a:xfrm>
+            <a:off x="3718249" y="5077651"/>
+            <a:ext cx="1808482" cy="592634"/>
+          </a:xfrm>
+          <a:prstGeom prst="hexagon">
+            <a:avLst/>
+          </a:prstGeom>
+          <a:ln/>
+        </p:spPr>
+        <p:style>
+          <a:lnRef idx="1">
+            <a:schemeClr val="accent4"/>
+          </a:lnRef>
+          <a:fillRef idx="2">
+            <a:schemeClr val="accent4"/>
+          </a:fillRef>
+          <a:effectRef idx="1">
+            <a:schemeClr val="accent4"/>
+          </a:effectRef>
+          <a:fontRef idx="minor">
+            <a:schemeClr val="dk1"/>
+          </a:fontRef>
+        </p:style>
+        <p:txBody>
+          <a:bodyPr rtlCol="0" anchor="ctr"/>
+          <a:lstStyle/>
+          <a:p>
+            <a:pPr algn="ctr"/>
+            <a:r>
+              <a:rPr lang="hu-HU" sz="2400" i="1" dirty="0" err="1">
+                <a:solidFill>
+                  <a:schemeClr val="tx1"/>
+                </a:solidFill>
+                <a:latin typeface="Cambria" panose="02040503050406030204" pitchFamily="18" charset="0"/>
+              </a:rPr>
+              <a:t>Compile</a:t>
+            </a:r>
+            <a:endParaRPr lang="hu-HU" sz="2400" i="1" dirty="0">
+              <a:solidFill>
+                <a:schemeClr val="tx1"/>
+              </a:solidFill>
+              <a:latin typeface="Cambria" panose="02040503050406030204" pitchFamily="18" charset="0"/>
+            </a:endParaRPr>
+          </a:p>
+        </p:txBody>
+      </p:sp>
+      <p:cxnSp>
+        <p:nvCxnSpPr>
+          <p:cNvPr id="8" name="Egyenes összekötő 64"/>
+          <p:cNvCxnSpPr/>
+          <p:nvPr/>
+        </p:nvCxnSpPr>
+        <p:spPr>
+          <a:xfrm>
+            <a:off x="3465429" y="4253813"/>
+            <a:ext cx="0" cy="1384723"/>
+          </a:xfrm>
+          <a:prstGeom prst="line">
+            <a:avLst/>
+          </a:prstGeom>
+          <a:ln>
+            <a:prstDash val="sysDash"/>
+          </a:ln>
+        </p:spPr>
+        <p:style>
+          <a:lnRef idx="3">
+            <a:schemeClr val="dk1"/>
+          </a:lnRef>
+          <a:fillRef idx="0">
+            <a:schemeClr val="dk1"/>
+          </a:fillRef>
+          <a:effectRef idx="2">
+            <a:schemeClr val="dk1"/>
+          </a:effectRef>
+          <a:fontRef idx="minor">
+            <a:schemeClr val="tx1"/>
+          </a:fontRef>
+        </p:style>
+      </p:cxnSp>
+      <p:cxnSp>
+        <p:nvCxnSpPr>
+          <p:cNvPr id="9" name="Egyenes összekötő 15"/>
+          <p:cNvCxnSpPr/>
+          <p:nvPr/>
+        </p:nvCxnSpPr>
+        <p:spPr>
+          <a:xfrm>
+            <a:off x="8846695" y="5581314"/>
+            <a:ext cx="0" cy="472698"/>
+          </a:xfrm>
+          <a:prstGeom prst="line">
+            <a:avLst/>
+          </a:prstGeom>
+        </p:spPr>
+        <p:style>
+          <a:lnRef idx="3">
+            <a:schemeClr val="dk1"/>
+          </a:lnRef>
+          <a:fillRef idx="0">
+            <a:schemeClr val="dk1"/>
+          </a:fillRef>
+          <a:effectRef idx="2">
+            <a:schemeClr val="dk1"/>
+          </a:effectRef>
+          <a:fontRef idx="minor">
+            <a:schemeClr val="tx1"/>
+          </a:fontRef>
+        </p:style>
+      </p:cxnSp>
+      <p:cxnSp>
+        <p:nvCxnSpPr>
+          <p:cNvPr id="10" name="Egyenes összekötő 65"/>
+          <p:cNvCxnSpPr/>
+          <p:nvPr/>
+        </p:nvCxnSpPr>
+        <p:spPr>
+          <a:xfrm>
+            <a:off x="8838633" y="4253812"/>
+            <a:ext cx="8062" cy="1405048"/>
+          </a:xfrm>
+          <a:prstGeom prst="line">
+            <a:avLst/>
+          </a:prstGeom>
+          <a:ln>
+            <a:prstDash val="sysDash"/>
+          </a:ln>
+        </p:spPr>
+        <p:style>
+          <a:lnRef idx="3">
+            <a:schemeClr val="dk1"/>
+          </a:lnRef>
+          <a:fillRef idx="0">
+            <a:schemeClr val="dk1"/>
+          </a:fillRef>
+          <a:effectRef idx="2">
+            <a:schemeClr val="dk1"/>
+          </a:effectRef>
+          <a:fontRef idx="minor">
+            <a:schemeClr val="tx1"/>
+          </a:fontRef>
+        </p:style>
+      </p:cxnSp>
+      <p:sp>
+        <p:nvSpPr>
+          <p:cNvPr id="11" name="Hatszög 37"/>
+          <p:cNvSpPr/>
+          <p:nvPr/>
+        </p:nvSpPr>
+        <p:spPr>
+          <a:xfrm>
+            <a:off x="6207127" y="5077651"/>
+            <a:ext cx="2286001" cy="592634"/>
+          </a:xfrm>
+          <a:prstGeom prst="hexagon">
+            <a:avLst/>
+          </a:prstGeom>
+          <a:ln/>
+        </p:spPr>
+        <p:style>
+          <a:lnRef idx="1">
+            <a:schemeClr val="accent4"/>
+          </a:lnRef>
+          <a:fillRef idx="2">
+            <a:schemeClr val="accent4"/>
+          </a:fillRef>
+          <a:effectRef idx="1">
+            <a:schemeClr val="accent4"/>
+          </a:effectRef>
+          <a:fontRef idx="minor">
+            <a:schemeClr val="dk1"/>
+          </a:fontRef>
+        </p:style>
+        <p:txBody>
+          <a:bodyPr rtlCol="0" anchor="ctr"/>
+          <a:lstStyle/>
+          <a:p>
+            <a:pPr algn="ctr"/>
+            <a:r>
+              <a:rPr lang="hu-HU" sz="2400" i="1" dirty="0">
+                <a:solidFill>
+                  <a:schemeClr val="tx1"/>
+                </a:solidFill>
+                <a:latin typeface="Cambria" panose="02040503050406030204" pitchFamily="18" charset="0"/>
+              </a:rPr>
+              <a:t>Link</a:t>
+            </a:r>
+            <a:endParaRPr lang="hu-HU" sz="2400" i="1" dirty="0">
+              <a:solidFill>
+                <a:schemeClr val="tx1"/>
+              </a:solidFill>
+              <a:latin typeface="Cambria" panose="02040503050406030204" pitchFamily="18" charset="0"/>
+            </a:endParaRPr>
+          </a:p>
+        </p:txBody>
+      </p:sp>
+      <p:sp>
+        <p:nvSpPr>
+          <p:cNvPr id="12" name="Hatszög 37"/>
+          <p:cNvSpPr/>
+          <p:nvPr/>
+        </p:nvSpPr>
+        <p:spPr>
+          <a:xfrm>
+            <a:off x="3474720" y="4364169"/>
+            <a:ext cx="5376672" cy="592636"/>
+          </a:xfrm>
+          <a:prstGeom prst="hexagon">
+            <a:avLst/>
+          </a:prstGeom>
+          <a:ln/>
+        </p:spPr>
+        <p:style>
+          <a:lnRef idx="1">
+            <a:schemeClr val="accent4"/>
+          </a:lnRef>
+          <a:fillRef idx="2">
+            <a:schemeClr val="accent4"/>
+          </a:fillRef>
+          <a:effectRef idx="1">
+            <a:schemeClr val="accent4"/>
+          </a:effectRef>
+          <a:fontRef idx="minor">
+            <a:schemeClr val="dk1"/>
+          </a:fontRef>
+        </p:style>
+        <p:txBody>
+          <a:bodyPr rtlCol="0" anchor="ctr"/>
+          <a:lstStyle/>
+          <a:p>
+            <a:pPr algn="ctr"/>
+            <a:r>
+              <a:rPr lang="hu-HU" sz="2400" i="1" dirty="0" err="1">
+                <a:solidFill>
+                  <a:schemeClr val="tx1"/>
+                </a:solidFill>
+                <a:latin typeface="Cambria" panose="02040503050406030204" pitchFamily="18" charset="0"/>
+              </a:rPr>
+              <a:t>Build</a:t>
+            </a:r>
+            <a:endParaRPr lang="hu-HU" sz="2400" i="1" dirty="0">
+              <a:solidFill>
+                <a:schemeClr val="tx1"/>
+              </a:solidFill>
+              <a:latin typeface="Cambria" panose="02040503050406030204" pitchFamily="18" charset="0"/>
+            </a:endParaRPr>
+          </a:p>
+        </p:txBody>
+      </p:sp>
+      <p:cxnSp>
+        <p:nvCxnSpPr>
+          <p:cNvPr id="13" name="Egyenes összekötő 15"/>
+          <p:cNvCxnSpPr/>
+          <p:nvPr/>
+        </p:nvCxnSpPr>
+        <p:spPr>
+          <a:xfrm>
+            <a:off x="5546272" y="5560989"/>
+            <a:ext cx="0" cy="472698"/>
+          </a:xfrm>
+          <a:prstGeom prst="line">
+            <a:avLst/>
+          </a:prstGeom>
+        </p:spPr>
+        <p:style>
+          <a:lnRef idx="3">
+            <a:schemeClr val="dk1"/>
+          </a:lnRef>
+          <a:fillRef idx="0">
+            <a:schemeClr val="dk1"/>
+          </a:fillRef>
+          <a:effectRef idx="2">
+            <a:schemeClr val="dk1"/>
+          </a:effectRef>
+          <a:fontRef idx="minor">
+            <a:schemeClr val="tx1"/>
+          </a:fontRef>
+        </p:style>
+      </p:cxnSp>
+      <p:cxnSp>
+        <p:nvCxnSpPr>
+          <p:cNvPr id="14" name="Egyenes összekötő 15"/>
+          <p:cNvCxnSpPr/>
+          <p:nvPr/>
+        </p:nvCxnSpPr>
+        <p:spPr>
+          <a:xfrm>
+            <a:off x="6207126" y="5560989"/>
+            <a:ext cx="0" cy="472698"/>
+          </a:xfrm>
+          <a:prstGeom prst="line">
+            <a:avLst/>
+          </a:prstGeom>
+        </p:spPr>
+        <p:style>
+          <a:lnRef idx="3">
+            <a:schemeClr val="dk1"/>
+          </a:lnRef>
+          <a:fillRef idx="0">
+            <a:schemeClr val="dk1"/>
+          </a:fillRef>
+          <a:effectRef idx="2">
+            <a:schemeClr val="dk1"/>
+          </a:effectRef>
+          <a:fontRef idx="minor">
+            <a:schemeClr val="tx1"/>
+          </a:fontRef>
+        </p:style>
+      </p:cxnSp>
+      <p:cxnSp>
+        <p:nvCxnSpPr>
+          <p:cNvPr id="15" name="Egyenes összekötő 65"/>
+          <p:cNvCxnSpPr/>
+          <p:nvPr/>
+        </p:nvCxnSpPr>
+        <p:spPr>
+          <a:xfrm>
+            <a:off x="6207126" y="5077651"/>
+            <a:ext cx="0" cy="560884"/>
+          </a:xfrm>
+          <a:prstGeom prst="line">
+            <a:avLst/>
+          </a:prstGeom>
+          <a:ln>
+            <a:prstDash val="sysDash"/>
+          </a:ln>
+        </p:spPr>
+        <p:style>
+          <a:lnRef idx="3">
+            <a:schemeClr val="dk1"/>
+          </a:lnRef>
+          <a:fillRef idx="0">
+            <a:schemeClr val="dk1"/>
+          </a:fillRef>
+          <a:effectRef idx="2">
+            <a:schemeClr val="dk1"/>
+          </a:effectRef>
+          <a:fontRef idx="minor">
+            <a:schemeClr val="tx1"/>
+          </a:fontRef>
+        </p:style>
+      </p:cxnSp>
+      <p:cxnSp>
+        <p:nvCxnSpPr>
+          <p:cNvPr id="16" name="Egyenes összekötő 65"/>
+          <p:cNvCxnSpPr/>
+          <p:nvPr/>
+        </p:nvCxnSpPr>
+        <p:spPr>
+          <a:xfrm>
+            <a:off x="5546272" y="5077651"/>
+            <a:ext cx="0" cy="560884"/>
+          </a:xfrm>
+          <a:prstGeom prst="line">
+            <a:avLst/>
+          </a:prstGeom>
+          <a:ln>
+            <a:prstDash val="sysDash"/>
+          </a:ln>
+        </p:spPr>
+        <p:style>
+          <a:lnRef idx="3">
+            <a:schemeClr val="dk1"/>
+          </a:lnRef>
+          <a:fillRef idx="0">
+            <a:schemeClr val="dk1"/>
+          </a:fillRef>
+          <a:effectRef idx="2">
+            <a:schemeClr val="dk1"/>
+          </a:effectRef>
+          <a:fontRef idx="minor">
+            <a:schemeClr val="tx1"/>
+          </a:fontRef>
+        </p:style>
+      </p:cxnSp>
+      <p:cxnSp>
+        <p:nvCxnSpPr>
+          <p:cNvPr id="17" name="Egyenes összekötő 15"/>
+          <p:cNvCxnSpPr/>
+          <p:nvPr/>
+        </p:nvCxnSpPr>
+        <p:spPr>
+          <a:xfrm>
+            <a:off x="3718249" y="5560989"/>
+            <a:ext cx="0" cy="472698"/>
+          </a:xfrm>
+          <a:prstGeom prst="line">
+            <a:avLst/>
+          </a:prstGeom>
+        </p:spPr>
+        <p:style>
+          <a:lnRef idx="3">
+            <a:schemeClr val="dk1"/>
+          </a:lnRef>
+          <a:fillRef idx="0">
+            <a:schemeClr val="dk1"/>
+          </a:fillRef>
+          <a:effectRef idx="2">
+            <a:schemeClr val="dk1"/>
+          </a:effectRef>
+          <a:fontRef idx="minor">
+            <a:schemeClr val="tx1"/>
+          </a:fontRef>
+        </p:style>
+      </p:cxnSp>
+      <p:cxnSp>
+        <p:nvCxnSpPr>
+          <p:cNvPr id="18" name="Egyenes összekötő 65"/>
+          <p:cNvCxnSpPr/>
+          <p:nvPr/>
+        </p:nvCxnSpPr>
+        <p:spPr>
+          <a:xfrm>
+            <a:off x="3718249" y="5077651"/>
+            <a:ext cx="0" cy="560884"/>
+          </a:xfrm>
+          <a:prstGeom prst="line">
+            <a:avLst/>
+          </a:prstGeom>
+          <a:ln>
+            <a:prstDash val="sysDash"/>
+          </a:ln>
+        </p:spPr>
+        <p:style>
+          <a:lnRef idx="3">
+            <a:schemeClr val="dk1"/>
+          </a:lnRef>
+          <a:fillRef idx="0">
+            <a:schemeClr val="dk1"/>
+          </a:fillRef>
+          <a:effectRef idx="2">
+            <a:schemeClr val="dk1"/>
+          </a:effectRef>
+          <a:fontRef idx="minor">
+            <a:schemeClr val="tx1"/>
+          </a:fontRef>
+        </p:style>
+      </p:cxnSp>
+      <p:cxnSp>
+        <p:nvCxnSpPr>
+          <p:cNvPr id="19" name="Egyenes összekötő 15"/>
+          <p:cNvCxnSpPr/>
+          <p:nvPr/>
+        </p:nvCxnSpPr>
+        <p:spPr>
+          <a:xfrm>
+            <a:off x="8510327" y="5560989"/>
+            <a:ext cx="0" cy="472698"/>
+          </a:xfrm>
+          <a:prstGeom prst="line">
+            <a:avLst/>
+          </a:prstGeom>
+        </p:spPr>
+        <p:style>
+          <a:lnRef idx="3">
+            <a:schemeClr val="dk1"/>
+          </a:lnRef>
+          <a:fillRef idx="0">
+            <a:schemeClr val="dk1"/>
+          </a:fillRef>
+          <a:effectRef idx="2">
+            <a:schemeClr val="dk1"/>
+          </a:effectRef>
+          <a:fontRef idx="minor">
+            <a:schemeClr val="tx1"/>
+          </a:fontRef>
+        </p:style>
+      </p:cxnSp>
+      <p:cxnSp>
+        <p:nvCxnSpPr>
+          <p:cNvPr id="20" name="Egyenes összekötő 65"/>
+          <p:cNvCxnSpPr/>
+          <p:nvPr/>
+        </p:nvCxnSpPr>
+        <p:spPr>
+          <a:xfrm>
+            <a:off x="8510327" y="5077651"/>
+            <a:ext cx="0" cy="560884"/>
+          </a:xfrm>
+          <a:prstGeom prst="line">
+            <a:avLst/>
+          </a:prstGeom>
+          <a:ln>
+            <a:prstDash val="sysDash"/>
+          </a:ln>
+        </p:spPr>
+        <p:style>
+          <a:lnRef idx="3">
+            <a:schemeClr val="dk1"/>
+          </a:lnRef>
+          <a:fillRef idx="0">
+            <a:schemeClr val="dk1"/>
+          </a:fillRef>
+          <a:effectRef idx="2">
+            <a:schemeClr val="dk1"/>
+          </a:effectRef>
+          <a:fontRef idx="minor">
+            <a:schemeClr val="tx1"/>
+          </a:fontRef>
+        </p:style>
+      </p:cxnSp>
+    </p:spTree>
+    <p:extLst>
+      <p:ext uri="{BB962C8B-B14F-4D97-AF65-F5344CB8AC3E}">
+        <p14:creationId xmlns:p14="http://schemas.microsoft.com/office/powerpoint/2010/main" val="4124083366"/>
       </p:ext>
     </p:extLst>
   </p:cSld>
@@ -12284,7 +12301,7 @@
         </p:nvCxnSpPr>
         <p:spPr>
           <a:xfrm>
-            <a:off x="4274029" y="2652178"/>
+            <a:off x="5798030" y="2652178"/>
             <a:ext cx="666347" cy="0"/>
           </a:xfrm>
           <a:prstGeom prst="straightConnector1">
@@ -12323,7 +12340,7 @@
         </p:nvCxnSpPr>
         <p:spPr>
           <a:xfrm>
-            <a:off x="1874158" y="2652177"/>
+            <a:off x="3398159" y="2652178"/>
             <a:ext cx="666347" cy="1"/>
           </a:xfrm>
           <a:prstGeom prst="straightConnector1">
@@ -12362,7 +12379,7 @@
         </p:nvCxnSpPr>
         <p:spPr>
           <a:xfrm>
-            <a:off x="6673900" y="2652178"/>
+            <a:off x="8197900" y="2652178"/>
             <a:ext cx="686058" cy="0"/>
           </a:xfrm>
           <a:prstGeom prst="straightConnector1">
@@ -12399,7 +12416,7 @@
         </p:nvSpPr>
         <p:spPr>
           <a:xfrm>
-            <a:off x="2540505" y="2353277"/>
+            <a:off x="4064505" y="2353278"/>
             <a:ext cx="1733524" cy="597801"/>
           </a:xfrm>
           <a:prstGeom prst="roundRect">
@@ -12435,14 +12452,14 @@
           <a:p>
             <a:pPr algn="ctr"/>
             <a:r>
-              <a:rPr lang="hu-HU" sz="2000" dirty="0" err="1" smtClean="0">
+              <a:rPr lang="hu-HU" sz="2000" dirty="0" err="1">
                 <a:solidFill>
                   <a:schemeClr val="tx1"/>
                 </a:solidFill>
               </a:rPr>
               <a:t>Compile</a:t>
             </a:r>
-            <a:endParaRPr lang="hu-HU" sz="2000" dirty="0" smtClean="0">
+            <a:endParaRPr lang="hu-HU" sz="2000" dirty="0">
               <a:solidFill>
                 <a:schemeClr val="tx1"/>
               </a:solidFill>
@@ -12458,7 +12475,7 @@
         </p:nvSpPr>
         <p:spPr>
           <a:xfrm>
-            <a:off x="4940376" y="2353277"/>
+            <a:off x="6464376" y="2353278"/>
             <a:ext cx="1733524" cy="597801"/>
           </a:xfrm>
           <a:prstGeom prst="roundRect">
@@ -12494,7 +12511,7 @@
           <a:p>
             <a:pPr algn="ctr"/>
             <a:r>
-              <a:rPr lang="hu-HU" sz="2000" dirty="0" smtClean="0">
+              <a:rPr lang="hu-HU" sz="2000" dirty="0">
                 <a:solidFill>
                   <a:schemeClr val="tx1"/>
                 </a:solidFill>
@@ -12554,7 +12571,7 @@
         </p:nvCxnSpPr>
         <p:spPr>
           <a:xfrm>
-            <a:off x="-190467" y="5797338"/>
+            <a:off x="1333533" y="5797338"/>
             <a:ext cx="8928992" cy="0"/>
           </a:xfrm>
           <a:prstGeom prst="straightConnector1">
@@ -12587,7 +12604,7 @@
         </p:nvSpPr>
         <p:spPr>
           <a:xfrm>
-            <a:off x="8740361" y="5581314"/>
+            <a:off x="10264361" y="5581314"/>
             <a:ext cx="261610" cy="369332"/>
           </a:xfrm>
           <a:prstGeom prst="rect">
@@ -12602,7 +12619,7 @@
           <a:lstStyle/>
           <a:p>
             <a:r>
-              <a:rPr lang="hu-HU" dirty="0" smtClean="0"/>
+              <a:rPr lang="hu-HU" dirty="0"/>
               <a:t>t</a:t>
             </a:r>
             <a:endParaRPr lang="hu-HU" dirty="0"/>
@@ -12617,7 +12634,7 @@
         </p:nvCxnSpPr>
         <p:spPr>
           <a:xfrm>
-            <a:off x="2197461" y="5560989"/>
+            <a:off x="3721461" y="5560989"/>
             <a:ext cx="0" cy="472698"/>
           </a:xfrm>
           <a:prstGeom prst="line">
@@ -12647,7 +12664,7 @@
         </p:nvCxnSpPr>
         <p:spPr>
           <a:xfrm>
-            <a:off x="4022272" y="5560989"/>
+            <a:off x="5546272" y="5560989"/>
             <a:ext cx="0" cy="472698"/>
           </a:xfrm>
           <a:prstGeom prst="line">
@@ -12677,7 +12694,7 @@
         </p:nvSpPr>
         <p:spPr>
           <a:xfrm>
-            <a:off x="2197461" y="4717218"/>
+            <a:off x="3721461" y="4717218"/>
             <a:ext cx="1808482" cy="792088"/>
           </a:xfrm>
           <a:prstGeom prst="hexagon">
@@ -12705,7 +12722,7 @@
           <a:p>
             <a:pPr algn="ctr"/>
             <a:r>
-              <a:rPr lang="hu-HU" sz="2400" i="1" dirty="0" err="1" smtClean="0">
+              <a:rPr lang="hu-HU" sz="2400" i="1" dirty="0" err="1">
                 <a:solidFill>
                   <a:schemeClr val="tx1"/>
                 </a:solidFill>
@@ -12713,7 +12730,7 @@
               </a:rPr>
               <a:t>Compile</a:t>
             </a:r>
-            <a:endParaRPr lang="hu-HU" sz="2400" i="1" dirty="0" smtClean="0">
+            <a:endParaRPr lang="hu-HU" sz="2400" i="1" dirty="0">
               <a:solidFill>
                 <a:schemeClr val="tx1"/>
               </a:solidFill>
@@ -12730,7 +12747,7 @@
         </p:nvCxnSpPr>
         <p:spPr>
           <a:xfrm>
-            <a:off x="890028" y="5581314"/>
+            <a:off x="2414028" y="5581314"/>
             <a:ext cx="0" cy="472698"/>
           </a:xfrm>
           <a:prstGeom prst="line">
@@ -12760,7 +12777,7 @@
         </p:nvCxnSpPr>
         <p:spPr>
           <a:xfrm>
-            <a:off x="4022272" y="4490161"/>
+            <a:off x="5546272" y="4490161"/>
             <a:ext cx="0" cy="1148374"/>
           </a:xfrm>
           <a:prstGeom prst="line">
@@ -12793,7 +12810,7 @@
         </p:nvCxnSpPr>
         <p:spPr>
           <a:xfrm>
-            <a:off x="2197461" y="4490161"/>
+            <a:off x="3721461" y="4490161"/>
             <a:ext cx="0" cy="1148374"/>
           </a:xfrm>
           <a:prstGeom prst="line">
@@ -12826,7 +12843,7 @@
         </p:nvCxnSpPr>
         <p:spPr>
           <a:xfrm>
-            <a:off x="4683126" y="5560989"/>
+            <a:off x="6207126" y="5560989"/>
             <a:ext cx="0" cy="472698"/>
           </a:xfrm>
           <a:prstGeom prst="line">
@@ -12856,7 +12873,7 @@
         </p:nvCxnSpPr>
         <p:spPr>
           <a:xfrm>
-            <a:off x="4683126" y="4490161"/>
+            <a:off x="6207126" y="4490161"/>
             <a:ext cx="0" cy="1148374"/>
           </a:xfrm>
           <a:prstGeom prst="line">
@@ -12889,7 +12906,7 @@
         </p:nvCxnSpPr>
         <p:spPr>
           <a:xfrm>
-            <a:off x="6969127" y="5581314"/>
+            <a:off x="8493127" y="5581314"/>
             <a:ext cx="0" cy="472698"/>
           </a:xfrm>
           <a:prstGeom prst="line">
@@ -12919,7 +12936,7 @@
         </p:nvCxnSpPr>
         <p:spPr>
           <a:xfrm>
-            <a:off x="6969127" y="4510486"/>
+            <a:off x="8493127" y="4510486"/>
             <a:ext cx="0" cy="1148374"/>
           </a:xfrm>
           <a:prstGeom prst="line">
@@ -12952,7 +12969,7 @@
         </p:nvSpPr>
         <p:spPr>
           <a:xfrm>
-            <a:off x="4683126" y="4709360"/>
+            <a:off x="6207127" y="4709360"/>
             <a:ext cx="2286001" cy="792088"/>
           </a:xfrm>
           <a:prstGeom prst="hexagon">
@@ -12980,7 +12997,7 @@
           <a:p>
             <a:pPr algn="ctr"/>
             <a:r>
-              <a:rPr lang="hu-HU" sz="2400" i="1" dirty="0" smtClean="0">
+              <a:rPr lang="hu-HU" sz="2400" i="1" dirty="0">
                 <a:solidFill>
                   <a:schemeClr val="tx1"/>
                 </a:solidFill>
@@ -13037,7 +13054,7 @@
         </p:nvCxnSpPr>
         <p:spPr>
           <a:xfrm>
-            <a:off x="1377929" y="2123176"/>
+            <a:off x="2901929" y="2123176"/>
             <a:ext cx="727434" cy="0"/>
           </a:xfrm>
           <a:prstGeom prst="straightConnector1">
@@ -13077,7 +13094,7 @@
         </p:nvCxnSpPr>
         <p:spPr>
           <a:xfrm rot="5400000" flipH="1" flipV="1">
-            <a:off x="2887157" y="1159669"/>
+            <a:off x="4411157" y="1159669"/>
             <a:ext cx="381810" cy="1174948"/>
           </a:xfrm>
           <a:prstGeom prst="bentConnector2">
@@ -13114,7 +13131,7 @@
         </p:nvSpPr>
         <p:spPr>
           <a:xfrm>
-            <a:off x="2105363" y="1938048"/>
+            <a:off x="3629363" y="1938048"/>
             <a:ext cx="770450" cy="370256"/>
           </a:xfrm>
           <a:prstGeom prst="diamond">
@@ -13149,7 +13166,7 @@
           <a:lstStyle/>
           <a:p>
             <a:pPr algn="ctr"/>
-            <a:endParaRPr lang="hu-HU" sz="2400" dirty="0" smtClean="0">
+            <a:endParaRPr lang="hu-HU" sz="2400" dirty="0">
               <a:solidFill>
                 <a:schemeClr val="bg1"/>
               </a:solidFill>
@@ -13165,7 +13182,7 @@
         </p:nvSpPr>
         <p:spPr>
           <a:xfrm>
-            <a:off x="3665536" y="1257337"/>
+            <a:off x="5189536" y="1257338"/>
             <a:ext cx="1733524" cy="597801"/>
           </a:xfrm>
           <a:prstGeom prst="roundRect">
@@ -13201,7 +13218,7 @@
           <a:p>
             <a:pPr algn="ctr"/>
             <a:r>
-              <a:rPr lang="hu-HU" sz="2000" dirty="0" err="1" smtClean="0">
+              <a:rPr lang="hu-HU" sz="2000" dirty="0" err="1">
                 <a:solidFill>
                   <a:schemeClr val="tx1"/>
                 </a:solidFill>
@@ -13209,7 +13226,7 @@
               <a:t>Compile</a:t>
             </a:r>
             <a:r>
-              <a:rPr lang="hu-HU" sz="2000" dirty="0" smtClean="0">
+              <a:rPr lang="hu-HU" sz="2000" dirty="0">
                 <a:solidFill>
                   <a:schemeClr val="tx1"/>
                 </a:solidFill>
@@ -13229,7 +13246,7 @@
         </p:nvCxnSpPr>
         <p:spPr>
           <a:xfrm>
-            <a:off x="2496938" y="2399490"/>
+            <a:off x="4020938" y="2399490"/>
             <a:ext cx="1168598" cy="274038"/>
           </a:xfrm>
           <a:prstGeom prst="bentConnector3">
@@ -13268,7 +13285,7 @@
         </p:nvSpPr>
         <p:spPr>
           <a:xfrm>
-            <a:off x="3665536" y="2374627"/>
+            <a:off x="5189536" y="2374628"/>
             <a:ext cx="1733524" cy="597801"/>
           </a:xfrm>
           <a:prstGeom prst="roundRect">
@@ -13320,7 +13337,7 @@
               <a:t> C</a:t>
             </a:r>
             <a:r>
-              <a:rPr lang="hu-HU" sz="2000" dirty="0" smtClean="0">
+              <a:rPr lang="hu-HU" sz="2000" dirty="0">
                 <a:solidFill>
                   <a:schemeClr val="tx1"/>
                 </a:solidFill>
@@ -13338,7 +13355,7 @@
         </p:nvCxnSpPr>
         <p:spPr>
           <a:xfrm flipV="1">
-            <a:off x="5399060" y="1556237"/>
+            <a:off x="6923060" y="1556238"/>
             <a:ext cx="686058" cy="1"/>
           </a:xfrm>
           <a:prstGeom prst="straightConnector1">
@@ -13375,7 +13392,7 @@
         </p:nvCxnSpPr>
         <p:spPr>
           <a:xfrm>
-            <a:off x="5399060" y="2673528"/>
+            <a:off x="6923060" y="2673528"/>
             <a:ext cx="686058" cy="0"/>
           </a:xfrm>
           <a:prstGeom prst="straightConnector1">
@@ -13444,7 +13461,7 @@
         </p:nvCxnSpPr>
         <p:spPr>
           <a:xfrm>
-            <a:off x="1377929" y="2123176"/>
+            <a:off x="2901929" y="2123176"/>
             <a:ext cx="727434" cy="0"/>
           </a:xfrm>
           <a:prstGeom prst="straightConnector1">
@@ -13484,7 +13501,7 @@
         </p:nvCxnSpPr>
         <p:spPr>
           <a:xfrm rot="5400000" flipH="1" flipV="1">
-            <a:off x="2887157" y="1159669"/>
+            <a:off x="4411157" y="1159669"/>
             <a:ext cx="381810" cy="1174948"/>
           </a:xfrm>
           <a:prstGeom prst="bentConnector2">
@@ -13513,8 +13530,8 @@
           </a:fontRef>
         </p:style>
       </p:cxnSp>
-      <mc:AlternateContent xmlns:mc="http://schemas.openxmlformats.org/markup-compatibility/2006" xmlns:a14="http://schemas.microsoft.com/office/drawing/2010/main">
-        <mc:Choice Requires="a14">
+      <mc:AlternateContent xmlns:mc="http://schemas.openxmlformats.org/markup-compatibility/2006">
+        <mc:Choice xmlns:a14="http://schemas.microsoft.com/office/drawing/2010/main" Requires="a14">
           <p:sp>
             <p:nvSpPr>
               <p:cNvPr id="5" name="TextBox 54"/>
@@ -13523,7 +13540,7 @@
             </p:nvSpPr>
             <p:spPr>
               <a:xfrm>
-                <a:off x="1965543" y="1118837"/>
+                <a:off x="3489543" y="1118838"/>
                 <a:ext cx="1365758" cy="276999"/>
               </a:xfrm>
               <a:prstGeom prst="rect">
@@ -13566,10 +13583,13 @@
                         <m:t>==".</m:t>
                       </m:r>
                       <m:r>
-                        <a:rPr lang="hu-HU" i="1">
+                        <m:rPr>
+                          <m:sty m:val="p"/>
+                        </m:rPr>
+                        <a:rPr lang="hu-HU">
                           <a:latin typeface="Cambria Math" panose="02040503050406030204" pitchFamily="18" charset="0"/>
                         </a:rPr>
-                        <m:t>𝑐</m:t>
+                        <m:t>c</m:t>
                       </m:r>
                       <m:r>
                         <a:rPr lang="hu-HU" i="1">
@@ -13587,7 +13607,7 @@
             </p:txBody>
           </p:sp>
         </mc:Choice>
-        <mc:Fallback xmlns="">
+        <mc:Fallback>
           <p:sp>
             <p:nvSpPr>
               <p:cNvPr id="5" name="TextBox 54"/>
@@ -13598,16 +13618,16 @@
             </p:nvSpPr>
             <p:spPr>
               <a:xfrm>
-                <a:off x="1965543" y="1118837"/>
+                <a:off x="3489543" y="1118838"/>
                 <a:ext cx="1365758" cy="276999"/>
               </a:xfrm>
               <a:prstGeom prst="rect">
                 <a:avLst/>
               </a:prstGeom>
-              <a:blipFill rotWithShape="1">
+              <a:blipFill>
                 <a:blip r:embed="rId2"/>
                 <a:stretch>
-                  <a:fillRect l="-5804" t="-2222" r="-6250" b="-40000"/>
+                  <a:fillRect l="-5357" t="-2222" r="-6250" b="-40000"/>
                 </a:stretch>
               </a:blipFill>
             </p:spPr>
@@ -13616,7 +13636,7 @@
               <a:lstStyle/>
               <a:p>
                 <a:r>
-                  <a:rPr lang="hu-HU">
+                  <a:rPr lang="en-US">
                     <a:noFill/>
                   </a:rPr>
                   <a:t> </a:t>
@@ -13634,7 +13654,7 @@
         </p:nvSpPr>
         <p:spPr>
           <a:xfrm>
-            <a:off x="2105363" y="1938048"/>
+            <a:off x="3629363" y="1938048"/>
             <a:ext cx="770450" cy="370256"/>
           </a:xfrm>
           <a:prstGeom prst="diamond">
@@ -13669,7 +13689,7 @@
           <a:lstStyle/>
           <a:p>
             <a:pPr algn="ctr"/>
-            <a:endParaRPr lang="hu-HU" sz="2400" dirty="0" smtClean="0">
+            <a:endParaRPr lang="hu-HU" sz="2400" dirty="0">
               <a:solidFill>
                 <a:schemeClr val="bg1"/>
               </a:solidFill>
@@ -13677,8 +13697,8 @@
           </a:p>
         </p:txBody>
       </p:sp>
-      <mc:AlternateContent xmlns:mc="http://schemas.openxmlformats.org/markup-compatibility/2006" xmlns:a14="http://schemas.microsoft.com/office/drawing/2010/main">
-        <mc:Choice Requires="a14">
+      <mc:AlternateContent xmlns:mc="http://schemas.openxmlformats.org/markup-compatibility/2006">
+        <mc:Choice xmlns:a14="http://schemas.microsoft.com/office/drawing/2010/main" Requires="a14">
           <p:sp>
             <p:nvSpPr>
               <p:cNvPr id="7" name="TextBox 32"/>
@@ -13687,7 +13707,7 @@
             </p:nvSpPr>
             <p:spPr>
               <a:xfrm>
-                <a:off x="1662574" y="2833928"/>
+                <a:off x="3186575" y="2833929"/>
                 <a:ext cx="1668727" cy="276999"/>
               </a:xfrm>
               <a:prstGeom prst="rect">
@@ -13727,7 +13747,7 @@
                         <a:rPr lang="hu-HU" i="1">
                           <a:latin typeface="Cambria Math" panose="02040503050406030204" pitchFamily="18" charset="0"/>
                         </a:rPr>
-                        <m:t>==" .</m:t>
+                        <m:t>==".</m:t>
                       </m:r>
                       <m:r>
                         <m:rPr>
@@ -13754,7 +13774,7 @@
             </p:txBody>
           </p:sp>
         </mc:Choice>
-        <mc:Fallback xmlns="">
+        <mc:Fallback>
           <p:sp>
             <p:nvSpPr>
               <p:cNvPr id="7" name="TextBox 32"/>
@@ -13765,16 +13785,16 @@
             </p:nvSpPr>
             <p:spPr>
               <a:xfrm>
-                <a:off x="1662574" y="2833928"/>
+                <a:off x="3186575" y="2833929"/>
                 <a:ext cx="1668727" cy="276999"/>
               </a:xfrm>
               <a:prstGeom prst="rect">
                 <a:avLst/>
               </a:prstGeom>
-              <a:blipFill rotWithShape="1">
+              <a:blipFill>
                 <a:blip r:embed="rId3"/>
                 <a:stretch>
-                  <a:fillRect l="-4762" t="-2222" r="-5128" b="-40000"/>
+                  <a:fillRect l="-3297" t="-2222" r="-3663" b="-40000"/>
                 </a:stretch>
               </a:blipFill>
             </p:spPr>
@@ -13783,7 +13803,7 @@
               <a:lstStyle/>
               <a:p>
                 <a:r>
-                  <a:rPr lang="hu-HU">
+                  <a:rPr lang="en-US">
                     <a:noFill/>
                   </a:rPr>
                   <a:t> </a:t>
@@ -13801,7 +13821,7 @@
         </p:nvSpPr>
         <p:spPr>
           <a:xfrm>
-            <a:off x="3665536" y="1257337"/>
+            <a:off x="5189536" y="1257338"/>
             <a:ext cx="1733524" cy="597801"/>
           </a:xfrm>
           <a:prstGeom prst="roundRect">
@@ -13837,7 +13857,7 @@
           <a:p>
             <a:pPr algn="ctr"/>
             <a:r>
-              <a:rPr lang="hu-HU" sz="2000" dirty="0" err="1" smtClean="0">
+              <a:rPr lang="hu-HU" sz="2000" dirty="0" err="1">
                 <a:solidFill>
                   <a:schemeClr val="tx1"/>
                 </a:solidFill>
@@ -13845,7 +13865,7 @@
               <a:t>Compile</a:t>
             </a:r>
             <a:r>
-              <a:rPr lang="hu-HU" sz="2000" dirty="0" smtClean="0">
+              <a:rPr lang="hu-HU" sz="2000" dirty="0">
                 <a:solidFill>
                   <a:schemeClr val="tx1"/>
                 </a:solidFill>
@@ -13865,7 +13885,7 @@
         </p:nvCxnSpPr>
         <p:spPr>
           <a:xfrm>
-            <a:off x="2496938" y="2399490"/>
+            <a:off x="4020938" y="2399490"/>
             <a:ext cx="1168598" cy="274038"/>
           </a:xfrm>
           <a:prstGeom prst="bentConnector3">
@@ -13904,7 +13924,7 @@
         </p:nvSpPr>
         <p:spPr>
           <a:xfrm>
-            <a:off x="3665536" y="2374627"/>
+            <a:off x="5189536" y="2374628"/>
             <a:ext cx="1733524" cy="597801"/>
           </a:xfrm>
           <a:prstGeom prst="roundRect">
@@ -13956,7 +13976,7 @@
               <a:t> C</a:t>
             </a:r>
             <a:r>
-              <a:rPr lang="hu-HU" sz="2000" dirty="0" smtClean="0">
+              <a:rPr lang="hu-HU" sz="2000" dirty="0">
                 <a:solidFill>
                   <a:schemeClr val="tx1"/>
                 </a:solidFill>
@@ -13976,7 +13996,7 @@
         </p:nvCxnSpPr>
         <p:spPr>
           <a:xfrm flipV="1">
-            <a:off x="5399060" y="1556237"/>
+            <a:off x="6923060" y="1556238"/>
             <a:ext cx="686058" cy="1"/>
           </a:xfrm>
           <a:prstGeom prst="straightConnector1">
@@ -14015,7 +14035,7 @@
         </p:nvCxnSpPr>
         <p:spPr>
           <a:xfrm>
-            <a:off x="5399060" y="2673528"/>
+            <a:off x="6923060" y="2673528"/>
             <a:ext cx="686058" cy="0"/>
           </a:xfrm>
           <a:prstGeom prst="straightConnector1">
@@ -14084,7 +14104,7 @@
         </p:nvCxnSpPr>
         <p:spPr>
           <a:xfrm>
-            <a:off x="123070" y="2123176"/>
+            <a:off x="1647070" y="2123176"/>
             <a:ext cx="727434" cy="0"/>
           </a:xfrm>
           <a:prstGeom prst="straightConnector1">
@@ -14124,7 +14144,7 @@
         </p:nvCxnSpPr>
         <p:spPr>
           <a:xfrm rot="5400000" flipH="1" flipV="1">
-            <a:off x="1632298" y="1159669"/>
+            <a:off x="3156298" y="1159669"/>
             <a:ext cx="381810" cy="1174948"/>
           </a:xfrm>
           <a:prstGeom prst="bentConnector2">
@@ -14153,8 +14173,8 @@
           </a:fontRef>
         </p:style>
       </p:cxnSp>
-      <mc:AlternateContent xmlns:mc="http://schemas.openxmlformats.org/markup-compatibility/2006" xmlns:a14="http://schemas.microsoft.com/office/drawing/2010/main">
-        <mc:Choice Requires="a14">
+      <mc:AlternateContent xmlns:mc="http://schemas.openxmlformats.org/markup-compatibility/2006">
+        <mc:Choice xmlns:a14="http://schemas.microsoft.com/office/drawing/2010/main" Requires="a14">
           <p:sp>
             <p:nvSpPr>
               <p:cNvPr id="5" name="TextBox 54"/>
@@ -14163,7 +14183,7 @@
             </p:nvSpPr>
             <p:spPr>
               <a:xfrm>
-                <a:off x="710684" y="1118837"/>
+                <a:off x="2234684" y="1118838"/>
                 <a:ext cx="1365758" cy="276999"/>
               </a:xfrm>
               <a:prstGeom prst="rect">
@@ -14206,10 +14226,13 @@
                         <m:t>==".</m:t>
                       </m:r>
                       <m:r>
-                        <a:rPr lang="hu-HU" i="1">
+                        <m:rPr>
+                          <m:sty m:val="p"/>
+                        </m:rPr>
+                        <a:rPr lang="hu-HU">
                           <a:latin typeface="Cambria Math" panose="02040503050406030204" pitchFamily="18" charset="0"/>
                         </a:rPr>
-                        <m:t>𝑐</m:t>
+                        <m:t>c</m:t>
                       </m:r>
                       <m:r>
                         <a:rPr lang="hu-HU" i="1">
@@ -14227,7 +14250,7 @@
             </p:txBody>
           </p:sp>
         </mc:Choice>
-        <mc:Fallback xmlns="">
+        <mc:Fallback>
           <p:sp>
             <p:nvSpPr>
               <p:cNvPr id="5" name="TextBox 54"/>
@@ -14238,16 +14261,16 @@
             </p:nvSpPr>
             <p:spPr>
               <a:xfrm>
-                <a:off x="710684" y="1118837"/>
+                <a:off x="2234684" y="1118838"/>
                 <a:ext cx="1365758" cy="276999"/>
               </a:xfrm>
               <a:prstGeom prst="rect">
                 <a:avLst/>
               </a:prstGeom>
-              <a:blipFill rotWithShape="1">
+              <a:blipFill>
                 <a:blip r:embed="rId2"/>
                 <a:stretch>
-                  <a:fillRect l="-6250" t="-2222" r="-5804" b="-40000"/>
+                  <a:fillRect l="-5804" t="-2222" r="-5804" b="-40000"/>
                 </a:stretch>
               </a:blipFill>
             </p:spPr>
@@ -14256,7 +14279,7 @@
               <a:lstStyle/>
               <a:p>
                 <a:r>
-                  <a:rPr lang="hu-HU">
+                  <a:rPr lang="en-US">
                     <a:noFill/>
                   </a:rPr>
                   <a:t> </a:t>
@@ -14274,7 +14297,7 @@
         </p:nvSpPr>
         <p:spPr>
           <a:xfrm>
-            <a:off x="850504" y="1938048"/>
+            <a:off x="2374504" y="1938048"/>
             <a:ext cx="770450" cy="370256"/>
           </a:xfrm>
           <a:prstGeom prst="diamond">
@@ -14309,7 +14332,7 @@
           <a:lstStyle/>
           <a:p>
             <a:pPr algn="ctr"/>
-            <a:endParaRPr lang="hu-HU" sz="2400" dirty="0" smtClean="0">
+            <a:endParaRPr lang="hu-HU" sz="2400" dirty="0">
               <a:solidFill>
                 <a:schemeClr val="bg1"/>
               </a:solidFill>
@@ -14317,8 +14340,8 @@
           </a:p>
         </p:txBody>
       </p:sp>
-      <mc:AlternateContent xmlns:mc="http://schemas.openxmlformats.org/markup-compatibility/2006" xmlns:a14="http://schemas.microsoft.com/office/drawing/2010/main">
-        <mc:Choice Requires="a14">
+      <mc:AlternateContent xmlns:mc="http://schemas.openxmlformats.org/markup-compatibility/2006">
+        <mc:Choice xmlns:a14="http://schemas.microsoft.com/office/drawing/2010/main" Requires="a14">
           <p:sp>
             <p:nvSpPr>
               <p:cNvPr id="7" name="TextBox 32"/>
@@ -14327,7 +14350,7 @@
             </p:nvSpPr>
             <p:spPr>
               <a:xfrm>
-                <a:off x="407715" y="2833928"/>
+                <a:off x="1931716" y="2833929"/>
                 <a:ext cx="1668727" cy="276999"/>
               </a:xfrm>
               <a:prstGeom prst="rect">
@@ -14367,7 +14390,7 @@
                         <a:rPr lang="hu-HU" i="1">
                           <a:latin typeface="Cambria Math" panose="02040503050406030204" pitchFamily="18" charset="0"/>
                         </a:rPr>
-                        <m:t>==" .</m:t>
+                        <m:t>==".</m:t>
                       </m:r>
                       <m:r>
                         <m:rPr>
@@ -14394,7 +14417,7 @@
             </p:txBody>
           </p:sp>
         </mc:Choice>
-        <mc:Fallback xmlns="">
+        <mc:Fallback>
           <p:sp>
             <p:nvSpPr>
               <p:cNvPr id="7" name="TextBox 32"/>
@@ -14405,16 +14428,16 @@
             </p:nvSpPr>
             <p:spPr>
               <a:xfrm>
-                <a:off x="407715" y="2833928"/>
+                <a:off x="1931716" y="2833929"/>
                 <a:ext cx="1668727" cy="276999"/>
               </a:xfrm>
               <a:prstGeom prst="rect">
                 <a:avLst/>
               </a:prstGeom>
-              <a:blipFill rotWithShape="1">
+              <a:blipFill>
                 <a:blip r:embed="rId3"/>
                 <a:stretch>
-                  <a:fillRect l="-4745" t="-2222" r="-4745" b="-40000"/>
+                  <a:fillRect l="-3285" t="-2222" r="-3285" b="-40000"/>
                 </a:stretch>
               </a:blipFill>
             </p:spPr>
@@ -14423,7 +14446,7 @@
               <a:lstStyle/>
               <a:p>
                 <a:r>
-                  <a:rPr lang="hu-HU">
+                  <a:rPr lang="en-US">
                     <a:noFill/>
                   </a:rPr>
                   <a:t> </a:t>
@@ -14441,7 +14464,7 @@
         </p:nvSpPr>
         <p:spPr>
           <a:xfrm>
-            <a:off x="2410677" y="1257337"/>
+            <a:off x="3934677" y="1257338"/>
             <a:ext cx="1733524" cy="597801"/>
           </a:xfrm>
           <a:prstGeom prst="roundRect">
@@ -14477,7 +14500,7 @@
           <a:p>
             <a:pPr algn="ctr"/>
             <a:r>
-              <a:rPr lang="hu-HU" sz="2000" dirty="0" err="1" smtClean="0">
+              <a:rPr lang="hu-HU" sz="2000" dirty="0" err="1">
                 <a:solidFill>
                   <a:schemeClr val="tx1"/>
                 </a:solidFill>
@@ -14485,7 +14508,7 @@
               <a:t>Compile</a:t>
             </a:r>
             <a:r>
-              <a:rPr lang="hu-HU" sz="2000" dirty="0" smtClean="0">
+              <a:rPr lang="hu-HU" sz="2000" dirty="0">
                 <a:solidFill>
                   <a:schemeClr val="tx1"/>
                 </a:solidFill>
@@ -14505,7 +14528,7 @@
         </p:nvCxnSpPr>
         <p:spPr>
           <a:xfrm>
-            <a:off x="1242079" y="2399490"/>
+            <a:off x="2766079" y="2399490"/>
             <a:ext cx="1168598" cy="274038"/>
           </a:xfrm>
           <a:prstGeom prst="bentConnector3">
@@ -14544,7 +14567,7 @@
         </p:nvSpPr>
         <p:spPr>
           <a:xfrm>
-            <a:off x="2410677" y="2374627"/>
+            <a:off x="3934677" y="2374628"/>
             <a:ext cx="1733524" cy="597801"/>
           </a:xfrm>
           <a:prstGeom prst="roundRect">
@@ -14596,7 +14619,7 @@
               <a:t> C</a:t>
             </a:r>
             <a:r>
-              <a:rPr lang="hu-HU" sz="2000" dirty="0" smtClean="0">
+              <a:rPr lang="hu-HU" sz="2000" dirty="0">
                 <a:solidFill>
                   <a:schemeClr val="tx1"/>
                 </a:solidFill>
@@ -14617,7 +14640,7 @@
         </p:nvCxnSpPr>
         <p:spPr>
           <a:xfrm flipV="1">
-            <a:off x="4144201" y="2308304"/>
+            <a:off x="5668201" y="2308304"/>
             <a:ext cx="1275102" cy="365224"/>
           </a:xfrm>
           <a:prstGeom prst="bentConnector2">
@@ -14656,7 +14679,7 @@
         </p:nvCxnSpPr>
         <p:spPr>
           <a:xfrm>
-            <a:off x="5804528" y="2123176"/>
+            <a:off x="7328529" y="2123176"/>
             <a:ext cx="655201" cy="0"/>
           </a:xfrm>
           <a:prstGeom prst="straightConnector1">
@@ -14693,7 +14716,7 @@
         </p:nvSpPr>
         <p:spPr>
           <a:xfrm>
-            <a:off x="5034078" y="1938048"/>
+            <a:off x="6558078" y="1938048"/>
             <a:ext cx="770450" cy="370256"/>
           </a:xfrm>
           <a:prstGeom prst="diamond">
@@ -14728,7 +14751,7 @@
           <a:lstStyle/>
           <a:p>
             <a:pPr algn="ctr"/>
-            <a:endParaRPr lang="hu-HU" sz="2400" dirty="0" smtClean="0">
+            <a:endParaRPr lang="hu-HU" sz="2400" dirty="0">
               <a:solidFill>
                 <a:schemeClr val="bg1"/>
               </a:solidFill>
@@ -14747,7 +14770,7 @@
         </p:nvCxnSpPr>
         <p:spPr>
           <a:xfrm>
-            <a:off x="4144201" y="1556238"/>
+            <a:off x="5668201" y="1556238"/>
             <a:ext cx="1275102" cy="381810"/>
           </a:xfrm>
           <a:prstGeom prst="bentConnector2">
@@ -14784,7 +14807,7 @@
         </p:nvSpPr>
         <p:spPr>
           <a:xfrm>
-            <a:off x="6459729" y="1814495"/>
+            <a:off x="7983729" y="1814496"/>
             <a:ext cx="1733524" cy="597801"/>
           </a:xfrm>
           <a:prstGeom prst="roundRect">
@@ -14820,7 +14843,7 @@
           <a:p>
             <a:pPr algn="ctr"/>
             <a:r>
-              <a:rPr lang="hu-HU" sz="2000" dirty="0" smtClean="0">
+              <a:rPr lang="hu-HU" sz="2000" dirty="0">
                 <a:solidFill>
                   <a:schemeClr val="tx1"/>
                 </a:solidFill>
@@ -14845,7 +14868,7 @@
         </p:nvCxnSpPr>
         <p:spPr>
           <a:xfrm>
-            <a:off x="8193253" y="2113396"/>
+            <a:off x="9717253" y="2113397"/>
             <a:ext cx="686058" cy="9781"/>
           </a:xfrm>
           <a:prstGeom prst="straightConnector1">
@@ -14912,7 +14935,7 @@
         </p:nvCxnSpPr>
         <p:spPr>
           <a:xfrm>
-            <a:off x="-190467" y="5797338"/>
+            <a:off x="1333533" y="5797338"/>
             <a:ext cx="8928992" cy="0"/>
           </a:xfrm>
           <a:prstGeom prst="straightConnector1">
@@ -14945,7 +14968,7 @@
         </p:nvSpPr>
         <p:spPr>
           <a:xfrm>
-            <a:off x="8740361" y="5581314"/>
+            <a:off x="10264361" y="5581314"/>
             <a:ext cx="261610" cy="369332"/>
           </a:xfrm>
           <a:prstGeom prst="rect">
@@ -14960,7 +14983,7 @@
           <a:lstStyle/>
           <a:p>
             <a:r>
-              <a:rPr lang="hu-HU" dirty="0" smtClean="0"/>
+              <a:rPr lang="hu-HU" dirty="0"/>
               <a:t>t</a:t>
             </a:r>
             <a:endParaRPr lang="hu-HU" dirty="0"/>
@@ -14975,7 +14998,7 @@
         </p:nvCxnSpPr>
         <p:spPr>
           <a:xfrm>
-            <a:off x="1319637" y="5560989"/>
+            <a:off x="2843637" y="5560989"/>
             <a:ext cx="0" cy="472698"/>
           </a:xfrm>
           <a:prstGeom prst="line">
@@ -15005,7 +15028,7 @@
         </p:nvCxnSpPr>
         <p:spPr>
           <a:xfrm>
-            <a:off x="4022272" y="5560989"/>
+            <a:off x="5546272" y="5560989"/>
             <a:ext cx="0" cy="472698"/>
           </a:xfrm>
           <a:prstGeom prst="line">
@@ -15035,7 +15058,7 @@
         </p:nvSpPr>
         <p:spPr>
           <a:xfrm>
-            <a:off x="1304544" y="4717218"/>
+            <a:off x="2828544" y="4717218"/>
             <a:ext cx="2701400" cy="792088"/>
           </a:xfrm>
           <a:prstGeom prst="hexagon">
@@ -15063,7 +15086,7 @@
           <a:p>
             <a:pPr algn="ctr"/>
             <a:r>
-              <a:rPr lang="hu-HU" sz="2400" i="1" dirty="0" err="1" smtClean="0">
+              <a:rPr lang="hu-HU" sz="2400" i="1" dirty="0" err="1">
                 <a:solidFill>
                   <a:schemeClr val="tx1"/>
                 </a:solidFill>
@@ -15072,7 +15095,7 @@
               <a:t>Compile</a:t>
             </a:r>
             <a:r>
-              <a:rPr lang="hu-HU" sz="2400" i="1" dirty="0" smtClean="0">
+              <a:rPr lang="hu-HU" sz="2400" i="1" dirty="0">
                 <a:solidFill>
                   <a:schemeClr val="tx1"/>
                 </a:solidFill>
@@ -15091,7 +15114,7 @@
         </p:nvCxnSpPr>
         <p:spPr>
           <a:xfrm>
-            <a:off x="4022272" y="4490161"/>
+            <a:off x="5546272" y="4490161"/>
             <a:ext cx="0" cy="1148374"/>
           </a:xfrm>
           <a:prstGeom prst="line">
@@ -15124,7 +15147,7 @@
         </p:nvCxnSpPr>
         <p:spPr>
           <a:xfrm>
-            <a:off x="1319637" y="4490161"/>
+            <a:off x="2843637" y="4490161"/>
             <a:ext cx="0" cy="1148374"/>
           </a:xfrm>
           <a:prstGeom prst="line">
@@ -15157,7 +15180,7 @@
         </p:nvCxnSpPr>
         <p:spPr>
           <a:xfrm>
-            <a:off x="4683126" y="5560989"/>
+            <a:off x="6207126" y="5560989"/>
             <a:ext cx="0" cy="472698"/>
           </a:xfrm>
           <a:prstGeom prst="line">
@@ -15187,7 +15210,7 @@
         </p:nvCxnSpPr>
         <p:spPr>
           <a:xfrm>
-            <a:off x="4683126" y="4490161"/>
+            <a:off x="6207126" y="4490161"/>
             <a:ext cx="0" cy="1148374"/>
           </a:xfrm>
           <a:prstGeom prst="line">
@@ -15220,7 +15243,7 @@
         </p:nvCxnSpPr>
         <p:spPr>
           <a:xfrm>
-            <a:off x="6969127" y="5581314"/>
+            <a:off x="8493127" y="5581314"/>
             <a:ext cx="0" cy="472698"/>
           </a:xfrm>
           <a:prstGeom prst="line">
@@ -15250,7 +15273,7 @@
         </p:nvCxnSpPr>
         <p:spPr>
           <a:xfrm>
-            <a:off x="6969127" y="4510486"/>
+            <a:off x="8493127" y="4510486"/>
             <a:ext cx="0" cy="1148374"/>
           </a:xfrm>
           <a:prstGeom prst="line">
@@ -15283,7 +15306,7 @@
         </p:nvSpPr>
         <p:spPr>
           <a:xfrm>
-            <a:off x="4683126" y="4709360"/>
+            <a:off x="6207127" y="4709360"/>
             <a:ext cx="2286001" cy="792088"/>
           </a:xfrm>
           <a:prstGeom prst="hexagon">
@@ -15311,7 +15334,7 @@
           <a:p>
             <a:pPr algn="ctr"/>
             <a:r>
-              <a:rPr lang="hu-HU" sz="2400" i="1" dirty="0" smtClean="0">
+              <a:rPr lang="hu-HU" sz="2400" i="1" dirty="0">
                 <a:solidFill>
                   <a:schemeClr val="tx1"/>
                 </a:solidFill>
@@ -15336,7 +15359,7 @@
         </p:nvCxnSpPr>
         <p:spPr>
           <a:xfrm>
-            <a:off x="-188631" y="4309957"/>
+            <a:off x="1335369" y="4309957"/>
             <a:ext cx="8928992" cy="0"/>
           </a:xfrm>
           <a:prstGeom prst="straightConnector1">
@@ -15369,7 +15392,7 @@
         </p:nvSpPr>
         <p:spPr>
           <a:xfrm>
-            <a:off x="8742197" y="4093933"/>
+            <a:off x="10266197" y="4093933"/>
             <a:ext cx="261610" cy="369332"/>
           </a:xfrm>
           <a:prstGeom prst="rect">
@@ -15384,7 +15407,7 @@
           <a:lstStyle/>
           <a:p>
             <a:r>
-              <a:rPr lang="hu-HU" dirty="0" smtClean="0"/>
+              <a:rPr lang="hu-HU" dirty="0"/>
               <a:t>t</a:t>
             </a:r>
             <a:endParaRPr lang="hu-HU" dirty="0"/>
@@ -15399,7 +15422,7 @@
         </p:nvCxnSpPr>
         <p:spPr>
           <a:xfrm>
-            <a:off x="1077633" y="4073608"/>
+            <a:off x="2601633" y="4073608"/>
             <a:ext cx="0" cy="472698"/>
           </a:xfrm>
           <a:prstGeom prst="line">
@@ -15429,7 +15452,7 @@
         </p:nvCxnSpPr>
         <p:spPr>
           <a:xfrm>
-            <a:off x="4219180" y="4073608"/>
+            <a:off x="5743180" y="4073608"/>
             <a:ext cx="0" cy="472698"/>
           </a:xfrm>
           <a:prstGeom prst="line">
@@ -15459,7 +15482,7 @@
         </p:nvSpPr>
         <p:spPr>
           <a:xfrm>
-            <a:off x="1072896" y="3229837"/>
+            <a:off x="2596896" y="3229837"/>
             <a:ext cx="3129956" cy="792088"/>
           </a:xfrm>
           <a:prstGeom prst="hexagon">
@@ -15487,7 +15510,7 @@
           <a:p>
             <a:pPr algn="ctr"/>
             <a:r>
-              <a:rPr lang="hu-HU" sz="2400" i="1" dirty="0" err="1" smtClean="0">
+              <a:rPr lang="hu-HU" sz="2400" i="1" dirty="0" err="1">
                 <a:solidFill>
                   <a:schemeClr val="tx1"/>
                 </a:solidFill>
@@ -15496,7 +15519,7 @@
               <a:t>Compile</a:t>
             </a:r>
             <a:r>
-              <a:rPr lang="hu-HU" sz="2400" i="1" dirty="0" smtClean="0">
+              <a:rPr lang="hu-HU" sz="2400" i="1" dirty="0">
                 <a:solidFill>
                   <a:schemeClr val="tx1"/>
                 </a:solidFill>
@@ -15515,7 +15538,7 @@
         </p:nvCxnSpPr>
         <p:spPr>
           <a:xfrm>
-            <a:off x="4219180" y="3002780"/>
+            <a:off x="5743180" y="3002780"/>
             <a:ext cx="0" cy="1148374"/>
           </a:xfrm>
           <a:prstGeom prst="line">
@@ -15548,7 +15571,7 @@
         </p:nvCxnSpPr>
         <p:spPr>
           <a:xfrm>
-            <a:off x="1077633" y="3002780"/>
+            <a:off x="2601633" y="3002780"/>
             <a:ext cx="0" cy="1148374"/>
           </a:xfrm>
           <a:prstGeom prst="line">
@@ -15581,7 +15604,7 @@
         </p:nvCxnSpPr>
         <p:spPr>
           <a:xfrm>
-            <a:off x="5075106" y="4073608"/>
+            <a:off x="6599106" y="4073608"/>
             <a:ext cx="0" cy="472698"/>
           </a:xfrm>
           <a:prstGeom prst="line">
@@ -15611,7 +15634,7 @@
         </p:nvCxnSpPr>
         <p:spPr>
           <a:xfrm>
-            <a:off x="5075106" y="3002780"/>
+            <a:off x="6599106" y="3002780"/>
             <a:ext cx="0" cy="1148374"/>
           </a:xfrm>
           <a:prstGeom prst="line">
@@ -15644,7 +15667,7 @@
         </p:nvCxnSpPr>
         <p:spPr>
           <a:xfrm>
-            <a:off x="7361107" y="4093933"/>
+            <a:off x="8885107" y="4093933"/>
             <a:ext cx="0" cy="472698"/>
           </a:xfrm>
           <a:prstGeom prst="line">
@@ -15674,7 +15697,7 @@
         </p:nvCxnSpPr>
         <p:spPr>
           <a:xfrm>
-            <a:off x="7361107" y="3023105"/>
+            <a:off x="8885107" y="3023105"/>
             <a:ext cx="0" cy="1148374"/>
           </a:xfrm>
           <a:prstGeom prst="line">
@@ -15707,7 +15730,7 @@
         </p:nvSpPr>
         <p:spPr>
           <a:xfrm>
-            <a:off x="5075106" y="3221979"/>
+            <a:off x="6599107" y="3221979"/>
             <a:ext cx="2286001" cy="792088"/>
           </a:xfrm>
           <a:prstGeom prst="hexagon">
@@ -15735,7 +15758,7 @@
           <a:p>
             <a:pPr algn="ctr"/>
             <a:r>
-              <a:rPr lang="hu-HU" sz="2400" i="1" dirty="0" smtClean="0">
+              <a:rPr lang="hu-HU" sz="2400" i="1" dirty="0">
                 <a:solidFill>
                   <a:schemeClr val="tx1"/>
                 </a:solidFill>
@@ -15792,7 +15815,7 @@
         </p:nvCxnSpPr>
         <p:spPr>
           <a:xfrm>
-            <a:off x="1377929" y="2220712"/>
+            <a:off x="2901929" y="2220712"/>
             <a:ext cx="727434" cy="0"/>
           </a:xfrm>
           <a:prstGeom prst="straightConnector1">
@@ -15832,7 +15855,7 @@
         </p:nvCxnSpPr>
         <p:spPr>
           <a:xfrm rot="5400000" flipH="1" flipV="1">
-            <a:off x="2866602" y="1180224"/>
+            <a:off x="4390602" y="1180225"/>
             <a:ext cx="479346" cy="1231375"/>
           </a:xfrm>
           <a:prstGeom prst="bentConnector2">
@@ -15861,8 +15884,8 @@
           </a:fontRef>
         </p:style>
       </p:cxnSp>
-      <mc:AlternateContent xmlns:mc="http://schemas.openxmlformats.org/markup-compatibility/2006" xmlns:a14="http://schemas.microsoft.com/office/drawing/2010/main">
-        <mc:Choice Requires="a14">
+      <mc:AlternateContent xmlns:mc="http://schemas.openxmlformats.org/markup-compatibility/2006">
+        <mc:Choice xmlns:a14="http://schemas.microsoft.com/office/drawing/2010/main" Requires="a14">
           <p:sp>
             <p:nvSpPr>
               <p:cNvPr id="55" name="TextBox 54"/>
@@ -15871,7 +15894,7 @@
             </p:nvSpPr>
             <p:spPr>
               <a:xfrm>
-                <a:off x="1377929" y="1126731"/>
+                <a:off x="2901929" y="1126732"/>
                 <a:ext cx="1843710" cy="276999"/>
               </a:xfrm>
               <a:prstGeom prst="rect">
@@ -15893,7 +15916,7 @@
                     </m:oMathParaPr>
                     <m:oMath xmlns:m="http://schemas.openxmlformats.org/officeDocument/2006/math">
                       <m:r>
-                        <a:rPr lang="hu-HU" b="0" i="1" smtClean="0">
+                        <a:rPr lang="hu-HU" i="1">
                           <a:latin typeface="Cambria Math" panose="02040503050406030204" pitchFamily="18" charset="0"/>
                         </a:rPr>
                         <m:t>[</m:t>
@@ -15902,13 +15925,13 @@
                         <m:rPr>
                           <m:sty m:val="p"/>
                         </m:rPr>
-                        <a:rPr lang="hu-HU" b="0" i="0" smtClean="0">
+                        <a:rPr lang="hu-HU">
                           <a:latin typeface="Cambria Math" panose="02040503050406030204" pitchFamily="18" charset="0"/>
                         </a:rPr>
                         <m:t>source</m:t>
                       </m:r>
                       <m:r>
-                        <a:rPr lang="hu-HU" b="0" i="0" smtClean="0">
+                        <a:rPr lang="hu-HU">
                           <a:latin typeface="Cambria Math" panose="02040503050406030204" pitchFamily="18" charset="0"/>
                         </a:rPr>
                         <m:t> </m:t>
@@ -15917,13 +15940,13 @@
                         <m:rPr>
                           <m:sty m:val="p"/>
                         </m:rPr>
-                        <a:rPr lang="hu-HU" b="0" i="0" smtClean="0">
+                        <a:rPr lang="hu-HU">
                           <a:latin typeface="Cambria Math" panose="02040503050406030204" pitchFamily="18" charset="0"/>
                         </a:rPr>
                         <m:t>modified</m:t>
                       </m:r>
                       <m:r>
-                        <a:rPr lang="hu-HU" b="0" i="1" smtClean="0">
+                        <a:rPr lang="hu-HU" i="1">
                           <a:latin typeface="Cambria Math" panose="02040503050406030204" pitchFamily="18" charset="0"/>
                         </a:rPr>
                         <m:t>]</m:t>
@@ -15936,7 +15959,7 @@
             </p:txBody>
           </p:sp>
         </mc:Choice>
-        <mc:Fallback xmlns="">
+        <mc:Fallback>
           <p:sp>
             <p:nvSpPr>
               <p:cNvPr id="55" name="TextBox 54"/>
@@ -15947,13 +15970,13 @@
             </p:nvSpPr>
             <p:spPr>
               <a:xfrm>
-                <a:off x="1377929" y="1126731"/>
+                <a:off x="2901929" y="1126732"/>
                 <a:ext cx="1843710" cy="276999"/>
               </a:xfrm>
               <a:prstGeom prst="rect">
                 <a:avLst/>
               </a:prstGeom>
-              <a:blipFill rotWithShape="0">
+              <a:blipFill>
                 <a:blip r:embed="rId2"/>
                 <a:stretch>
                   <a:fillRect l="-2980" t="-4444" r="-3642" b="-37778"/>
@@ -15965,7 +15988,7 @@
               <a:lstStyle/>
               <a:p>
                 <a:r>
-                  <a:rPr lang="hu-HU">
+                  <a:rPr lang="en-US">
                     <a:noFill/>
                   </a:rPr>
                   <a:t> </a:t>
@@ -15986,7 +16009,7 @@
         </p:nvCxnSpPr>
         <p:spPr>
           <a:xfrm rot="16200000" flipH="1">
-            <a:off x="4582375" y="314053"/>
+            <a:off x="6106375" y="314053"/>
             <a:ext cx="12700" cy="4183574"/>
           </a:xfrm>
           <a:prstGeom prst="bentConnector3">
@@ -16025,7 +16048,7 @@
         </p:nvSpPr>
         <p:spPr>
           <a:xfrm>
-            <a:off x="2105363" y="2035584"/>
+            <a:off x="3629363" y="2035584"/>
             <a:ext cx="770450" cy="370256"/>
           </a:xfrm>
           <a:prstGeom prst="diamond">
@@ -16060,7 +16083,7 @@
           <a:lstStyle/>
           <a:p>
             <a:pPr algn="ctr"/>
-            <a:endParaRPr lang="hu-HU" sz="2400" dirty="0" smtClean="0">
+            <a:endParaRPr lang="hu-HU" sz="2400" dirty="0">
               <a:solidFill>
                 <a:schemeClr val="bg1"/>
               </a:solidFill>
@@ -16078,7 +16101,7 @@
         </p:nvCxnSpPr>
         <p:spPr>
           <a:xfrm>
-            <a:off x="7059387" y="2220712"/>
+            <a:off x="8583388" y="2220712"/>
             <a:ext cx="655201" cy="0"/>
           </a:xfrm>
           <a:prstGeom prst="straightConnector1">
@@ -16115,7 +16138,7 @@
         </p:nvSpPr>
         <p:spPr>
           <a:xfrm>
-            <a:off x="6288937" y="2035584"/>
+            <a:off x="7812937" y="2035584"/>
             <a:ext cx="770450" cy="370256"/>
           </a:xfrm>
           <a:prstGeom prst="diamond">
@@ -16150,7 +16173,7 @@
           <a:lstStyle/>
           <a:p>
             <a:pPr algn="ctr"/>
-            <a:endParaRPr lang="hu-HU" sz="2400" dirty="0" smtClean="0">
+            <a:endParaRPr lang="hu-HU" sz="2400" dirty="0">
               <a:solidFill>
                 <a:schemeClr val="bg1"/>
               </a:solidFill>
@@ -16158,8 +16181,8 @@
           </a:p>
         </p:txBody>
       </p:sp>
-      <mc:AlternateContent xmlns:mc="http://schemas.openxmlformats.org/markup-compatibility/2006" xmlns:a14="http://schemas.microsoft.com/office/drawing/2010/main">
-        <mc:Choice Requires="a14">
+      <mc:AlternateContent xmlns:mc="http://schemas.openxmlformats.org/markup-compatibility/2006">
+        <mc:Choice xmlns:a14="http://schemas.microsoft.com/office/drawing/2010/main" Requires="a14">
           <p:sp>
             <p:nvSpPr>
               <p:cNvPr id="33" name="TextBox 32"/>
@@ -16168,7 +16191,7 @@
             </p:nvSpPr>
             <p:spPr>
               <a:xfrm>
-                <a:off x="1306127" y="3084322"/>
+                <a:off x="2830127" y="3084323"/>
                 <a:ext cx="2100190" cy="276999"/>
               </a:xfrm>
               <a:prstGeom prst="rect">
@@ -16190,7 +16213,7 @@
                     </m:oMathParaPr>
                     <m:oMath xmlns:m="http://schemas.openxmlformats.org/officeDocument/2006/math">
                       <m:r>
-                        <a:rPr lang="hu-HU" b="0" i="1" smtClean="0">
+                        <a:rPr lang="hu-HU" i="1">
                           <a:latin typeface="Cambria Math" panose="02040503050406030204" pitchFamily="18" charset="0"/>
                         </a:rPr>
                         <m:t>[</m:t>
@@ -16199,13 +16222,13 @@
                         <m:rPr>
                           <m:sty m:val="p"/>
                         </m:rPr>
-                        <a:rPr lang="hu-HU" b="0" i="0" smtClean="0">
+                        <a:rPr lang="hu-HU">
                           <a:latin typeface="Cambria Math" panose="02040503050406030204" pitchFamily="18" charset="0"/>
                         </a:rPr>
                         <m:t>source</m:t>
                       </m:r>
                       <m:r>
-                        <a:rPr lang="hu-HU" b="0" i="0" smtClean="0">
+                        <a:rPr lang="hu-HU">
                           <a:latin typeface="Cambria Math" panose="02040503050406030204" pitchFamily="18" charset="0"/>
                         </a:rPr>
                         <m:t> </m:t>
@@ -16214,13 +16237,13 @@
                         <m:rPr>
                           <m:sty m:val="p"/>
                         </m:rPr>
-                        <a:rPr lang="hu-HU" b="0" i="0" smtClean="0">
+                        <a:rPr lang="hu-HU">
                           <a:latin typeface="Cambria Math" panose="02040503050406030204" pitchFamily="18" charset="0"/>
                         </a:rPr>
                         <m:t>unmodified</m:t>
                       </m:r>
                       <m:r>
-                        <a:rPr lang="hu-HU" b="0" i="1" smtClean="0">
+                        <a:rPr lang="hu-HU" i="1">
                           <a:latin typeface="Cambria Math" panose="02040503050406030204" pitchFamily="18" charset="0"/>
                         </a:rPr>
                         <m:t>]</m:t>
@@ -16233,7 +16256,7 @@
             </p:txBody>
           </p:sp>
         </mc:Choice>
-        <mc:Fallback xmlns="">
+        <mc:Fallback>
           <p:sp>
             <p:nvSpPr>
               <p:cNvPr id="33" name="TextBox 32"/>
@@ -16244,13 +16267,13 @@
             </p:nvSpPr>
             <p:spPr>
               <a:xfrm>
-                <a:off x="1306127" y="3084322"/>
+                <a:off x="2830127" y="3084323"/>
                 <a:ext cx="2100190" cy="276999"/>
               </a:xfrm>
               <a:prstGeom prst="rect">
                 <a:avLst/>
               </a:prstGeom>
-              <a:blipFill rotWithShape="0">
+              <a:blipFill>
                 <a:blip r:embed="rId3"/>
                 <a:stretch>
                   <a:fillRect l="-2609" t="-4444" r="-2899" b="-37778"/>
@@ -16262,7 +16285,7 @@
               <a:lstStyle/>
               <a:p>
                 <a:r>
-                  <a:rPr lang="hu-HU">
+                  <a:rPr lang="en-US">
                     <a:noFill/>
                   </a:rPr>
                   <a:t> </a:t>
@@ -16283,7 +16306,7 @@
         </p:nvCxnSpPr>
         <p:spPr>
           <a:xfrm>
-            <a:off x="5455487" y="1556238"/>
+            <a:off x="6979488" y="1556238"/>
             <a:ext cx="1218675" cy="479346"/>
           </a:xfrm>
           <a:prstGeom prst="bentConnector2">
@@ -16320,7 +16343,7 @@
         </p:nvSpPr>
         <p:spPr>
           <a:xfrm>
-            <a:off x="3721963" y="1257337"/>
+            <a:off x="5245963" y="1257338"/>
             <a:ext cx="1733524" cy="597801"/>
           </a:xfrm>
           <a:prstGeom prst="roundRect">
@@ -16356,14 +16379,14 @@
           <a:p>
             <a:pPr algn="ctr"/>
             <a:r>
-              <a:rPr lang="hu-HU" sz="2000" dirty="0" err="1" smtClean="0">
+              <a:rPr lang="hu-HU" sz="2000" dirty="0" err="1">
                 <a:solidFill>
                   <a:schemeClr val="tx1"/>
                 </a:solidFill>
               </a:rPr>
               <a:t>Compile</a:t>
             </a:r>
-            <a:endParaRPr lang="hu-HU" sz="2000" dirty="0" smtClean="0">
+            <a:endParaRPr lang="hu-HU" sz="2000" dirty="0">
               <a:solidFill>
                 <a:schemeClr val="tx1"/>
               </a:solidFill>
